--- a/week1.pptx
+++ b/week1.pptx
@@ -10,12 +10,17 @@
     <p:sldId id="318" r:id="rId4"/>
     <p:sldId id="320" r:id="rId5"/>
     <p:sldId id="338" r:id="rId6"/>
-    <p:sldId id="335" r:id="rId7"/>
-    <p:sldId id="339" r:id="rId8"/>
-    <p:sldId id="342" r:id="rId9"/>
-    <p:sldId id="343" r:id="rId10"/>
-    <p:sldId id="344" r:id="rId11"/>
-    <p:sldId id="321" r:id="rId12"/>
+    <p:sldId id="345" r:id="rId7"/>
+    <p:sldId id="335" r:id="rId8"/>
+    <p:sldId id="348" r:id="rId9"/>
+    <p:sldId id="339" r:id="rId10"/>
+    <p:sldId id="346" r:id="rId11"/>
+    <p:sldId id="347" r:id="rId12"/>
+    <p:sldId id="349" r:id="rId13"/>
+    <p:sldId id="350" r:id="rId14"/>
+    <p:sldId id="342" r:id="rId15"/>
+    <p:sldId id="343" r:id="rId16"/>
+    <p:sldId id="321" r:id="rId17"/>
   </p:sldIdLst>
   <p:sldSz cx="9144000" cy="6858000" type="screen4x3"/>
   <p:notesSz cx="6858000" cy="9144000"/>
@@ -181,6 +186,428 @@
     </p:ext>
   </p:extLst>
 </p:presentation>
+</file>
+
+<file path=ppt/revisionInfo.xml><?xml version="1.0" encoding="utf-8"?>
+<p1510:revInfo xmlns:a="http://schemas.openxmlformats.org/drawingml/2006/main" xmlns:r="http://schemas.openxmlformats.org/officeDocument/2006/relationships" xmlns:p1510="http://schemas.microsoft.com/office/powerpoint/2015/10/main">
+  <p1510:revLst>
+    <p1510:client id="{1DCD2ADE-4C0E-4637-8810-A84C053228ED}" v="1774" dt="2018-09-12T02:57:37.721"/>
+  </p1510:revLst>
+</p1510:revInfo>
+</file>
+
+<file path=ppt/changesInfos/changesInfo1.xml><?xml version="1.0" encoding="utf-8"?>
+<pc:chgInfo xmlns:a="http://schemas.openxmlformats.org/drawingml/2006/main" xmlns:r="http://schemas.openxmlformats.org/officeDocument/2006/relationships" xmlns:ac="http://schemas.microsoft.com/office/drawing/2013/main/command" xmlns:pc="http://schemas.microsoft.com/office/powerpoint/2013/main/command">
+  <pc:docChgLst>
+    <pc:chgData name="신 동진" userId="fcffd04487e829fb" providerId="LiveId" clId="{1DCD2ADE-4C0E-4637-8810-A84C053228ED}"/>
+    <pc:docChg chg="undo custSel addSld delSld modSld sldOrd">
+      <pc:chgData name="신 동진" userId="fcffd04487e829fb" providerId="LiveId" clId="{1DCD2ADE-4C0E-4637-8810-A84C053228ED}" dt="2018-09-12T02:57:37.721" v="1773" actId="208"/>
+      <pc:docMkLst>
+        <pc:docMk/>
+      </pc:docMkLst>
+      <pc:sldChg chg="modSp">
+        <pc:chgData name="신 동진" userId="fcffd04487e829fb" providerId="LiveId" clId="{1DCD2ADE-4C0E-4637-8810-A84C053228ED}" dt="2018-09-12T02:37:06.250" v="1646" actId="20577"/>
+        <pc:sldMkLst>
+          <pc:docMk/>
+          <pc:sldMk cId="0" sldId="318"/>
+        </pc:sldMkLst>
+        <pc:spChg chg="mod">
+          <ac:chgData name="신 동진" userId="fcffd04487e829fb" providerId="LiveId" clId="{1DCD2ADE-4C0E-4637-8810-A84C053228ED}" dt="2018-09-12T02:37:06.250" v="1646" actId="20577"/>
+          <ac:spMkLst>
+            <pc:docMk/>
+            <pc:sldMk cId="0" sldId="318"/>
+            <ac:spMk id="12309" creationId="{00000000-0000-0000-0000-000000000000}"/>
+          </ac:spMkLst>
+        </pc:spChg>
+      </pc:sldChg>
+      <pc:sldChg chg="addSp delSp modSp">
+        <pc:chgData name="신 동진" userId="fcffd04487e829fb" providerId="LiveId" clId="{1DCD2ADE-4C0E-4637-8810-A84C053228ED}" dt="2018-09-12T02:47:57.244" v="1668" actId="1076"/>
+        <pc:sldMkLst>
+          <pc:docMk/>
+          <pc:sldMk cId="0" sldId="334"/>
+        </pc:sldMkLst>
+        <pc:spChg chg="mod">
+          <ac:chgData name="신 동진" userId="fcffd04487e829fb" providerId="LiveId" clId="{1DCD2ADE-4C0E-4637-8810-A84C053228ED}" dt="2018-09-12T02:47:57.244" v="1668" actId="1076"/>
+          <ac:spMkLst>
+            <pc:docMk/>
+            <pc:sldMk cId="0" sldId="334"/>
+            <ac:spMk id="10242" creationId="{00000000-0000-0000-0000-000000000000}"/>
+          </ac:spMkLst>
+        </pc:spChg>
+        <pc:spChg chg="mod">
+          <ac:chgData name="신 동진" userId="fcffd04487e829fb" providerId="LiveId" clId="{1DCD2ADE-4C0E-4637-8810-A84C053228ED}" dt="2018-09-12T01:27:10.885" v="24" actId="20577"/>
+          <ac:spMkLst>
+            <pc:docMk/>
+            <pc:sldMk cId="0" sldId="334"/>
+            <ac:spMk id="10244" creationId="{00000000-0000-0000-0000-000000000000}"/>
+          </ac:spMkLst>
+        </pc:spChg>
+        <pc:picChg chg="add del mod">
+          <ac:chgData name="신 동진" userId="fcffd04487e829fb" providerId="LiveId" clId="{1DCD2ADE-4C0E-4637-8810-A84C053228ED}" dt="2018-09-12T02:45:40.589" v="1660" actId="478"/>
+          <ac:picMkLst>
+            <pc:docMk/>
+            <pc:sldMk cId="0" sldId="334"/>
+            <ac:picMk id="4098" creationId="{A5C010DB-C8E3-48A4-B857-D31330B1B1D7}"/>
+          </ac:picMkLst>
+        </pc:picChg>
+        <pc:picChg chg="add del mod">
+          <ac:chgData name="신 동진" userId="fcffd04487e829fb" providerId="LiveId" clId="{1DCD2ADE-4C0E-4637-8810-A84C053228ED}" dt="2018-09-12T02:47:30.915" v="1664" actId="478"/>
+          <ac:picMkLst>
+            <pc:docMk/>
+            <pc:sldMk cId="0" sldId="334"/>
+            <ac:picMk id="4100" creationId="{6BC61513-80CC-4F03-BBC6-817A5BA95B03}"/>
+          </ac:picMkLst>
+        </pc:picChg>
+        <pc:picChg chg="add mod">
+          <ac:chgData name="신 동진" userId="fcffd04487e829fb" providerId="LiveId" clId="{1DCD2ADE-4C0E-4637-8810-A84C053228ED}" dt="2018-09-12T02:47:38.169" v="1666" actId="1076"/>
+          <ac:picMkLst>
+            <pc:docMk/>
+            <pc:sldMk cId="0" sldId="334"/>
+            <ac:picMk id="4102" creationId="{C08DA283-E629-4179-95FB-77FF18497532}"/>
+          </ac:picMkLst>
+        </pc:picChg>
+        <pc:picChg chg="del">
+          <ac:chgData name="신 동진" userId="fcffd04487e829fb" providerId="LiveId" clId="{1DCD2ADE-4C0E-4637-8810-A84C053228ED}" dt="2018-09-12T02:36:41.146" v="1625" actId="478"/>
+          <ac:picMkLst>
+            <pc:docMk/>
+            <pc:sldMk cId="0" sldId="334"/>
+            <ac:picMk id="22530" creationId="{4F2A2C05-8E55-4EF4-9BF5-DE17E752C3BF}"/>
+          </ac:picMkLst>
+        </pc:picChg>
+      </pc:sldChg>
+      <pc:sldChg chg="modSp">
+        <pc:chgData name="신 동진" userId="fcffd04487e829fb" providerId="LiveId" clId="{1DCD2ADE-4C0E-4637-8810-A84C053228ED}" dt="2018-09-12T02:57:37.721" v="1773" actId="208"/>
+        <pc:sldMkLst>
+          <pc:docMk/>
+          <pc:sldMk cId="1651297723" sldId="335"/>
+        </pc:sldMkLst>
+        <pc:picChg chg="mod">
+          <ac:chgData name="신 동진" userId="fcffd04487e829fb" providerId="LiveId" clId="{1DCD2ADE-4C0E-4637-8810-A84C053228ED}" dt="2018-09-12T02:57:37.721" v="1773" actId="208"/>
+          <ac:picMkLst>
+            <pc:docMk/>
+            <pc:sldMk cId="1651297723" sldId="335"/>
+            <ac:picMk id="3" creationId="{3EE482E0-5EA2-4CE2-AF2F-9CD3D90D1E37}"/>
+          </ac:picMkLst>
+        </pc:picChg>
+      </pc:sldChg>
+      <pc:sldChg chg="delSp modSp">
+        <pc:chgData name="신 동진" userId="fcffd04487e829fb" providerId="LiveId" clId="{1DCD2ADE-4C0E-4637-8810-A84C053228ED}" dt="2018-09-12T02:37:20.812" v="1647" actId="207"/>
+        <pc:sldMkLst>
+          <pc:docMk/>
+          <pc:sldMk cId="3598702038" sldId="338"/>
+        </pc:sldMkLst>
+        <pc:spChg chg="mod">
+          <ac:chgData name="신 동진" userId="fcffd04487e829fb" providerId="LiveId" clId="{1DCD2ADE-4C0E-4637-8810-A84C053228ED}" dt="2018-09-12T02:37:20.812" v="1647" actId="207"/>
+          <ac:spMkLst>
+            <pc:docMk/>
+            <pc:sldMk cId="3598702038" sldId="338"/>
+            <ac:spMk id="28" creationId="{00000000-0000-0000-0000-000000000000}"/>
+          </ac:spMkLst>
+        </pc:spChg>
+        <pc:spChg chg="del">
+          <ac:chgData name="신 동진" userId="fcffd04487e829fb" providerId="LiveId" clId="{1DCD2ADE-4C0E-4637-8810-A84C053228ED}" dt="2018-09-12T01:28:40.595" v="49" actId="478"/>
+          <ac:spMkLst>
+            <pc:docMk/>
+            <pc:sldMk cId="3598702038" sldId="338"/>
+            <ac:spMk id="29" creationId="{00000000-0000-0000-0000-000000000000}"/>
+          </ac:spMkLst>
+        </pc:spChg>
+      </pc:sldChg>
+      <pc:sldChg chg="modSp">
+        <pc:chgData name="신 동진" userId="fcffd04487e829fb" providerId="LiveId" clId="{1DCD2ADE-4C0E-4637-8810-A84C053228ED}" dt="2018-09-12T01:56:08.763" v="547"/>
+        <pc:sldMkLst>
+          <pc:docMk/>
+          <pc:sldMk cId="554154473" sldId="339"/>
+        </pc:sldMkLst>
+        <pc:spChg chg="mod">
+          <ac:chgData name="신 동진" userId="fcffd04487e829fb" providerId="LiveId" clId="{1DCD2ADE-4C0E-4637-8810-A84C053228ED}" dt="2018-09-12T01:54:00.816" v="182"/>
+          <ac:spMkLst>
+            <pc:docMk/>
+            <pc:sldMk cId="554154473" sldId="339"/>
+            <ac:spMk id="28" creationId="{00000000-0000-0000-0000-000000000000}"/>
+          </ac:spMkLst>
+        </pc:spChg>
+        <pc:spChg chg="mod">
+          <ac:chgData name="신 동진" userId="fcffd04487e829fb" providerId="LiveId" clId="{1DCD2ADE-4C0E-4637-8810-A84C053228ED}" dt="2018-09-12T01:56:08.763" v="547"/>
+          <ac:spMkLst>
+            <pc:docMk/>
+            <pc:sldMk cId="554154473" sldId="339"/>
+            <ac:spMk id="29" creationId="{00000000-0000-0000-0000-000000000000}"/>
+          </ac:spMkLst>
+        </pc:spChg>
+      </pc:sldChg>
+      <pc:sldChg chg="modSp">
+        <pc:chgData name="신 동진" userId="fcffd04487e829fb" providerId="LiveId" clId="{1DCD2ADE-4C0E-4637-8810-A84C053228ED}" dt="2018-09-12T02:09:30.957" v="941" actId="1076"/>
+        <pc:sldMkLst>
+          <pc:docMk/>
+          <pc:sldMk cId="3723581921" sldId="342"/>
+        </pc:sldMkLst>
+        <pc:spChg chg="mod">
+          <ac:chgData name="신 동진" userId="fcffd04487e829fb" providerId="LiveId" clId="{1DCD2ADE-4C0E-4637-8810-A84C053228ED}" dt="2018-09-12T02:09:26.740" v="940" actId="20577"/>
+          <ac:spMkLst>
+            <pc:docMk/>
+            <pc:sldMk cId="3723581921" sldId="342"/>
+            <ac:spMk id="16" creationId="{00000000-0000-0000-0000-000000000000}"/>
+          </ac:spMkLst>
+        </pc:spChg>
+        <pc:picChg chg="mod">
+          <ac:chgData name="신 동진" userId="fcffd04487e829fb" providerId="LiveId" clId="{1DCD2ADE-4C0E-4637-8810-A84C053228ED}" dt="2018-09-12T02:09:30.957" v="941" actId="1076"/>
+          <ac:picMkLst>
+            <pc:docMk/>
+            <pc:sldMk cId="3723581921" sldId="342"/>
+            <ac:picMk id="3" creationId="{0814D572-77A7-4483-9871-E91415FE0B3B}"/>
+          </ac:picMkLst>
+        </pc:picChg>
+      </pc:sldChg>
+      <pc:sldChg chg="modSp">
+        <pc:chgData name="신 동진" userId="fcffd04487e829fb" providerId="LiveId" clId="{1DCD2ADE-4C0E-4637-8810-A84C053228ED}" dt="2018-09-12T02:34:24.076" v="1622" actId="20577"/>
+        <pc:sldMkLst>
+          <pc:docMk/>
+          <pc:sldMk cId="1716730475" sldId="343"/>
+        </pc:sldMkLst>
+        <pc:spChg chg="mod">
+          <ac:chgData name="신 동진" userId="fcffd04487e829fb" providerId="LiveId" clId="{1DCD2ADE-4C0E-4637-8810-A84C053228ED}" dt="2018-09-12T02:34:24.076" v="1622" actId="20577"/>
+          <ac:spMkLst>
+            <pc:docMk/>
+            <pc:sldMk cId="1716730475" sldId="343"/>
+            <ac:spMk id="28" creationId="{00000000-0000-0000-0000-000000000000}"/>
+          </ac:spMkLst>
+        </pc:spChg>
+        <pc:spChg chg="mod">
+          <ac:chgData name="신 동진" userId="fcffd04487e829fb" providerId="LiveId" clId="{1DCD2ADE-4C0E-4637-8810-A84C053228ED}" dt="2018-09-12T02:34:12.526" v="1600" actId="20577"/>
+          <ac:spMkLst>
+            <pc:docMk/>
+            <pc:sldMk cId="1716730475" sldId="343"/>
+            <ac:spMk id="29" creationId="{00000000-0000-0000-0000-000000000000}"/>
+          </ac:spMkLst>
+        </pc:spChg>
+        <pc:spChg chg="mod">
+          <ac:chgData name="신 동진" userId="fcffd04487e829fb" providerId="LiveId" clId="{1DCD2ADE-4C0E-4637-8810-A84C053228ED}" dt="2018-09-12T02:10:45.221" v="955" actId="20577"/>
+          <ac:spMkLst>
+            <pc:docMk/>
+            <pc:sldMk cId="1716730475" sldId="343"/>
+            <ac:spMk id="15362" creationId="{00000000-0000-0000-0000-000000000000}"/>
+          </ac:spMkLst>
+        </pc:spChg>
+      </pc:sldChg>
+      <pc:sldChg chg="del">
+        <pc:chgData name="신 동진" userId="fcffd04487e829fb" providerId="LiveId" clId="{1DCD2ADE-4C0E-4637-8810-A84C053228ED}" dt="2018-09-12T02:34:36.110" v="1623" actId="2696"/>
+        <pc:sldMkLst>
+          <pc:docMk/>
+          <pc:sldMk cId="3124600495" sldId="344"/>
+        </pc:sldMkLst>
+      </pc:sldChg>
+      <pc:sldChg chg="addSp delSp modSp add">
+        <pc:chgData name="신 동진" userId="fcffd04487e829fb" providerId="LiveId" clId="{1DCD2ADE-4C0E-4637-8810-A84C053228ED}" dt="2018-09-12T01:53:11.721" v="163" actId="1076"/>
+        <pc:sldMkLst>
+          <pc:docMk/>
+          <pc:sldMk cId="3223492104" sldId="345"/>
+        </pc:sldMkLst>
+        <pc:spChg chg="add mod">
+          <ac:chgData name="신 동진" userId="fcffd04487e829fb" providerId="LiveId" clId="{1DCD2ADE-4C0E-4637-8810-A84C053228ED}" dt="2018-09-12T01:53:11.721" v="163" actId="1076"/>
+          <ac:spMkLst>
+            <pc:docMk/>
+            <pc:sldMk cId="3223492104" sldId="345"/>
+            <ac:spMk id="2" creationId="{36A9C758-3261-48A2-B946-B4A42E32CF30}"/>
+          </ac:spMkLst>
+        </pc:spChg>
+        <pc:spChg chg="del">
+          <ac:chgData name="신 동진" userId="fcffd04487e829fb" providerId="LiveId" clId="{1DCD2ADE-4C0E-4637-8810-A84C053228ED}" dt="2018-09-12T01:29:03.964" v="52" actId="478"/>
+          <ac:spMkLst>
+            <pc:docMk/>
+            <pc:sldMk cId="3223492104" sldId="345"/>
+            <ac:spMk id="28" creationId="{00000000-0000-0000-0000-000000000000}"/>
+          </ac:spMkLst>
+        </pc:spChg>
+        <pc:picChg chg="add mod modCrop">
+          <ac:chgData name="신 동진" userId="fcffd04487e829fb" providerId="LiveId" clId="{1DCD2ADE-4C0E-4637-8810-A84C053228ED}" dt="2018-09-12T01:51:37.878" v="130" actId="1076"/>
+          <ac:picMkLst>
+            <pc:docMk/>
+            <pc:sldMk cId="3223492104" sldId="345"/>
+            <ac:picMk id="1026" creationId="{CA2FC400-8AF6-49DA-92F4-DCEABC5CEB18}"/>
+          </ac:picMkLst>
+        </pc:picChg>
+      </pc:sldChg>
+      <pc:sldChg chg="add del">
+        <pc:chgData name="신 동진" userId="fcffd04487e829fb" providerId="LiveId" clId="{1DCD2ADE-4C0E-4637-8810-A84C053228ED}" dt="2018-09-12T01:56:20.868" v="549" actId="2696"/>
+        <pc:sldMkLst>
+          <pc:docMk/>
+          <pc:sldMk cId="498183515" sldId="346"/>
+        </pc:sldMkLst>
+      </pc:sldChg>
+      <pc:sldChg chg="addSp delSp modSp add">
+        <pc:chgData name="신 동진" userId="fcffd04487e829fb" providerId="LiveId" clId="{1DCD2ADE-4C0E-4637-8810-A84C053228ED}" dt="2018-09-12T02:44:00.822" v="1656" actId="20577"/>
+        <pc:sldMkLst>
+          <pc:docMk/>
+          <pc:sldMk cId="1626654384" sldId="346"/>
+        </pc:sldMkLst>
+        <pc:spChg chg="mod">
+          <ac:chgData name="신 동진" userId="fcffd04487e829fb" providerId="LiveId" clId="{1DCD2ADE-4C0E-4637-8810-A84C053228ED}" dt="2018-09-12T01:57:04.320" v="565" actId="20577"/>
+          <ac:spMkLst>
+            <pc:docMk/>
+            <pc:sldMk cId="1626654384" sldId="346"/>
+            <ac:spMk id="28" creationId="{00000000-0000-0000-0000-000000000000}"/>
+          </ac:spMkLst>
+        </pc:spChg>
+        <pc:spChg chg="mod">
+          <ac:chgData name="신 동진" userId="fcffd04487e829fb" providerId="LiveId" clId="{1DCD2ADE-4C0E-4637-8810-A84C053228ED}" dt="2018-09-12T02:44:00.822" v="1656" actId="20577"/>
+          <ac:spMkLst>
+            <pc:docMk/>
+            <pc:sldMk cId="1626654384" sldId="346"/>
+            <ac:spMk id="29" creationId="{00000000-0000-0000-0000-000000000000}"/>
+          </ac:spMkLst>
+        </pc:spChg>
+        <pc:picChg chg="add del mod modCrop">
+          <ac:chgData name="신 동진" userId="fcffd04487e829fb" providerId="LiveId" clId="{1DCD2ADE-4C0E-4637-8810-A84C053228ED}" dt="2018-09-12T02:02:00.338" v="574" actId="478"/>
+          <ac:picMkLst>
+            <pc:docMk/>
+            <pc:sldMk cId="1626654384" sldId="346"/>
+            <ac:picMk id="2050" creationId="{95C0E44A-FD7F-447E-A9A7-D086985CACD4}"/>
+          </ac:picMkLst>
+        </pc:picChg>
+      </pc:sldChg>
+      <pc:sldChg chg="addSp delSp modSp add">
+        <pc:chgData name="신 동진" userId="fcffd04487e829fb" providerId="LiveId" clId="{1DCD2ADE-4C0E-4637-8810-A84C053228ED}" dt="2018-09-12T02:50:57.060" v="1674" actId="1076"/>
+        <pc:sldMkLst>
+          <pc:docMk/>
+          <pc:sldMk cId="923007633" sldId="347"/>
+        </pc:sldMkLst>
+        <pc:spChg chg="del mod">
+          <ac:chgData name="신 동진" userId="fcffd04487e829fb" providerId="LiveId" clId="{1DCD2ADE-4C0E-4637-8810-A84C053228ED}" dt="2018-09-12T02:05:36.342" v="821" actId="478"/>
+          <ac:spMkLst>
+            <pc:docMk/>
+            <pc:sldMk cId="923007633" sldId="347"/>
+            <ac:spMk id="29" creationId="{00000000-0000-0000-0000-000000000000}"/>
+          </ac:spMkLst>
+        </pc:spChg>
+        <pc:picChg chg="add del mod">
+          <ac:chgData name="신 동진" userId="fcffd04487e829fb" providerId="LiveId" clId="{1DCD2ADE-4C0E-4637-8810-A84C053228ED}" dt="2018-09-12T02:08:16.473" v="917" actId="478"/>
+          <ac:picMkLst>
+            <pc:docMk/>
+            <pc:sldMk cId="923007633" sldId="347"/>
+            <ac:picMk id="5" creationId="{C297A704-4E29-4322-AE2E-994D43CBC234}"/>
+          </ac:picMkLst>
+        </pc:picChg>
+        <pc:picChg chg="add del mod">
+          <ac:chgData name="신 동진" userId="fcffd04487e829fb" providerId="LiveId" clId="{1DCD2ADE-4C0E-4637-8810-A84C053228ED}" dt="2018-09-12T02:50:52.463" v="1670" actId="478"/>
+          <ac:picMkLst>
+            <pc:docMk/>
+            <pc:sldMk cId="923007633" sldId="347"/>
+            <ac:picMk id="3074" creationId="{390E08D4-AF18-4496-A96B-5B7B77BBCBA3}"/>
+          </ac:picMkLst>
+        </pc:picChg>
+        <pc:picChg chg="add mod">
+          <ac:chgData name="신 동진" userId="fcffd04487e829fb" providerId="LiveId" clId="{1DCD2ADE-4C0E-4637-8810-A84C053228ED}" dt="2018-09-12T02:50:57.060" v="1674" actId="1076"/>
+          <ac:picMkLst>
+            <pc:docMk/>
+            <pc:sldMk cId="923007633" sldId="347"/>
+            <ac:picMk id="3076" creationId="{FECEBDE9-EED6-4574-9CEC-48AB223955D6}"/>
+          </ac:picMkLst>
+        </pc:picChg>
+      </pc:sldChg>
+      <pc:sldChg chg="modSp add ord">
+        <pc:chgData name="신 동진" userId="fcffd04487e829fb" providerId="LiveId" clId="{1DCD2ADE-4C0E-4637-8810-A84C053228ED}" dt="2018-09-12T02:37:41.776" v="1648"/>
+        <pc:sldMkLst>
+          <pc:docMk/>
+          <pc:sldMk cId="495744482" sldId="348"/>
+        </pc:sldMkLst>
+        <pc:spChg chg="mod">
+          <ac:chgData name="신 동진" userId="fcffd04487e829fb" providerId="LiveId" clId="{1DCD2ADE-4C0E-4637-8810-A84C053228ED}" dt="2018-09-12T02:14:18.722" v="1121" actId="20577"/>
+          <ac:spMkLst>
+            <pc:docMk/>
+            <pc:sldMk cId="495744482" sldId="348"/>
+            <ac:spMk id="28" creationId="{00000000-0000-0000-0000-000000000000}"/>
+          </ac:spMkLst>
+        </pc:spChg>
+        <pc:spChg chg="mod">
+          <ac:chgData name="신 동진" userId="fcffd04487e829fb" providerId="LiveId" clId="{1DCD2ADE-4C0E-4637-8810-A84C053228ED}" dt="2018-09-12T02:17:01.615" v="1353" actId="20577"/>
+          <ac:spMkLst>
+            <pc:docMk/>
+            <pc:sldMk cId="495744482" sldId="348"/>
+            <ac:spMk id="29" creationId="{00000000-0000-0000-0000-000000000000}"/>
+          </ac:spMkLst>
+        </pc:spChg>
+      </pc:sldChg>
+      <pc:sldChg chg="addSp modSp add">
+        <pc:chgData name="신 동진" userId="fcffd04487e829fb" providerId="LiveId" clId="{1DCD2ADE-4C0E-4637-8810-A84C053228ED}" dt="2018-09-12T02:52:36.376" v="1689" actId="1076"/>
+        <pc:sldMkLst>
+          <pc:docMk/>
+          <pc:sldMk cId="1186185183" sldId="349"/>
+        </pc:sldMkLst>
+        <pc:spChg chg="add mod">
+          <ac:chgData name="신 동진" userId="fcffd04487e829fb" providerId="LiveId" clId="{1DCD2ADE-4C0E-4637-8810-A84C053228ED}" dt="2018-09-12T02:51:43.735" v="1683" actId="1076"/>
+          <ac:spMkLst>
+            <pc:docMk/>
+            <pc:sldMk cId="1186185183" sldId="349"/>
+            <ac:spMk id="2" creationId="{A8631274-E36E-4CFE-AD43-7D8E66FBB123}"/>
+          </ac:spMkLst>
+        </pc:spChg>
+        <pc:spChg chg="add mod">
+          <ac:chgData name="신 동진" userId="fcffd04487e829fb" providerId="LiveId" clId="{1DCD2ADE-4C0E-4637-8810-A84C053228ED}" dt="2018-09-12T02:52:36.376" v="1689" actId="1076"/>
+          <ac:spMkLst>
+            <pc:docMk/>
+            <pc:sldMk cId="1186185183" sldId="349"/>
+            <ac:spMk id="6" creationId="{42C59FD1-EB41-403A-A222-5A866CEF1063}"/>
+          </ac:spMkLst>
+        </pc:spChg>
+        <pc:picChg chg="mod">
+          <ac:chgData name="신 동진" userId="fcffd04487e829fb" providerId="LiveId" clId="{1DCD2ADE-4C0E-4637-8810-A84C053228ED}" dt="2018-09-12T02:52:31.110" v="1688" actId="1076"/>
+          <ac:picMkLst>
+            <pc:docMk/>
+            <pc:sldMk cId="1186185183" sldId="349"/>
+            <ac:picMk id="3076" creationId="{FECEBDE9-EED6-4574-9CEC-48AB223955D6}"/>
+          </ac:picMkLst>
+        </pc:picChg>
+      </pc:sldChg>
+      <pc:sldChg chg="addSp modSp add">
+        <pc:chgData name="신 동진" userId="fcffd04487e829fb" providerId="LiveId" clId="{1DCD2ADE-4C0E-4637-8810-A84C053228ED}" dt="2018-09-12T02:53:20.786" v="1697" actId="14100"/>
+        <pc:sldMkLst>
+          <pc:docMk/>
+          <pc:sldMk cId="2521475788" sldId="350"/>
+        </pc:sldMkLst>
+        <pc:cxnChg chg="add mod">
+          <ac:chgData name="신 동진" userId="fcffd04487e829fb" providerId="LiveId" clId="{1DCD2ADE-4C0E-4637-8810-A84C053228ED}" dt="2018-09-12T02:53:12.147" v="1694" actId="14100"/>
+          <ac:cxnSpMkLst>
+            <pc:docMk/>
+            <pc:sldMk cId="2521475788" sldId="350"/>
+            <ac:cxnSpMk id="4" creationId="{B3AC40A5-561B-4E36-ADF9-3DDB48300BF4}"/>
+          </ac:cxnSpMkLst>
+        </pc:cxnChg>
+        <pc:cxnChg chg="add mod">
+          <ac:chgData name="신 동진" userId="fcffd04487e829fb" providerId="LiveId" clId="{1DCD2ADE-4C0E-4637-8810-A84C053228ED}" dt="2018-09-12T02:53:20.786" v="1697" actId="14100"/>
+          <ac:cxnSpMkLst>
+            <pc:docMk/>
+            <pc:sldMk cId="2521475788" sldId="350"/>
+            <ac:cxnSpMk id="10" creationId="{56A85FEC-EEC2-49B9-A0CA-0532A5B6653E}"/>
+          </ac:cxnSpMkLst>
+        </pc:cxnChg>
+      </pc:sldChg>
+      <pc:sldChg chg="modSp add del">
+        <pc:chgData name="신 동진" userId="fcffd04487e829fb" providerId="LiveId" clId="{1DCD2ADE-4C0E-4637-8810-A84C053228ED}" dt="2018-09-12T02:56:11.132" v="1772" actId="2696"/>
+        <pc:sldMkLst>
+          <pc:docMk/>
+          <pc:sldMk cId="2566609872" sldId="351"/>
+        </pc:sldMkLst>
+        <pc:spChg chg="mod">
+          <ac:chgData name="신 동진" userId="fcffd04487e829fb" providerId="LiveId" clId="{1DCD2ADE-4C0E-4637-8810-A84C053228ED}" dt="2018-09-12T02:55:44.380" v="1750" actId="20577"/>
+          <ac:spMkLst>
+            <pc:docMk/>
+            <pc:sldMk cId="2566609872" sldId="351"/>
+            <ac:spMk id="28" creationId="{00000000-0000-0000-0000-000000000000}"/>
+          </ac:spMkLst>
+        </pc:spChg>
+        <pc:spChg chg="mod">
+          <ac:chgData name="신 동진" userId="fcffd04487e829fb" providerId="LiveId" clId="{1DCD2ADE-4C0E-4637-8810-A84C053228ED}" dt="2018-09-12T02:56:06.125" v="1771" actId="20577"/>
+          <ac:spMkLst>
+            <pc:docMk/>
+            <pc:sldMk cId="2566609872" sldId="351"/>
+            <ac:spMk id="29" creationId="{00000000-0000-0000-0000-000000000000}"/>
+          </ac:spMkLst>
+        </pc:spChg>
+      </pc:sldChg>
+    </pc:docChg>
+  </pc:docChgLst>
+</pc:chgInfo>
 </file>
 
 <file path=ppt/slideLayouts/slideLayout1.xml><?xml version="1.0" encoding="utf-8"?>
@@ -20705,59 +21132,6 @@
           <a:chExt cx="0" cy="0"/>
         </a:xfrm>
       </p:grpSpPr>
-      <p:pic>
-        <p:nvPicPr>
-          <p:cNvPr id="22530" name="Picture 2" descr="ì±-ì ëí ì´ë¯¸ì§ ê²ìê²°ê³¼">
-            <a:extLst>
-              <a:ext uri="{FF2B5EF4-FFF2-40B4-BE49-F238E27FC236}">
-                <a16:creationId xmlns:a16="http://schemas.microsoft.com/office/drawing/2014/main" id="{4F2A2C05-8E55-4EF4-9BF5-DE17E752C3BF}"/>
-              </a:ext>
-            </a:extLst>
-          </p:cNvPr>
-          <p:cNvPicPr>
-            <a:picLocks noChangeAspect="1" noChangeArrowheads="1"/>
-          </p:cNvPicPr>
-          <p:nvPr/>
-        </p:nvPicPr>
-        <p:blipFill>
-          <a:blip r:embed="rId2">
-            <a:extLst>
-              <a:ext uri="{28A0092B-C50C-407E-A947-70E740481C1C}">
-                <a14:useLocalDpi xmlns:a14="http://schemas.microsoft.com/office/drawing/2010/main" val="0"/>
-              </a:ext>
-            </a:extLst>
-          </a:blip>
-          <a:srcRect/>
-          <a:stretch>
-            <a:fillRect/>
-          </a:stretch>
-        </p:blipFill>
-        <p:spPr bwMode="auto">
-          <a:xfrm>
-            <a:off x="3095923" y="3429000"/>
-            <a:ext cx="6073161" cy="3429000"/>
-          </a:xfrm>
-          <a:prstGeom prst="rect">
-            <a:avLst/>
-          </a:prstGeom>
-          <a:noFill/>
-          <a:ln>
-            <a:solidFill>
-              <a:schemeClr val="tx1"/>
-            </a:solidFill>
-          </a:ln>
-          <a:extLst>
-            <a:ext uri="{909E8E84-426E-40DD-AFC4-6F175D3DCCD1}">
-              <a14:hiddenFill xmlns:a14="http://schemas.microsoft.com/office/drawing/2010/main">
-                <a:solidFill>
-                  <a:srgbClr val="FFFFFF"/>
-                </a:solidFill>
-              </a14:hiddenFill>
-            </a:ext>
-          </a:extLst>
-        </p:spPr>
-      </p:pic>
       <p:sp>
         <p:nvSpPr>
           <p:cNvPr id="10244" name="TextBox 5"/>
@@ -20925,7 +21299,7 @@
                 <a:ea typeface="맑은 고딕" panose="020B0503020000020004" pitchFamily="50" charset="-127"/>
                 <a:cs typeface="Times New Roman" panose="02020603050405020304" pitchFamily="18" charset="0"/>
               </a:rPr>
-              <a:t>Book Management System</a:t>
+              <a:t>Smart Navigation System</a:t>
             </a:r>
           </a:p>
         </p:txBody>
@@ -20940,7 +21314,7 @@
         </p:nvSpPr>
         <p:spPr bwMode="auto">
           <a:xfrm>
-            <a:off x="-828600" y="5517232"/>
+            <a:off x="2052636" y="3537882"/>
             <a:ext cx="5038725" cy="646331"/>
           </a:xfrm>
           <a:prstGeom prst="rect">
@@ -21132,6 +21506,53 @@
           </a:p>
         </p:txBody>
       </p:sp>
+      <p:pic>
+        <p:nvPicPr>
+          <p:cNvPr id="4102" name="Picture 6" descr="navigationì ëí ì´ë¯¸ì§ ê²ìê²°ê³¼">
+            <a:extLst>
+              <a:ext uri="{FF2B5EF4-FFF2-40B4-BE49-F238E27FC236}">
+                <a16:creationId xmlns:a16="http://schemas.microsoft.com/office/drawing/2014/main" id="{C08DA283-E629-4179-95FB-77FF18497532}"/>
+              </a:ext>
+            </a:extLst>
+          </p:cNvPr>
+          <p:cNvPicPr>
+            <a:picLocks noChangeAspect="1" noChangeArrowheads="1"/>
+          </p:cNvPicPr>
+          <p:nvPr/>
+        </p:nvPicPr>
+        <p:blipFill>
+          <a:blip r:embed="rId2">
+            <a:extLst>
+              <a:ext uri="{28A0092B-C50C-407E-A947-70E740481C1C}">
+                <a14:useLocalDpi xmlns:a14="http://schemas.microsoft.com/office/drawing/2010/main" val="0"/>
+              </a:ext>
+            </a:extLst>
+          </a:blip>
+          <a:srcRect/>
+          <a:stretch>
+            <a:fillRect/>
+          </a:stretch>
+        </p:blipFill>
+        <p:spPr bwMode="auto">
+          <a:xfrm>
+            <a:off x="6156176" y="3861048"/>
+            <a:ext cx="2857500" cy="2857500"/>
+          </a:xfrm>
+          <a:prstGeom prst="rect">
+            <a:avLst/>
+          </a:prstGeom>
+          <a:noFill/>
+          <a:extLst>
+            <a:ext uri="{909E8E84-426E-40DD-AFC4-6F175D3DCCD1}">
+              <a14:hiddenFill xmlns:a14="http://schemas.microsoft.com/office/drawing/2010/main">
+                <a:solidFill>
+                  <a:srgbClr val="FFFFFF"/>
+                </a:solidFill>
+              </a14:hiddenFill>
+            </a:ext>
+          </a:extLst>
+        </p:spPr>
+      </p:pic>
     </p:spTree>
   </p:cSld>
   <p:clrMapOvr>
@@ -21144,6 +21565,2163 @@
 </file>
 
 <file path=ppt/slides/slide10.xml><?xml version="1.0" encoding="utf-8"?>
+<p:sld xmlns:a="http://schemas.openxmlformats.org/drawingml/2006/main" xmlns:r="http://schemas.openxmlformats.org/officeDocument/2006/relationships" xmlns:p="http://schemas.openxmlformats.org/presentationml/2006/main">
+  <p:cSld>
+    <p:spTree>
+      <p:nvGrpSpPr>
+        <p:cNvPr id="1" name=""/>
+        <p:cNvGrpSpPr/>
+        <p:nvPr/>
+      </p:nvGrpSpPr>
+      <p:grpSpPr>
+        <a:xfrm>
+          <a:off x="0" y="0"/>
+          <a:ext cx="0" cy="0"/>
+          <a:chOff x="0" y="0"/>
+          <a:chExt cx="0" cy="0"/>
+        </a:xfrm>
+      </p:grpSpPr>
+      <p:sp>
+        <p:nvSpPr>
+          <p:cNvPr id="15362" name="제목 1"/>
+          <p:cNvSpPr>
+            <a:spLocks noGrp="1"/>
+          </p:cNvSpPr>
+          <p:nvPr>
+            <p:ph type="title"/>
+          </p:nvPr>
+        </p:nvSpPr>
+        <p:spPr bwMode="auto">
+          <a:xfrm>
+            <a:off x="222250" y="301625"/>
+            <a:ext cx="7345363" cy="369888"/>
+          </a:xfrm>
+          <a:extLst>
+            <a:ext uri="{909E8E84-426E-40DD-AFC4-6F175D3DCCD1}">
+              <a14:hiddenFill xmlns:a14="http://schemas.microsoft.com/office/drawing/2010/main">
+                <a:solidFill>
+                  <a:srgbClr val="FFFFFF"/>
+                </a:solidFill>
+              </a14:hiddenFill>
+            </a:ext>
+            <a:ext uri="{91240B29-F687-4F45-9708-019B960494DF}">
+              <a14:hiddenLine xmlns:a14="http://schemas.microsoft.com/office/drawing/2010/main" w="9525">
+                <a:solidFill>
+                  <a:srgbClr val="000000"/>
+                </a:solidFill>
+                <a:miter lim="800000"/>
+                <a:headEnd/>
+                <a:tailEnd/>
+              </a14:hiddenLine>
+            </a:ext>
+          </a:extLst>
+        </p:spPr>
+        <p:txBody>
+          <a:bodyPr vert="horz" lIns="91440" tIns="45720" rIns="91440" bIns="45720" numCol="1" anchor="t" anchorCtr="0" compatLnSpc="1">
+            <a:prstTxWarp prst="textNoShape">
+              <a:avLst/>
+            </a:prstTxWarp>
+          </a:bodyPr>
+          <a:lstStyle/>
+          <a:p>
+            <a:pPr>
+              <a:defRPr/>
+            </a:pPr>
+            <a:r>
+              <a:rPr lang="en-US" altLang="ko-KR" dirty="0"/>
+              <a:t>Design</a:t>
+            </a:r>
+            <a:endParaRPr lang="ko-KR" altLang="ko-KR" dirty="0"/>
+          </a:p>
+        </p:txBody>
+      </p:sp>
+      <p:sp>
+        <p:nvSpPr>
+          <p:cNvPr id="28" name="TextBox 19"/>
+          <p:cNvSpPr txBox="1">
+            <a:spLocks noChangeArrowheads="1"/>
+          </p:cNvSpPr>
+          <p:nvPr/>
+        </p:nvSpPr>
+        <p:spPr bwMode="auto">
+          <a:xfrm>
+            <a:off x="2533650" y="1639888"/>
+            <a:ext cx="4076700" cy="785812"/>
+          </a:xfrm>
+          <a:prstGeom prst="rect">
+            <a:avLst/>
+          </a:prstGeom>
+          <a:noFill/>
+          <a:ln>
+            <a:noFill/>
+          </a:ln>
+          <a:extLst>
+            <a:ext uri="{909E8E84-426E-40DD-AFC4-6F175D3DCCD1}">
+              <a14:hiddenFill xmlns:a14="http://schemas.microsoft.com/office/drawing/2010/main">
+                <a:solidFill>
+                  <a:srgbClr val="FFFFFF"/>
+                </a:solidFill>
+              </a14:hiddenFill>
+            </a:ext>
+            <a:ext uri="{91240B29-F687-4F45-9708-019B960494DF}">
+              <a14:hiddenLine xmlns:a14="http://schemas.microsoft.com/office/drawing/2010/main" w="9525">
+                <a:solidFill>
+                  <a:srgbClr val="000000"/>
+                </a:solidFill>
+                <a:miter lim="800000"/>
+                <a:headEnd/>
+                <a:tailEnd/>
+              </a14:hiddenLine>
+            </a:ext>
+          </a:extLst>
+        </p:spPr>
+        <p:txBody>
+          <a:bodyPr>
+            <a:spAutoFit/>
+          </a:bodyPr>
+          <a:lstStyle>
+            <a:lvl1pPr>
+              <a:defRPr kumimoji="1">
+                <a:solidFill>
+                  <a:schemeClr val="tx1"/>
+                </a:solidFill>
+                <a:latin typeface="굴림" panose="020B0600000101010101" pitchFamily="50" charset="-127"/>
+                <a:ea typeface="굴림" panose="020B0600000101010101" pitchFamily="50" charset="-127"/>
+              </a:defRPr>
+            </a:lvl1pPr>
+            <a:lvl2pPr marL="742950" indent="-285750">
+              <a:defRPr kumimoji="1">
+                <a:solidFill>
+                  <a:schemeClr val="tx1"/>
+                </a:solidFill>
+                <a:latin typeface="굴림" panose="020B0600000101010101" pitchFamily="50" charset="-127"/>
+                <a:ea typeface="굴림" panose="020B0600000101010101" pitchFamily="50" charset="-127"/>
+              </a:defRPr>
+            </a:lvl2pPr>
+            <a:lvl3pPr marL="1143000" indent="-228600">
+              <a:defRPr kumimoji="1">
+                <a:solidFill>
+                  <a:schemeClr val="tx1"/>
+                </a:solidFill>
+                <a:latin typeface="굴림" panose="020B0600000101010101" pitchFamily="50" charset="-127"/>
+                <a:ea typeface="굴림" panose="020B0600000101010101" pitchFamily="50" charset="-127"/>
+              </a:defRPr>
+            </a:lvl3pPr>
+            <a:lvl4pPr marL="1600200" indent="-228600">
+              <a:defRPr kumimoji="1">
+                <a:solidFill>
+                  <a:schemeClr val="tx1"/>
+                </a:solidFill>
+                <a:latin typeface="굴림" panose="020B0600000101010101" pitchFamily="50" charset="-127"/>
+                <a:ea typeface="굴림" panose="020B0600000101010101" pitchFamily="50" charset="-127"/>
+              </a:defRPr>
+            </a:lvl4pPr>
+            <a:lvl5pPr marL="2057400" indent="-228600">
+              <a:defRPr kumimoji="1">
+                <a:solidFill>
+                  <a:schemeClr val="tx1"/>
+                </a:solidFill>
+                <a:latin typeface="굴림" panose="020B0600000101010101" pitchFamily="50" charset="-127"/>
+                <a:ea typeface="굴림" panose="020B0600000101010101" pitchFamily="50" charset="-127"/>
+              </a:defRPr>
+            </a:lvl5pPr>
+            <a:lvl6pPr marL="2514600" indent="-228600" eaLnBrk="0" fontAlgn="base" hangingPunct="0">
+              <a:spcBef>
+                <a:spcPct val="0"/>
+              </a:spcBef>
+              <a:spcAft>
+                <a:spcPct val="0"/>
+              </a:spcAft>
+              <a:defRPr kumimoji="1">
+                <a:solidFill>
+                  <a:schemeClr val="tx1"/>
+                </a:solidFill>
+                <a:latin typeface="굴림" panose="020B0600000101010101" pitchFamily="50" charset="-127"/>
+                <a:ea typeface="굴림" panose="020B0600000101010101" pitchFamily="50" charset="-127"/>
+              </a:defRPr>
+            </a:lvl6pPr>
+            <a:lvl7pPr marL="2971800" indent="-228600" eaLnBrk="0" fontAlgn="base" hangingPunct="0">
+              <a:spcBef>
+                <a:spcPct val="0"/>
+              </a:spcBef>
+              <a:spcAft>
+                <a:spcPct val="0"/>
+              </a:spcAft>
+              <a:defRPr kumimoji="1">
+                <a:solidFill>
+                  <a:schemeClr val="tx1"/>
+                </a:solidFill>
+                <a:latin typeface="굴림" panose="020B0600000101010101" pitchFamily="50" charset="-127"/>
+                <a:ea typeface="굴림" panose="020B0600000101010101" pitchFamily="50" charset="-127"/>
+              </a:defRPr>
+            </a:lvl7pPr>
+            <a:lvl8pPr marL="3429000" indent="-228600" eaLnBrk="0" fontAlgn="base" hangingPunct="0">
+              <a:spcBef>
+                <a:spcPct val="0"/>
+              </a:spcBef>
+              <a:spcAft>
+                <a:spcPct val="0"/>
+              </a:spcAft>
+              <a:defRPr kumimoji="1">
+                <a:solidFill>
+                  <a:schemeClr val="tx1"/>
+                </a:solidFill>
+                <a:latin typeface="굴림" panose="020B0600000101010101" pitchFamily="50" charset="-127"/>
+                <a:ea typeface="굴림" panose="020B0600000101010101" pitchFamily="50" charset="-127"/>
+              </a:defRPr>
+            </a:lvl8pPr>
+            <a:lvl9pPr marL="3886200" indent="-228600" eaLnBrk="0" fontAlgn="base" hangingPunct="0">
+              <a:spcBef>
+                <a:spcPct val="0"/>
+              </a:spcBef>
+              <a:spcAft>
+                <a:spcPct val="0"/>
+              </a:spcAft>
+              <a:defRPr kumimoji="1">
+                <a:solidFill>
+                  <a:schemeClr val="tx1"/>
+                </a:solidFill>
+                <a:latin typeface="굴림" panose="020B0600000101010101" pitchFamily="50" charset="-127"/>
+                <a:ea typeface="굴림" panose="020B0600000101010101" pitchFamily="50" charset="-127"/>
+              </a:defRPr>
+            </a:lvl9pPr>
+          </a:lstStyle>
+          <a:p>
+            <a:pPr algn="ctr" eaLnBrk="1" latinLnBrk="1" hangingPunct="1">
+              <a:defRPr/>
+            </a:pPr>
+            <a:r>
+              <a:rPr kumimoji="0" lang="en-US" altLang="ko-KR" sz="4500" b="1" spc="-150" dirty="0">
+                <a:solidFill>
+                  <a:schemeClr val="tx1">
+                    <a:lumMod val="75000"/>
+                    <a:lumOff val="25000"/>
+                  </a:schemeClr>
+                </a:solidFill>
+                <a:latin typeface="Arial Black" panose="020B0A04020102020204" pitchFamily="34" charset="0"/>
+                <a:ea typeface="맑은 고딕" panose="020B0503020000020004" pitchFamily="50" charset="-127"/>
+                <a:cs typeface="Arial" panose="020B0604020202020204" pitchFamily="34" charset="0"/>
+              </a:rPr>
+              <a:t>Design</a:t>
+            </a:r>
+          </a:p>
+        </p:txBody>
+      </p:sp>
+      <p:pic>
+        <p:nvPicPr>
+          <p:cNvPr id="3076" name="Picture 4" descr="weighted graphì ëí ì´ë¯¸ì§ ê²ìê²°ê³¼">
+            <a:extLst>
+              <a:ext uri="{FF2B5EF4-FFF2-40B4-BE49-F238E27FC236}">
+                <a16:creationId xmlns:a16="http://schemas.microsoft.com/office/drawing/2014/main" id="{FECEBDE9-EED6-4574-9CEC-48AB223955D6}"/>
+              </a:ext>
+            </a:extLst>
+          </p:cNvPr>
+          <p:cNvPicPr>
+            <a:picLocks noChangeAspect="1" noChangeArrowheads="1"/>
+          </p:cNvPicPr>
+          <p:nvPr/>
+        </p:nvPicPr>
+        <p:blipFill>
+          <a:blip r:embed="rId2">
+            <a:extLst>
+              <a:ext uri="{28A0092B-C50C-407E-A947-70E740481C1C}">
+                <a14:useLocalDpi xmlns:a14="http://schemas.microsoft.com/office/drawing/2010/main" val="0"/>
+              </a:ext>
+            </a:extLst>
+          </a:blip>
+          <a:srcRect/>
+          <a:stretch>
+            <a:fillRect/>
+          </a:stretch>
+        </p:blipFill>
+        <p:spPr bwMode="auto">
+          <a:xfrm>
+            <a:off x="1835696" y="2466665"/>
+            <a:ext cx="5472608" cy="3931272"/>
+          </a:xfrm>
+          <a:prstGeom prst="rect">
+            <a:avLst/>
+          </a:prstGeom>
+          <a:noFill/>
+          <a:extLst>
+            <a:ext uri="{909E8E84-426E-40DD-AFC4-6F175D3DCCD1}">
+              <a14:hiddenFill xmlns:a14="http://schemas.microsoft.com/office/drawing/2010/main">
+                <a:solidFill>
+                  <a:srgbClr val="FFFFFF"/>
+                </a:solidFill>
+              </a14:hiddenFill>
+            </a:ext>
+          </a:extLst>
+        </p:spPr>
+      </p:pic>
+    </p:spTree>
+    <p:extLst>
+      <p:ext uri="{BB962C8B-B14F-4D97-AF65-F5344CB8AC3E}">
+        <p14:creationId xmlns:p14="http://schemas.microsoft.com/office/powerpoint/2010/main" val="923007633"/>
+      </p:ext>
+    </p:extLst>
+  </p:cSld>
+  <p:clrMapOvr>
+    <a:masterClrMapping/>
+  </p:clrMapOvr>
+  <mc:AlternateContent xmlns:mc="http://schemas.openxmlformats.org/markup-compatibility/2006" xmlns:p159="http://schemas.microsoft.com/office/powerpoint/2015/09/main">
+    <mc:Choice Requires="p159">
+      <p:transition xmlns:p14="http://schemas.microsoft.com/office/powerpoint/2010/main" spd="slow" p14:dur="2000">
+        <p159:morph option="byObject"/>
+      </p:transition>
+    </mc:Choice>
+    <mc:Fallback xmlns="">
+      <p:transition spd="slow">
+        <p:fade/>
+      </p:transition>
+    </mc:Fallback>
+  </mc:AlternateContent>
+</p:sld>
+</file>
+
+<file path=ppt/slides/slide11.xml><?xml version="1.0" encoding="utf-8"?>
+<p:sld xmlns:a="http://schemas.openxmlformats.org/drawingml/2006/main" xmlns:r="http://schemas.openxmlformats.org/officeDocument/2006/relationships" xmlns:p="http://schemas.openxmlformats.org/presentationml/2006/main">
+  <p:cSld>
+    <p:spTree>
+      <p:nvGrpSpPr>
+        <p:cNvPr id="1" name=""/>
+        <p:cNvGrpSpPr/>
+        <p:nvPr/>
+      </p:nvGrpSpPr>
+      <p:grpSpPr>
+        <a:xfrm>
+          <a:off x="0" y="0"/>
+          <a:ext cx="0" cy="0"/>
+          <a:chOff x="0" y="0"/>
+          <a:chExt cx="0" cy="0"/>
+        </a:xfrm>
+      </p:grpSpPr>
+      <p:sp>
+        <p:nvSpPr>
+          <p:cNvPr id="15362" name="제목 1"/>
+          <p:cNvSpPr>
+            <a:spLocks noGrp="1"/>
+          </p:cNvSpPr>
+          <p:nvPr>
+            <p:ph type="title"/>
+          </p:nvPr>
+        </p:nvSpPr>
+        <p:spPr bwMode="auto">
+          <a:xfrm>
+            <a:off x="222250" y="301625"/>
+            <a:ext cx="7345363" cy="369888"/>
+          </a:xfrm>
+          <a:extLst>
+            <a:ext uri="{909E8E84-426E-40DD-AFC4-6F175D3DCCD1}">
+              <a14:hiddenFill xmlns:a14="http://schemas.microsoft.com/office/drawing/2010/main">
+                <a:solidFill>
+                  <a:srgbClr val="FFFFFF"/>
+                </a:solidFill>
+              </a14:hiddenFill>
+            </a:ext>
+            <a:ext uri="{91240B29-F687-4F45-9708-019B960494DF}">
+              <a14:hiddenLine xmlns:a14="http://schemas.microsoft.com/office/drawing/2010/main" w="9525">
+                <a:solidFill>
+                  <a:srgbClr val="000000"/>
+                </a:solidFill>
+                <a:miter lim="800000"/>
+                <a:headEnd/>
+                <a:tailEnd/>
+              </a14:hiddenLine>
+            </a:ext>
+          </a:extLst>
+        </p:spPr>
+        <p:txBody>
+          <a:bodyPr vert="horz" lIns="91440" tIns="45720" rIns="91440" bIns="45720" numCol="1" anchor="t" anchorCtr="0" compatLnSpc="1">
+            <a:prstTxWarp prst="textNoShape">
+              <a:avLst/>
+            </a:prstTxWarp>
+          </a:bodyPr>
+          <a:lstStyle/>
+          <a:p>
+            <a:pPr>
+              <a:defRPr/>
+            </a:pPr>
+            <a:r>
+              <a:rPr lang="en-US" altLang="ko-KR" dirty="0"/>
+              <a:t>Design</a:t>
+            </a:r>
+            <a:endParaRPr lang="ko-KR" altLang="ko-KR" dirty="0"/>
+          </a:p>
+        </p:txBody>
+      </p:sp>
+      <p:sp>
+        <p:nvSpPr>
+          <p:cNvPr id="28" name="TextBox 19"/>
+          <p:cNvSpPr txBox="1">
+            <a:spLocks noChangeArrowheads="1"/>
+          </p:cNvSpPr>
+          <p:nvPr/>
+        </p:nvSpPr>
+        <p:spPr bwMode="auto">
+          <a:xfrm>
+            <a:off x="2533650" y="1639888"/>
+            <a:ext cx="4076700" cy="785812"/>
+          </a:xfrm>
+          <a:prstGeom prst="rect">
+            <a:avLst/>
+          </a:prstGeom>
+          <a:noFill/>
+          <a:ln>
+            <a:noFill/>
+          </a:ln>
+          <a:extLst>
+            <a:ext uri="{909E8E84-426E-40DD-AFC4-6F175D3DCCD1}">
+              <a14:hiddenFill xmlns:a14="http://schemas.microsoft.com/office/drawing/2010/main">
+                <a:solidFill>
+                  <a:srgbClr val="FFFFFF"/>
+                </a:solidFill>
+              </a14:hiddenFill>
+            </a:ext>
+            <a:ext uri="{91240B29-F687-4F45-9708-019B960494DF}">
+              <a14:hiddenLine xmlns:a14="http://schemas.microsoft.com/office/drawing/2010/main" w="9525">
+                <a:solidFill>
+                  <a:srgbClr val="000000"/>
+                </a:solidFill>
+                <a:miter lim="800000"/>
+                <a:headEnd/>
+                <a:tailEnd/>
+              </a14:hiddenLine>
+            </a:ext>
+          </a:extLst>
+        </p:spPr>
+        <p:txBody>
+          <a:bodyPr>
+            <a:spAutoFit/>
+          </a:bodyPr>
+          <a:lstStyle>
+            <a:lvl1pPr>
+              <a:defRPr kumimoji="1">
+                <a:solidFill>
+                  <a:schemeClr val="tx1"/>
+                </a:solidFill>
+                <a:latin typeface="굴림" panose="020B0600000101010101" pitchFamily="50" charset="-127"/>
+                <a:ea typeface="굴림" panose="020B0600000101010101" pitchFamily="50" charset="-127"/>
+              </a:defRPr>
+            </a:lvl1pPr>
+            <a:lvl2pPr marL="742950" indent="-285750">
+              <a:defRPr kumimoji="1">
+                <a:solidFill>
+                  <a:schemeClr val="tx1"/>
+                </a:solidFill>
+                <a:latin typeface="굴림" panose="020B0600000101010101" pitchFamily="50" charset="-127"/>
+                <a:ea typeface="굴림" panose="020B0600000101010101" pitchFamily="50" charset="-127"/>
+              </a:defRPr>
+            </a:lvl2pPr>
+            <a:lvl3pPr marL="1143000" indent="-228600">
+              <a:defRPr kumimoji="1">
+                <a:solidFill>
+                  <a:schemeClr val="tx1"/>
+                </a:solidFill>
+                <a:latin typeface="굴림" panose="020B0600000101010101" pitchFamily="50" charset="-127"/>
+                <a:ea typeface="굴림" panose="020B0600000101010101" pitchFamily="50" charset="-127"/>
+              </a:defRPr>
+            </a:lvl3pPr>
+            <a:lvl4pPr marL="1600200" indent="-228600">
+              <a:defRPr kumimoji="1">
+                <a:solidFill>
+                  <a:schemeClr val="tx1"/>
+                </a:solidFill>
+                <a:latin typeface="굴림" panose="020B0600000101010101" pitchFamily="50" charset="-127"/>
+                <a:ea typeface="굴림" panose="020B0600000101010101" pitchFamily="50" charset="-127"/>
+              </a:defRPr>
+            </a:lvl4pPr>
+            <a:lvl5pPr marL="2057400" indent="-228600">
+              <a:defRPr kumimoji="1">
+                <a:solidFill>
+                  <a:schemeClr val="tx1"/>
+                </a:solidFill>
+                <a:latin typeface="굴림" panose="020B0600000101010101" pitchFamily="50" charset="-127"/>
+                <a:ea typeface="굴림" panose="020B0600000101010101" pitchFamily="50" charset="-127"/>
+              </a:defRPr>
+            </a:lvl5pPr>
+            <a:lvl6pPr marL="2514600" indent="-228600" eaLnBrk="0" fontAlgn="base" hangingPunct="0">
+              <a:spcBef>
+                <a:spcPct val="0"/>
+              </a:spcBef>
+              <a:spcAft>
+                <a:spcPct val="0"/>
+              </a:spcAft>
+              <a:defRPr kumimoji="1">
+                <a:solidFill>
+                  <a:schemeClr val="tx1"/>
+                </a:solidFill>
+                <a:latin typeface="굴림" panose="020B0600000101010101" pitchFamily="50" charset="-127"/>
+                <a:ea typeface="굴림" panose="020B0600000101010101" pitchFamily="50" charset="-127"/>
+              </a:defRPr>
+            </a:lvl6pPr>
+            <a:lvl7pPr marL="2971800" indent="-228600" eaLnBrk="0" fontAlgn="base" hangingPunct="0">
+              <a:spcBef>
+                <a:spcPct val="0"/>
+              </a:spcBef>
+              <a:spcAft>
+                <a:spcPct val="0"/>
+              </a:spcAft>
+              <a:defRPr kumimoji="1">
+                <a:solidFill>
+                  <a:schemeClr val="tx1"/>
+                </a:solidFill>
+                <a:latin typeface="굴림" panose="020B0600000101010101" pitchFamily="50" charset="-127"/>
+                <a:ea typeface="굴림" panose="020B0600000101010101" pitchFamily="50" charset="-127"/>
+              </a:defRPr>
+            </a:lvl7pPr>
+            <a:lvl8pPr marL="3429000" indent="-228600" eaLnBrk="0" fontAlgn="base" hangingPunct="0">
+              <a:spcBef>
+                <a:spcPct val="0"/>
+              </a:spcBef>
+              <a:spcAft>
+                <a:spcPct val="0"/>
+              </a:spcAft>
+              <a:defRPr kumimoji="1">
+                <a:solidFill>
+                  <a:schemeClr val="tx1"/>
+                </a:solidFill>
+                <a:latin typeface="굴림" panose="020B0600000101010101" pitchFamily="50" charset="-127"/>
+                <a:ea typeface="굴림" panose="020B0600000101010101" pitchFamily="50" charset="-127"/>
+              </a:defRPr>
+            </a:lvl8pPr>
+            <a:lvl9pPr marL="3886200" indent="-228600" eaLnBrk="0" fontAlgn="base" hangingPunct="0">
+              <a:spcBef>
+                <a:spcPct val="0"/>
+              </a:spcBef>
+              <a:spcAft>
+                <a:spcPct val="0"/>
+              </a:spcAft>
+              <a:defRPr kumimoji="1">
+                <a:solidFill>
+                  <a:schemeClr val="tx1"/>
+                </a:solidFill>
+                <a:latin typeface="굴림" panose="020B0600000101010101" pitchFamily="50" charset="-127"/>
+                <a:ea typeface="굴림" panose="020B0600000101010101" pitchFamily="50" charset="-127"/>
+              </a:defRPr>
+            </a:lvl9pPr>
+          </a:lstStyle>
+          <a:p>
+            <a:pPr algn="ctr" eaLnBrk="1" latinLnBrk="1" hangingPunct="1">
+              <a:defRPr/>
+            </a:pPr>
+            <a:r>
+              <a:rPr kumimoji="0" lang="en-US" altLang="ko-KR" sz="4500" b="1" spc="-150" dirty="0">
+                <a:solidFill>
+                  <a:schemeClr val="tx1">
+                    <a:lumMod val="75000"/>
+                    <a:lumOff val="25000"/>
+                  </a:schemeClr>
+                </a:solidFill>
+                <a:latin typeface="Arial Black" panose="020B0A04020102020204" pitchFamily="34" charset="0"/>
+                <a:ea typeface="맑은 고딕" panose="020B0503020000020004" pitchFamily="50" charset="-127"/>
+                <a:cs typeface="Arial" panose="020B0604020202020204" pitchFamily="34" charset="0"/>
+              </a:rPr>
+              <a:t>Design</a:t>
+            </a:r>
+          </a:p>
+        </p:txBody>
+      </p:sp>
+      <p:pic>
+        <p:nvPicPr>
+          <p:cNvPr id="3076" name="Picture 4" descr="weighted graphì ëí ì´ë¯¸ì§ ê²ìê²°ê³¼">
+            <a:extLst>
+              <a:ext uri="{FF2B5EF4-FFF2-40B4-BE49-F238E27FC236}">
+                <a16:creationId xmlns:a16="http://schemas.microsoft.com/office/drawing/2014/main" id="{FECEBDE9-EED6-4574-9CEC-48AB223955D6}"/>
+              </a:ext>
+            </a:extLst>
+          </p:cNvPr>
+          <p:cNvPicPr>
+            <a:picLocks noChangeAspect="1" noChangeArrowheads="1"/>
+          </p:cNvPicPr>
+          <p:nvPr/>
+        </p:nvPicPr>
+        <p:blipFill>
+          <a:blip r:embed="rId2">
+            <a:extLst>
+              <a:ext uri="{28A0092B-C50C-407E-A947-70E740481C1C}">
+                <a14:useLocalDpi xmlns:a14="http://schemas.microsoft.com/office/drawing/2010/main" val="0"/>
+              </a:ext>
+            </a:extLst>
+          </a:blip>
+          <a:srcRect/>
+          <a:stretch>
+            <a:fillRect/>
+          </a:stretch>
+        </p:blipFill>
+        <p:spPr bwMode="auto">
+          <a:xfrm>
+            <a:off x="1835696" y="2466665"/>
+            <a:ext cx="5472608" cy="3931272"/>
+          </a:xfrm>
+          <a:prstGeom prst="rect">
+            <a:avLst/>
+          </a:prstGeom>
+          <a:noFill/>
+          <a:extLst>
+            <a:ext uri="{909E8E84-426E-40DD-AFC4-6F175D3DCCD1}">
+              <a14:hiddenFill xmlns:a14="http://schemas.microsoft.com/office/drawing/2010/main">
+                <a:solidFill>
+                  <a:srgbClr val="FFFFFF"/>
+                </a:solidFill>
+              </a14:hiddenFill>
+            </a:ext>
+          </a:extLst>
+        </p:spPr>
+      </p:pic>
+      <p:sp>
+        <p:nvSpPr>
+          <p:cNvPr id="2" name="타원 1">
+            <a:extLst>
+              <a:ext uri="{FF2B5EF4-FFF2-40B4-BE49-F238E27FC236}">
+                <a16:creationId xmlns:a16="http://schemas.microsoft.com/office/drawing/2014/main" id="{A8631274-E36E-4CFE-AD43-7D8E66FBB123}"/>
+              </a:ext>
+            </a:extLst>
+          </p:cNvPr>
+          <p:cNvSpPr/>
+          <p:nvPr/>
+        </p:nvSpPr>
+        <p:spPr>
+          <a:xfrm>
+            <a:off x="5875649" y="3074910"/>
+            <a:ext cx="814214" cy="799390"/>
+          </a:xfrm>
+          <a:prstGeom prst="ellipse">
+            <a:avLst/>
+          </a:prstGeom>
+          <a:noFill/>
+          <a:ln w="38100">
+            <a:solidFill>
+              <a:srgbClr val="FF0000"/>
+            </a:solidFill>
+          </a:ln>
+        </p:spPr>
+        <p:style>
+          <a:lnRef idx="2">
+            <a:schemeClr val="accent1">
+              <a:shade val="50000"/>
+            </a:schemeClr>
+          </a:lnRef>
+          <a:fillRef idx="1">
+            <a:schemeClr val="accent1"/>
+          </a:fillRef>
+          <a:effectRef idx="0">
+            <a:schemeClr val="accent1"/>
+          </a:effectRef>
+          <a:fontRef idx="minor">
+            <a:schemeClr val="lt1"/>
+          </a:fontRef>
+        </p:style>
+        <p:txBody>
+          <a:bodyPr rtlCol="0" anchor="ctr"/>
+          <a:lstStyle/>
+          <a:p>
+            <a:pPr algn="ctr"/>
+            <a:endParaRPr lang="ko-KR" altLang="en-US"/>
+          </a:p>
+        </p:txBody>
+      </p:sp>
+      <p:sp>
+        <p:nvSpPr>
+          <p:cNvPr id="6" name="타원 5">
+            <a:extLst>
+              <a:ext uri="{FF2B5EF4-FFF2-40B4-BE49-F238E27FC236}">
+                <a16:creationId xmlns:a16="http://schemas.microsoft.com/office/drawing/2014/main" id="{42C59FD1-EB41-403A-A222-5A866CEF1063}"/>
+              </a:ext>
+            </a:extLst>
+          </p:cNvPr>
+          <p:cNvSpPr/>
+          <p:nvPr/>
+        </p:nvSpPr>
+        <p:spPr>
+          <a:xfrm>
+            <a:off x="1774778" y="4702798"/>
+            <a:ext cx="814214" cy="799390"/>
+          </a:xfrm>
+          <a:prstGeom prst="ellipse">
+            <a:avLst/>
+          </a:prstGeom>
+          <a:noFill/>
+          <a:ln w="38100">
+            <a:solidFill>
+              <a:srgbClr val="FF0000"/>
+            </a:solidFill>
+          </a:ln>
+        </p:spPr>
+        <p:style>
+          <a:lnRef idx="2">
+            <a:schemeClr val="accent1">
+              <a:shade val="50000"/>
+            </a:schemeClr>
+          </a:lnRef>
+          <a:fillRef idx="1">
+            <a:schemeClr val="accent1"/>
+          </a:fillRef>
+          <a:effectRef idx="0">
+            <a:schemeClr val="accent1"/>
+          </a:effectRef>
+          <a:fontRef idx="minor">
+            <a:schemeClr val="lt1"/>
+          </a:fontRef>
+        </p:style>
+        <p:txBody>
+          <a:bodyPr rtlCol="0" anchor="ctr"/>
+          <a:lstStyle/>
+          <a:p>
+            <a:pPr algn="ctr"/>
+            <a:endParaRPr lang="ko-KR" altLang="en-US"/>
+          </a:p>
+        </p:txBody>
+      </p:sp>
+    </p:spTree>
+    <p:extLst>
+      <p:ext uri="{BB962C8B-B14F-4D97-AF65-F5344CB8AC3E}">
+        <p14:creationId xmlns:p14="http://schemas.microsoft.com/office/powerpoint/2010/main" val="1186185183"/>
+      </p:ext>
+    </p:extLst>
+  </p:cSld>
+  <p:clrMapOvr>
+    <a:masterClrMapping/>
+  </p:clrMapOvr>
+  <mc:AlternateContent xmlns:mc="http://schemas.openxmlformats.org/markup-compatibility/2006" xmlns:p159="http://schemas.microsoft.com/office/powerpoint/2015/09/main">
+    <mc:Choice Requires="p159">
+      <p:transition xmlns:p14="http://schemas.microsoft.com/office/powerpoint/2010/main" spd="slow" p14:dur="2000">
+        <p159:morph option="byObject"/>
+      </p:transition>
+    </mc:Choice>
+    <mc:Fallback xmlns="">
+      <p:transition spd="slow">
+        <p:fade/>
+      </p:transition>
+    </mc:Fallback>
+  </mc:AlternateContent>
+</p:sld>
+</file>
+
+<file path=ppt/slides/slide12.xml><?xml version="1.0" encoding="utf-8"?>
+<p:sld xmlns:a="http://schemas.openxmlformats.org/drawingml/2006/main" xmlns:r="http://schemas.openxmlformats.org/officeDocument/2006/relationships" xmlns:p="http://schemas.openxmlformats.org/presentationml/2006/main">
+  <p:cSld>
+    <p:spTree>
+      <p:nvGrpSpPr>
+        <p:cNvPr id="1" name=""/>
+        <p:cNvGrpSpPr/>
+        <p:nvPr/>
+      </p:nvGrpSpPr>
+      <p:grpSpPr>
+        <a:xfrm>
+          <a:off x="0" y="0"/>
+          <a:ext cx="0" cy="0"/>
+          <a:chOff x="0" y="0"/>
+          <a:chExt cx="0" cy="0"/>
+        </a:xfrm>
+      </p:grpSpPr>
+      <p:sp>
+        <p:nvSpPr>
+          <p:cNvPr id="15362" name="제목 1"/>
+          <p:cNvSpPr>
+            <a:spLocks noGrp="1"/>
+          </p:cNvSpPr>
+          <p:nvPr>
+            <p:ph type="title"/>
+          </p:nvPr>
+        </p:nvSpPr>
+        <p:spPr bwMode="auto">
+          <a:xfrm>
+            <a:off x="222250" y="301625"/>
+            <a:ext cx="7345363" cy="369888"/>
+          </a:xfrm>
+          <a:extLst>
+            <a:ext uri="{909E8E84-426E-40DD-AFC4-6F175D3DCCD1}">
+              <a14:hiddenFill xmlns:a14="http://schemas.microsoft.com/office/drawing/2010/main">
+                <a:solidFill>
+                  <a:srgbClr val="FFFFFF"/>
+                </a:solidFill>
+              </a14:hiddenFill>
+            </a:ext>
+            <a:ext uri="{91240B29-F687-4F45-9708-019B960494DF}">
+              <a14:hiddenLine xmlns:a14="http://schemas.microsoft.com/office/drawing/2010/main" w="9525">
+                <a:solidFill>
+                  <a:srgbClr val="000000"/>
+                </a:solidFill>
+                <a:miter lim="800000"/>
+                <a:headEnd/>
+                <a:tailEnd/>
+              </a14:hiddenLine>
+            </a:ext>
+          </a:extLst>
+        </p:spPr>
+        <p:txBody>
+          <a:bodyPr vert="horz" lIns="91440" tIns="45720" rIns="91440" bIns="45720" numCol="1" anchor="t" anchorCtr="0" compatLnSpc="1">
+            <a:prstTxWarp prst="textNoShape">
+              <a:avLst/>
+            </a:prstTxWarp>
+          </a:bodyPr>
+          <a:lstStyle/>
+          <a:p>
+            <a:pPr>
+              <a:defRPr/>
+            </a:pPr>
+            <a:r>
+              <a:rPr lang="en-US" altLang="ko-KR" dirty="0"/>
+              <a:t>Design</a:t>
+            </a:r>
+            <a:endParaRPr lang="ko-KR" altLang="ko-KR" dirty="0"/>
+          </a:p>
+        </p:txBody>
+      </p:sp>
+      <p:sp>
+        <p:nvSpPr>
+          <p:cNvPr id="28" name="TextBox 19"/>
+          <p:cNvSpPr txBox="1">
+            <a:spLocks noChangeArrowheads="1"/>
+          </p:cNvSpPr>
+          <p:nvPr/>
+        </p:nvSpPr>
+        <p:spPr bwMode="auto">
+          <a:xfrm>
+            <a:off x="2533650" y="1639888"/>
+            <a:ext cx="4076700" cy="785812"/>
+          </a:xfrm>
+          <a:prstGeom prst="rect">
+            <a:avLst/>
+          </a:prstGeom>
+          <a:noFill/>
+          <a:ln>
+            <a:noFill/>
+          </a:ln>
+          <a:extLst>
+            <a:ext uri="{909E8E84-426E-40DD-AFC4-6F175D3DCCD1}">
+              <a14:hiddenFill xmlns:a14="http://schemas.microsoft.com/office/drawing/2010/main">
+                <a:solidFill>
+                  <a:srgbClr val="FFFFFF"/>
+                </a:solidFill>
+              </a14:hiddenFill>
+            </a:ext>
+            <a:ext uri="{91240B29-F687-4F45-9708-019B960494DF}">
+              <a14:hiddenLine xmlns:a14="http://schemas.microsoft.com/office/drawing/2010/main" w="9525">
+                <a:solidFill>
+                  <a:srgbClr val="000000"/>
+                </a:solidFill>
+                <a:miter lim="800000"/>
+                <a:headEnd/>
+                <a:tailEnd/>
+              </a14:hiddenLine>
+            </a:ext>
+          </a:extLst>
+        </p:spPr>
+        <p:txBody>
+          <a:bodyPr>
+            <a:spAutoFit/>
+          </a:bodyPr>
+          <a:lstStyle>
+            <a:lvl1pPr>
+              <a:defRPr kumimoji="1">
+                <a:solidFill>
+                  <a:schemeClr val="tx1"/>
+                </a:solidFill>
+                <a:latin typeface="굴림" panose="020B0600000101010101" pitchFamily="50" charset="-127"/>
+                <a:ea typeface="굴림" panose="020B0600000101010101" pitchFamily="50" charset="-127"/>
+              </a:defRPr>
+            </a:lvl1pPr>
+            <a:lvl2pPr marL="742950" indent="-285750">
+              <a:defRPr kumimoji="1">
+                <a:solidFill>
+                  <a:schemeClr val="tx1"/>
+                </a:solidFill>
+                <a:latin typeface="굴림" panose="020B0600000101010101" pitchFamily="50" charset="-127"/>
+                <a:ea typeface="굴림" panose="020B0600000101010101" pitchFamily="50" charset="-127"/>
+              </a:defRPr>
+            </a:lvl2pPr>
+            <a:lvl3pPr marL="1143000" indent="-228600">
+              <a:defRPr kumimoji="1">
+                <a:solidFill>
+                  <a:schemeClr val="tx1"/>
+                </a:solidFill>
+                <a:latin typeface="굴림" panose="020B0600000101010101" pitchFamily="50" charset="-127"/>
+                <a:ea typeface="굴림" panose="020B0600000101010101" pitchFamily="50" charset="-127"/>
+              </a:defRPr>
+            </a:lvl3pPr>
+            <a:lvl4pPr marL="1600200" indent="-228600">
+              <a:defRPr kumimoji="1">
+                <a:solidFill>
+                  <a:schemeClr val="tx1"/>
+                </a:solidFill>
+                <a:latin typeface="굴림" panose="020B0600000101010101" pitchFamily="50" charset="-127"/>
+                <a:ea typeface="굴림" panose="020B0600000101010101" pitchFamily="50" charset="-127"/>
+              </a:defRPr>
+            </a:lvl4pPr>
+            <a:lvl5pPr marL="2057400" indent="-228600">
+              <a:defRPr kumimoji="1">
+                <a:solidFill>
+                  <a:schemeClr val="tx1"/>
+                </a:solidFill>
+                <a:latin typeface="굴림" panose="020B0600000101010101" pitchFamily="50" charset="-127"/>
+                <a:ea typeface="굴림" panose="020B0600000101010101" pitchFamily="50" charset="-127"/>
+              </a:defRPr>
+            </a:lvl5pPr>
+            <a:lvl6pPr marL="2514600" indent="-228600" eaLnBrk="0" fontAlgn="base" hangingPunct="0">
+              <a:spcBef>
+                <a:spcPct val="0"/>
+              </a:spcBef>
+              <a:spcAft>
+                <a:spcPct val="0"/>
+              </a:spcAft>
+              <a:defRPr kumimoji="1">
+                <a:solidFill>
+                  <a:schemeClr val="tx1"/>
+                </a:solidFill>
+                <a:latin typeface="굴림" panose="020B0600000101010101" pitchFamily="50" charset="-127"/>
+                <a:ea typeface="굴림" panose="020B0600000101010101" pitchFamily="50" charset="-127"/>
+              </a:defRPr>
+            </a:lvl6pPr>
+            <a:lvl7pPr marL="2971800" indent="-228600" eaLnBrk="0" fontAlgn="base" hangingPunct="0">
+              <a:spcBef>
+                <a:spcPct val="0"/>
+              </a:spcBef>
+              <a:spcAft>
+                <a:spcPct val="0"/>
+              </a:spcAft>
+              <a:defRPr kumimoji="1">
+                <a:solidFill>
+                  <a:schemeClr val="tx1"/>
+                </a:solidFill>
+                <a:latin typeface="굴림" panose="020B0600000101010101" pitchFamily="50" charset="-127"/>
+                <a:ea typeface="굴림" panose="020B0600000101010101" pitchFamily="50" charset="-127"/>
+              </a:defRPr>
+            </a:lvl7pPr>
+            <a:lvl8pPr marL="3429000" indent="-228600" eaLnBrk="0" fontAlgn="base" hangingPunct="0">
+              <a:spcBef>
+                <a:spcPct val="0"/>
+              </a:spcBef>
+              <a:spcAft>
+                <a:spcPct val="0"/>
+              </a:spcAft>
+              <a:defRPr kumimoji="1">
+                <a:solidFill>
+                  <a:schemeClr val="tx1"/>
+                </a:solidFill>
+                <a:latin typeface="굴림" panose="020B0600000101010101" pitchFamily="50" charset="-127"/>
+                <a:ea typeface="굴림" panose="020B0600000101010101" pitchFamily="50" charset="-127"/>
+              </a:defRPr>
+            </a:lvl8pPr>
+            <a:lvl9pPr marL="3886200" indent="-228600" eaLnBrk="0" fontAlgn="base" hangingPunct="0">
+              <a:spcBef>
+                <a:spcPct val="0"/>
+              </a:spcBef>
+              <a:spcAft>
+                <a:spcPct val="0"/>
+              </a:spcAft>
+              <a:defRPr kumimoji="1">
+                <a:solidFill>
+                  <a:schemeClr val="tx1"/>
+                </a:solidFill>
+                <a:latin typeface="굴림" panose="020B0600000101010101" pitchFamily="50" charset="-127"/>
+                <a:ea typeface="굴림" panose="020B0600000101010101" pitchFamily="50" charset="-127"/>
+              </a:defRPr>
+            </a:lvl9pPr>
+          </a:lstStyle>
+          <a:p>
+            <a:pPr algn="ctr" eaLnBrk="1" latinLnBrk="1" hangingPunct="1">
+              <a:defRPr/>
+            </a:pPr>
+            <a:r>
+              <a:rPr kumimoji="0" lang="en-US" altLang="ko-KR" sz="4500" b="1" spc="-150" dirty="0">
+                <a:solidFill>
+                  <a:schemeClr val="tx1">
+                    <a:lumMod val="75000"/>
+                    <a:lumOff val="25000"/>
+                  </a:schemeClr>
+                </a:solidFill>
+                <a:latin typeface="Arial Black" panose="020B0A04020102020204" pitchFamily="34" charset="0"/>
+                <a:ea typeface="맑은 고딕" panose="020B0503020000020004" pitchFamily="50" charset="-127"/>
+                <a:cs typeface="Arial" panose="020B0604020202020204" pitchFamily="34" charset="0"/>
+              </a:rPr>
+              <a:t>Design</a:t>
+            </a:r>
+          </a:p>
+        </p:txBody>
+      </p:sp>
+      <p:pic>
+        <p:nvPicPr>
+          <p:cNvPr id="3076" name="Picture 4" descr="weighted graphì ëí ì´ë¯¸ì§ ê²ìê²°ê³¼">
+            <a:extLst>
+              <a:ext uri="{FF2B5EF4-FFF2-40B4-BE49-F238E27FC236}">
+                <a16:creationId xmlns:a16="http://schemas.microsoft.com/office/drawing/2014/main" id="{FECEBDE9-EED6-4574-9CEC-48AB223955D6}"/>
+              </a:ext>
+            </a:extLst>
+          </p:cNvPr>
+          <p:cNvPicPr>
+            <a:picLocks noChangeAspect="1" noChangeArrowheads="1"/>
+          </p:cNvPicPr>
+          <p:nvPr/>
+        </p:nvPicPr>
+        <p:blipFill>
+          <a:blip r:embed="rId2">
+            <a:extLst>
+              <a:ext uri="{28A0092B-C50C-407E-A947-70E740481C1C}">
+                <a14:useLocalDpi xmlns:a14="http://schemas.microsoft.com/office/drawing/2010/main" val="0"/>
+              </a:ext>
+            </a:extLst>
+          </a:blip>
+          <a:srcRect/>
+          <a:stretch>
+            <a:fillRect/>
+          </a:stretch>
+        </p:blipFill>
+        <p:spPr bwMode="auto">
+          <a:xfrm>
+            <a:off x="1835696" y="2466665"/>
+            <a:ext cx="5472608" cy="3931272"/>
+          </a:xfrm>
+          <a:prstGeom prst="rect">
+            <a:avLst/>
+          </a:prstGeom>
+          <a:noFill/>
+          <a:extLst>
+            <a:ext uri="{909E8E84-426E-40DD-AFC4-6F175D3DCCD1}">
+              <a14:hiddenFill xmlns:a14="http://schemas.microsoft.com/office/drawing/2010/main">
+                <a:solidFill>
+                  <a:srgbClr val="FFFFFF"/>
+                </a:solidFill>
+              </a14:hiddenFill>
+            </a:ext>
+          </a:extLst>
+        </p:spPr>
+      </p:pic>
+      <p:sp>
+        <p:nvSpPr>
+          <p:cNvPr id="2" name="타원 1">
+            <a:extLst>
+              <a:ext uri="{FF2B5EF4-FFF2-40B4-BE49-F238E27FC236}">
+                <a16:creationId xmlns:a16="http://schemas.microsoft.com/office/drawing/2014/main" id="{A8631274-E36E-4CFE-AD43-7D8E66FBB123}"/>
+              </a:ext>
+            </a:extLst>
+          </p:cNvPr>
+          <p:cNvSpPr/>
+          <p:nvPr/>
+        </p:nvSpPr>
+        <p:spPr>
+          <a:xfrm>
+            <a:off x="5875649" y="3074910"/>
+            <a:ext cx="814214" cy="799390"/>
+          </a:xfrm>
+          <a:prstGeom prst="ellipse">
+            <a:avLst/>
+          </a:prstGeom>
+          <a:noFill/>
+          <a:ln w="38100">
+            <a:solidFill>
+              <a:srgbClr val="FF0000"/>
+            </a:solidFill>
+          </a:ln>
+        </p:spPr>
+        <p:style>
+          <a:lnRef idx="2">
+            <a:schemeClr val="accent1">
+              <a:shade val="50000"/>
+            </a:schemeClr>
+          </a:lnRef>
+          <a:fillRef idx="1">
+            <a:schemeClr val="accent1"/>
+          </a:fillRef>
+          <a:effectRef idx="0">
+            <a:schemeClr val="accent1"/>
+          </a:effectRef>
+          <a:fontRef idx="minor">
+            <a:schemeClr val="lt1"/>
+          </a:fontRef>
+        </p:style>
+        <p:txBody>
+          <a:bodyPr rtlCol="0" anchor="ctr"/>
+          <a:lstStyle/>
+          <a:p>
+            <a:pPr algn="ctr"/>
+            <a:endParaRPr lang="ko-KR" altLang="en-US"/>
+          </a:p>
+        </p:txBody>
+      </p:sp>
+      <p:sp>
+        <p:nvSpPr>
+          <p:cNvPr id="6" name="타원 5">
+            <a:extLst>
+              <a:ext uri="{FF2B5EF4-FFF2-40B4-BE49-F238E27FC236}">
+                <a16:creationId xmlns:a16="http://schemas.microsoft.com/office/drawing/2014/main" id="{42C59FD1-EB41-403A-A222-5A866CEF1063}"/>
+              </a:ext>
+            </a:extLst>
+          </p:cNvPr>
+          <p:cNvSpPr/>
+          <p:nvPr/>
+        </p:nvSpPr>
+        <p:spPr>
+          <a:xfrm>
+            <a:off x="1774778" y="4702798"/>
+            <a:ext cx="814214" cy="799390"/>
+          </a:xfrm>
+          <a:prstGeom prst="ellipse">
+            <a:avLst/>
+          </a:prstGeom>
+          <a:noFill/>
+          <a:ln w="38100">
+            <a:solidFill>
+              <a:srgbClr val="FF0000"/>
+            </a:solidFill>
+          </a:ln>
+        </p:spPr>
+        <p:style>
+          <a:lnRef idx="2">
+            <a:schemeClr val="accent1">
+              <a:shade val="50000"/>
+            </a:schemeClr>
+          </a:lnRef>
+          <a:fillRef idx="1">
+            <a:schemeClr val="accent1"/>
+          </a:fillRef>
+          <a:effectRef idx="0">
+            <a:schemeClr val="accent1"/>
+          </a:effectRef>
+          <a:fontRef idx="minor">
+            <a:schemeClr val="lt1"/>
+          </a:fontRef>
+        </p:style>
+        <p:txBody>
+          <a:bodyPr rtlCol="0" anchor="ctr"/>
+          <a:lstStyle/>
+          <a:p>
+            <a:pPr algn="ctr"/>
+            <a:endParaRPr lang="ko-KR" altLang="en-US"/>
+          </a:p>
+        </p:txBody>
+      </p:sp>
+      <p:cxnSp>
+        <p:nvCxnSpPr>
+          <p:cNvPr id="4" name="직선 연결선 3">
+            <a:extLst>
+              <a:ext uri="{FF2B5EF4-FFF2-40B4-BE49-F238E27FC236}">
+                <a16:creationId xmlns:a16="http://schemas.microsoft.com/office/drawing/2014/main" id="{B3AC40A5-561B-4E36-ADF9-3DDB48300BF4}"/>
+              </a:ext>
+            </a:extLst>
+          </p:cNvPr>
+          <p:cNvCxnSpPr>
+            <a:cxnSpLocks/>
+          </p:cNvCxnSpPr>
+          <p:nvPr/>
+        </p:nvCxnSpPr>
+        <p:spPr>
+          <a:xfrm flipV="1">
+            <a:off x="2195736" y="3061252"/>
+            <a:ext cx="958281" cy="1735900"/>
+          </a:xfrm>
+          <a:prstGeom prst="line">
+            <a:avLst/>
+          </a:prstGeom>
+          <a:ln w="38100">
+            <a:solidFill>
+              <a:srgbClr val="FF0000"/>
+            </a:solidFill>
+          </a:ln>
+        </p:spPr>
+        <p:style>
+          <a:lnRef idx="1">
+            <a:schemeClr val="accent1"/>
+          </a:lnRef>
+          <a:fillRef idx="0">
+            <a:schemeClr val="accent1"/>
+          </a:fillRef>
+          <a:effectRef idx="0">
+            <a:schemeClr val="accent1"/>
+          </a:effectRef>
+          <a:fontRef idx="minor">
+            <a:schemeClr val="tx1"/>
+          </a:fontRef>
+        </p:style>
+      </p:cxnSp>
+      <p:cxnSp>
+        <p:nvCxnSpPr>
+          <p:cNvPr id="10" name="직선 연결선 9">
+            <a:extLst>
+              <a:ext uri="{FF2B5EF4-FFF2-40B4-BE49-F238E27FC236}">
+                <a16:creationId xmlns:a16="http://schemas.microsoft.com/office/drawing/2014/main" id="{56A85FEC-EEC2-49B9-A0CA-0532A5B6653E}"/>
+              </a:ext>
+            </a:extLst>
+          </p:cNvPr>
+          <p:cNvCxnSpPr>
+            <a:cxnSpLocks/>
+          </p:cNvCxnSpPr>
+          <p:nvPr/>
+        </p:nvCxnSpPr>
+        <p:spPr>
+          <a:xfrm flipH="1" flipV="1">
+            <a:off x="3721588" y="2852936"/>
+            <a:ext cx="2362580" cy="440714"/>
+          </a:xfrm>
+          <a:prstGeom prst="line">
+            <a:avLst/>
+          </a:prstGeom>
+          <a:ln w="38100">
+            <a:solidFill>
+              <a:srgbClr val="FF0000"/>
+            </a:solidFill>
+          </a:ln>
+        </p:spPr>
+        <p:style>
+          <a:lnRef idx="1">
+            <a:schemeClr val="accent1"/>
+          </a:lnRef>
+          <a:fillRef idx="0">
+            <a:schemeClr val="accent1"/>
+          </a:fillRef>
+          <a:effectRef idx="0">
+            <a:schemeClr val="accent1"/>
+          </a:effectRef>
+          <a:fontRef idx="minor">
+            <a:schemeClr val="tx1"/>
+          </a:fontRef>
+        </p:style>
+      </p:cxnSp>
+    </p:spTree>
+    <p:extLst>
+      <p:ext uri="{BB962C8B-B14F-4D97-AF65-F5344CB8AC3E}">
+        <p14:creationId xmlns:p14="http://schemas.microsoft.com/office/powerpoint/2010/main" val="2521475788"/>
+      </p:ext>
+    </p:extLst>
+  </p:cSld>
+  <p:clrMapOvr>
+    <a:masterClrMapping/>
+  </p:clrMapOvr>
+  <mc:AlternateContent xmlns:mc="http://schemas.openxmlformats.org/markup-compatibility/2006" xmlns:p159="http://schemas.microsoft.com/office/powerpoint/2015/09/main">
+    <mc:Choice Requires="p159">
+      <p:transition xmlns:p14="http://schemas.microsoft.com/office/powerpoint/2010/main" spd="slow" p14:dur="2000">
+        <p159:morph option="byObject"/>
+      </p:transition>
+    </mc:Choice>
+    <mc:Fallback xmlns="">
+      <p:transition spd="slow">
+        <p:fade/>
+      </p:transition>
+    </mc:Fallback>
+  </mc:AlternateContent>
+</p:sld>
+</file>
+
+<file path=ppt/slides/slide13.xml><?xml version="1.0" encoding="utf-8"?>
+<p:sld xmlns:a="http://schemas.openxmlformats.org/drawingml/2006/main" xmlns:r="http://schemas.openxmlformats.org/officeDocument/2006/relationships" xmlns:p="http://schemas.openxmlformats.org/presentationml/2006/main">
+  <p:cSld>
+    <p:spTree>
+      <p:nvGrpSpPr>
+        <p:cNvPr id="1" name=""/>
+        <p:cNvGrpSpPr/>
+        <p:nvPr/>
+      </p:nvGrpSpPr>
+      <p:grpSpPr>
+        <a:xfrm>
+          <a:off x="0" y="0"/>
+          <a:ext cx="0" cy="0"/>
+          <a:chOff x="0" y="0"/>
+          <a:chExt cx="0" cy="0"/>
+        </a:xfrm>
+      </p:grpSpPr>
+      <p:sp>
+        <p:nvSpPr>
+          <p:cNvPr id="15" name="TextBox 14"/>
+          <p:cNvSpPr txBox="1">
+            <a:spLocks noChangeArrowheads="1"/>
+          </p:cNvSpPr>
+          <p:nvPr/>
+        </p:nvSpPr>
+        <p:spPr bwMode="auto">
+          <a:xfrm>
+            <a:off x="107504" y="2536825"/>
+            <a:ext cx="2701460" cy="1784350"/>
+          </a:xfrm>
+          <a:prstGeom prst="rect">
+            <a:avLst/>
+          </a:prstGeom>
+          <a:noFill/>
+          <a:ln w="9525">
+            <a:noFill/>
+            <a:miter lim="800000"/>
+            <a:headEnd/>
+            <a:tailEnd/>
+          </a:ln>
+        </p:spPr>
+        <p:txBody>
+          <a:bodyPr anchor="ctr">
+            <a:spAutoFit/>
+            <a:scene3d>
+              <a:camera prst="orthographicFront">
+                <a:rot lat="0" lon="0" rev="0"/>
+              </a:camera>
+              <a:lightRig rig="glow" dir="t">
+                <a:rot lat="0" lon="0" rev="3600000"/>
+              </a:lightRig>
+            </a:scene3d>
+            <a:sp3d prstMaterial="softEdge">
+              <a:bevelT w="0" h="0"/>
+              <a:contourClr>
+                <a:schemeClr val="tx1">
+                  <a:lumMod val="75000"/>
+                  <a:lumOff val="25000"/>
+                </a:schemeClr>
+              </a:contourClr>
+            </a:sp3d>
+          </a:bodyPr>
+          <a:lstStyle/>
+          <a:p>
+            <a:pPr algn="ctr" eaLnBrk="1" fontAlgn="auto" latinLnBrk="1" hangingPunct="1">
+              <a:spcBef>
+                <a:spcPts val="0"/>
+              </a:spcBef>
+              <a:spcAft>
+                <a:spcPts val="0"/>
+              </a:spcAft>
+              <a:defRPr/>
+            </a:pPr>
+            <a:r>
+              <a:rPr kumimoji="0" lang="en-US" altLang="ko-KR" sz="11000" b="1" spc="-300" dirty="0">
+                <a:ln>
+                  <a:prstDash val="solid"/>
+                </a:ln>
+                <a:solidFill>
+                  <a:schemeClr val="bg1"/>
+                </a:solidFill>
+                <a:latin typeface="Arial Black" panose="020B0A04020102020204" pitchFamily="34" charset="0"/>
+                <a:ea typeface="맑은 고딕" panose="020B0503020000020004" pitchFamily="50" charset="-127"/>
+                <a:cs typeface="Arial" panose="020B0604020202020204" pitchFamily="34" charset="0"/>
+              </a:rPr>
+              <a:t>03</a:t>
+            </a:r>
+          </a:p>
+        </p:txBody>
+      </p:sp>
+      <p:sp>
+        <p:nvSpPr>
+          <p:cNvPr id="16" name="TextBox 4"/>
+          <p:cNvSpPr txBox="1">
+            <a:spLocks noChangeArrowheads="1"/>
+          </p:cNvSpPr>
+          <p:nvPr/>
+        </p:nvSpPr>
+        <p:spPr bwMode="auto">
+          <a:xfrm>
+            <a:off x="3190875" y="2787650"/>
+            <a:ext cx="4794250" cy="862013"/>
+          </a:xfrm>
+          <a:prstGeom prst="rect">
+            <a:avLst/>
+          </a:prstGeom>
+          <a:noFill/>
+          <a:ln>
+            <a:noFill/>
+          </a:ln>
+          <a:extLst>
+            <a:ext uri="{909E8E84-426E-40DD-AFC4-6F175D3DCCD1}">
+              <a14:hiddenFill xmlns:a14="http://schemas.microsoft.com/office/drawing/2010/main">
+                <a:solidFill>
+                  <a:srgbClr val="FFFFFF"/>
+                </a:solidFill>
+              </a14:hiddenFill>
+            </a:ext>
+            <a:ext uri="{91240B29-F687-4F45-9708-019B960494DF}">
+              <a14:hiddenLine xmlns:a14="http://schemas.microsoft.com/office/drawing/2010/main" w="9525">
+                <a:solidFill>
+                  <a:srgbClr val="000000"/>
+                </a:solidFill>
+                <a:miter lim="800000"/>
+                <a:headEnd/>
+                <a:tailEnd/>
+              </a14:hiddenLine>
+            </a:ext>
+          </a:extLst>
+        </p:spPr>
+        <p:txBody>
+          <a:bodyPr>
+            <a:spAutoFit/>
+          </a:bodyPr>
+          <a:lstStyle>
+            <a:defPPr>
+              <a:defRPr lang="ko-KR"/>
+            </a:defPPr>
+            <a:lvl1pPr eaLnBrk="1" latinLnBrk="1" hangingPunct="1">
+              <a:defRPr kumimoji="0" sz="5000" spc="-150">
+                <a:solidFill>
+                  <a:schemeClr val="tx1">
+                    <a:lumMod val="75000"/>
+                    <a:lumOff val="25000"/>
+                  </a:schemeClr>
+                </a:solidFill>
+                <a:latin typeface="Tekton Pro" panose="020F0603020208020904" pitchFamily="34" charset="0"/>
+                <a:ea typeface="맑은 고딕" panose="020B0503020000020004" pitchFamily="50" charset="-127"/>
+                <a:cs typeface="Arial" panose="020B0604020202020204" pitchFamily="34" charset="0"/>
+              </a:defRPr>
+            </a:lvl1pPr>
+            <a:lvl2pPr marL="742950" indent="-285750"/>
+            <a:lvl3pPr marL="1143000" indent="-228600"/>
+            <a:lvl4pPr marL="1600200" indent="-228600"/>
+            <a:lvl5pPr marL="2057400" indent="-228600"/>
+            <a:lvl6pPr marL="2514600" indent="-228600" eaLnBrk="0" fontAlgn="base" hangingPunct="0">
+              <a:spcBef>
+                <a:spcPct val="0"/>
+              </a:spcBef>
+              <a:spcAft>
+                <a:spcPct val="0"/>
+              </a:spcAft>
+            </a:lvl6pPr>
+            <a:lvl7pPr marL="2971800" indent="-228600" eaLnBrk="0" fontAlgn="base" hangingPunct="0">
+              <a:spcBef>
+                <a:spcPct val="0"/>
+              </a:spcBef>
+              <a:spcAft>
+                <a:spcPct val="0"/>
+              </a:spcAft>
+            </a:lvl7pPr>
+            <a:lvl8pPr marL="3429000" indent="-228600" eaLnBrk="0" fontAlgn="base" hangingPunct="0">
+              <a:spcBef>
+                <a:spcPct val="0"/>
+              </a:spcBef>
+              <a:spcAft>
+                <a:spcPct val="0"/>
+              </a:spcAft>
+            </a:lvl8pPr>
+            <a:lvl9pPr marL="3886200" indent="-228600" eaLnBrk="0" fontAlgn="base" hangingPunct="0">
+              <a:spcBef>
+                <a:spcPct val="0"/>
+              </a:spcBef>
+              <a:spcAft>
+                <a:spcPct val="0"/>
+              </a:spcAft>
+            </a:lvl9pPr>
+          </a:lstStyle>
+          <a:p>
+            <a:pPr>
+              <a:defRPr/>
+            </a:pPr>
+            <a:r>
+              <a:rPr lang="en-US" altLang="ko-KR" dirty="0"/>
+              <a:t>Implementation</a:t>
+            </a:r>
+          </a:p>
+        </p:txBody>
+      </p:sp>
+      <p:pic>
+        <p:nvPicPr>
+          <p:cNvPr id="3" name="그래픽 2" descr="전송">
+            <a:extLst>
+              <a:ext uri="{FF2B5EF4-FFF2-40B4-BE49-F238E27FC236}">
+                <a16:creationId xmlns:a16="http://schemas.microsoft.com/office/drawing/2014/main" id="{0814D572-77A7-4483-9871-E91415FE0B3B}"/>
+              </a:ext>
+            </a:extLst>
+          </p:cNvPr>
+          <p:cNvPicPr>
+            <a:picLocks noChangeAspect="1"/>
+          </p:cNvPicPr>
+          <p:nvPr/>
+        </p:nvPicPr>
+        <p:blipFill>
+          <a:blip r:embed="rId2">
+            <a:extLst>
+              <a:ext uri="{28A0092B-C50C-407E-A947-70E740481C1C}">
+                <a14:useLocalDpi xmlns:a14="http://schemas.microsoft.com/office/drawing/2010/main" val="0"/>
+              </a:ext>
+              <a:ext uri="{96DAC541-7B7A-43D3-8B79-37D633B846F1}">
+                <asvg:svgBlip xmlns:asvg="http://schemas.microsoft.com/office/drawing/2016/SVG/main" r:embed="rId3"/>
+              </a:ext>
+            </a:extLst>
+          </a:blip>
+          <a:stretch>
+            <a:fillRect/>
+          </a:stretch>
+        </p:blipFill>
+        <p:spPr>
+          <a:xfrm>
+            <a:off x="7377811" y="2377988"/>
+            <a:ext cx="1681336" cy="1681336"/>
+          </a:xfrm>
+          <a:prstGeom prst="rect">
+            <a:avLst/>
+          </a:prstGeom>
+        </p:spPr>
+      </p:pic>
+    </p:spTree>
+    <p:extLst>
+      <p:ext uri="{BB962C8B-B14F-4D97-AF65-F5344CB8AC3E}">
+        <p14:creationId xmlns:p14="http://schemas.microsoft.com/office/powerpoint/2010/main" val="3723581921"/>
+      </p:ext>
+    </p:extLst>
+  </p:cSld>
+  <p:clrMapOvr>
+    <a:masterClrMapping/>
+  </p:clrMapOvr>
+  <p:transition spd="slow">
+    <p:push dir="u"/>
+  </p:transition>
+</p:sld>
+</file>
+
+<file path=ppt/slides/slide14.xml><?xml version="1.0" encoding="utf-8"?>
+<p:sld xmlns:a="http://schemas.openxmlformats.org/drawingml/2006/main" xmlns:r="http://schemas.openxmlformats.org/officeDocument/2006/relationships" xmlns:p="http://schemas.openxmlformats.org/presentationml/2006/main">
+  <p:cSld>
+    <p:spTree>
+      <p:nvGrpSpPr>
+        <p:cNvPr id="1" name=""/>
+        <p:cNvGrpSpPr/>
+        <p:nvPr/>
+      </p:nvGrpSpPr>
+      <p:grpSpPr>
+        <a:xfrm>
+          <a:off x="0" y="0"/>
+          <a:ext cx="0" cy="0"/>
+          <a:chOff x="0" y="0"/>
+          <a:chExt cx="0" cy="0"/>
+        </a:xfrm>
+      </p:grpSpPr>
+      <p:sp>
+        <p:nvSpPr>
+          <p:cNvPr id="15362" name="제목 1"/>
+          <p:cNvSpPr>
+            <a:spLocks noGrp="1"/>
+          </p:cNvSpPr>
+          <p:nvPr>
+            <p:ph type="title"/>
+          </p:nvPr>
+        </p:nvSpPr>
+        <p:spPr bwMode="auto">
+          <a:xfrm>
+            <a:off x="222250" y="301625"/>
+            <a:ext cx="7345363" cy="369888"/>
+          </a:xfrm>
+          <a:extLst>
+            <a:ext uri="{909E8E84-426E-40DD-AFC4-6F175D3DCCD1}">
+              <a14:hiddenFill xmlns:a14="http://schemas.microsoft.com/office/drawing/2010/main">
+                <a:solidFill>
+                  <a:srgbClr val="FFFFFF"/>
+                </a:solidFill>
+              </a14:hiddenFill>
+            </a:ext>
+            <a:ext uri="{91240B29-F687-4F45-9708-019B960494DF}">
+              <a14:hiddenLine xmlns:a14="http://schemas.microsoft.com/office/drawing/2010/main" w="9525">
+                <a:solidFill>
+                  <a:srgbClr val="000000"/>
+                </a:solidFill>
+                <a:miter lim="800000"/>
+                <a:headEnd/>
+                <a:tailEnd/>
+              </a14:hiddenLine>
+            </a:ext>
+          </a:extLst>
+        </p:spPr>
+        <p:txBody>
+          <a:bodyPr vert="horz" lIns="91440" tIns="45720" rIns="91440" bIns="45720" numCol="1" anchor="t" anchorCtr="0" compatLnSpc="1">
+            <a:prstTxWarp prst="textNoShape">
+              <a:avLst/>
+            </a:prstTxWarp>
+          </a:bodyPr>
+          <a:lstStyle/>
+          <a:p>
+            <a:pPr>
+              <a:defRPr/>
+            </a:pPr>
+            <a:r>
+              <a:rPr lang="en-US" altLang="ko-KR" dirty="0"/>
+              <a:t>Implementation</a:t>
+            </a:r>
+            <a:endParaRPr lang="ko-KR" altLang="ko-KR" dirty="0"/>
+          </a:p>
+        </p:txBody>
+      </p:sp>
+      <p:sp>
+        <p:nvSpPr>
+          <p:cNvPr id="28" name="TextBox 19"/>
+          <p:cNvSpPr txBox="1">
+            <a:spLocks noChangeArrowheads="1"/>
+          </p:cNvSpPr>
+          <p:nvPr/>
+        </p:nvSpPr>
+        <p:spPr bwMode="auto">
+          <a:xfrm>
+            <a:off x="1464593" y="1628800"/>
+            <a:ext cx="6214814" cy="784830"/>
+          </a:xfrm>
+          <a:prstGeom prst="rect">
+            <a:avLst/>
+          </a:prstGeom>
+          <a:noFill/>
+          <a:ln>
+            <a:noFill/>
+          </a:ln>
+          <a:extLst>
+            <a:ext uri="{909E8E84-426E-40DD-AFC4-6F175D3DCCD1}">
+              <a14:hiddenFill xmlns:a14="http://schemas.microsoft.com/office/drawing/2010/main">
+                <a:solidFill>
+                  <a:srgbClr val="FFFFFF"/>
+                </a:solidFill>
+              </a14:hiddenFill>
+            </a:ext>
+            <a:ext uri="{91240B29-F687-4F45-9708-019B960494DF}">
+              <a14:hiddenLine xmlns:a14="http://schemas.microsoft.com/office/drawing/2010/main" w="9525">
+                <a:solidFill>
+                  <a:srgbClr val="000000"/>
+                </a:solidFill>
+                <a:miter lim="800000"/>
+                <a:headEnd/>
+                <a:tailEnd/>
+              </a14:hiddenLine>
+            </a:ext>
+          </a:extLst>
+        </p:spPr>
+        <p:txBody>
+          <a:bodyPr wrap="square">
+            <a:spAutoFit/>
+          </a:bodyPr>
+          <a:lstStyle>
+            <a:lvl1pPr>
+              <a:defRPr kumimoji="1">
+                <a:solidFill>
+                  <a:schemeClr val="tx1"/>
+                </a:solidFill>
+                <a:latin typeface="굴림" panose="020B0600000101010101" pitchFamily="50" charset="-127"/>
+                <a:ea typeface="굴림" panose="020B0600000101010101" pitchFamily="50" charset="-127"/>
+              </a:defRPr>
+            </a:lvl1pPr>
+            <a:lvl2pPr marL="742950" indent="-285750">
+              <a:defRPr kumimoji="1">
+                <a:solidFill>
+                  <a:schemeClr val="tx1"/>
+                </a:solidFill>
+                <a:latin typeface="굴림" panose="020B0600000101010101" pitchFamily="50" charset="-127"/>
+                <a:ea typeface="굴림" panose="020B0600000101010101" pitchFamily="50" charset="-127"/>
+              </a:defRPr>
+            </a:lvl2pPr>
+            <a:lvl3pPr marL="1143000" indent="-228600">
+              <a:defRPr kumimoji="1">
+                <a:solidFill>
+                  <a:schemeClr val="tx1"/>
+                </a:solidFill>
+                <a:latin typeface="굴림" panose="020B0600000101010101" pitchFamily="50" charset="-127"/>
+                <a:ea typeface="굴림" panose="020B0600000101010101" pitchFamily="50" charset="-127"/>
+              </a:defRPr>
+            </a:lvl3pPr>
+            <a:lvl4pPr marL="1600200" indent="-228600">
+              <a:defRPr kumimoji="1">
+                <a:solidFill>
+                  <a:schemeClr val="tx1"/>
+                </a:solidFill>
+                <a:latin typeface="굴림" panose="020B0600000101010101" pitchFamily="50" charset="-127"/>
+                <a:ea typeface="굴림" panose="020B0600000101010101" pitchFamily="50" charset="-127"/>
+              </a:defRPr>
+            </a:lvl4pPr>
+            <a:lvl5pPr marL="2057400" indent="-228600">
+              <a:defRPr kumimoji="1">
+                <a:solidFill>
+                  <a:schemeClr val="tx1"/>
+                </a:solidFill>
+                <a:latin typeface="굴림" panose="020B0600000101010101" pitchFamily="50" charset="-127"/>
+                <a:ea typeface="굴림" panose="020B0600000101010101" pitchFamily="50" charset="-127"/>
+              </a:defRPr>
+            </a:lvl5pPr>
+            <a:lvl6pPr marL="2514600" indent="-228600" eaLnBrk="0" fontAlgn="base" hangingPunct="0">
+              <a:spcBef>
+                <a:spcPct val="0"/>
+              </a:spcBef>
+              <a:spcAft>
+                <a:spcPct val="0"/>
+              </a:spcAft>
+              <a:defRPr kumimoji="1">
+                <a:solidFill>
+                  <a:schemeClr val="tx1"/>
+                </a:solidFill>
+                <a:latin typeface="굴림" panose="020B0600000101010101" pitchFamily="50" charset="-127"/>
+                <a:ea typeface="굴림" panose="020B0600000101010101" pitchFamily="50" charset="-127"/>
+              </a:defRPr>
+            </a:lvl6pPr>
+            <a:lvl7pPr marL="2971800" indent="-228600" eaLnBrk="0" fontAlgn="base" hangingPunct="0">
+              <a:spcBef>
+                <a:spcPct val="0"/>
+              </a:spcBef>
+              <a:spcAft>
+                <a:spcPct val="0"/>
+              </a:spcAft>
+              <a:defRPr kumimoji="1">
+                <a:solidFill>
+                  <a:schemeClr val="tx1"/>
+                </a:solidFill>
+                <a:latin typeface="굴림" panose="020B0600000101010101" pitchFamily="50" charset="-127"/>
+                <a:ea typeface="굴림" panose="020B0600000101010101" pitchFamily="50" charset="-127"/>
+              </a:defRPr>
+            </a:lvl7pPr>
+            <a:lvl8pPr marL="3429000" indent="-228600" eaLnBrk="0" fontAlgn="base" hangingPunct="0">
+              <a:spcBef>
+                <a:spcPct val="0"/>
+              </a:spcBef>
+              <a:spcAft>
+                <a:spcPct val="0"/>
+              </a:spcAft>
+              <a:defRPr kumimoji="1">
+                <a:solidFill>
+                  <a:schemeClr val="tx1"/>
+                </a:solidFill>
+                <a:latin typeface="굴림" panose="020B0600000101010101" pitchFamily="50" charset="-127"/>
+                <a:ea typeface="굴림" panose="020B0600000101010101" pitchFamily="50" charset="-127"/>
+              </a:defRPr>
+            </a:lvl8pPr>
+            <a:lvl9pPr marL="3886200" indent="-228600" eaLnBrk="0" fontAlgn="base" hangingPunct="0">
+              <a:spcBef>
+                <a:spcPct val="0"/>
+              </a:spcBef>
+              <a:spcAft>
+                <a:spcPct val="0"/>
+              </a:spcAft>
+              <a:defRPr kumimoji="1">
+                <a:solidFill>
+                  <a:schemeClr val="tx1"/>
+                </a:solidFill>
+                <a:latin typeface="굴림" panose="020B0600000101010101" pitchFamily="50" charset="-127"/>
+                <a:ea typeface="굴림" panose="020B0600000101010101" pitchFamily="50" charset="-127"/>
+              </a:defRPr>
+            </a:lvl9pPr>
+          </a:lstStyle>
+          <a:p>
+            <a:pPr algn="ctr" eaLnBrk="1" latinLnBrk="1" hangingPunct="1">
+              <a:defRPr/>
+            </a:pPr>
+            <a:r>
+              <a:rPr kumimoji="0" lang="en-US" altLang="ko-KR" sz="4500" b="1" spc="-150" dirty="0">
+                <a:solidFill>
+                  <a:schemeClr val="tx1">
+                    <a:lumMod val="75000"/>
+                    <a:lumOff val="25000"/>
+                  </a:schemeClr>
+                </a:solidFill>
+                <a:latin typeface="Arial Black" panose="020B0A04020102020204" pitchFamily="34" charset="0"/>
+                <a:ea typeface="맑은 고딕" panose="020B0503020000020004" pitchFamily="50" charset="-127"/>
+                <a:cs typeface="Arial" panose="020B0604020202020204" pitchFamily="34" charset="0"/>
+              </a:rPr>
+              <a:t>Implementation</a:t>
+            </a:r>
+          </a:p>
+        </p:txBody>
+      </p:sp>
+      <p:sp>
+        <p:nvSpPr>
+          <p:cNvPr id="29" name="제목 2"/>
+          <p:cNvSpPr txBox="1">
+            <a:spLocks/>
+          </p:cNvSpPr>
+          <p:nvPr/>
+        </p:nvSpPr>
+        <p:spPr bwMode="auto">
+          <a:xfrm>
+            <a:off x="1200150" y="2947987"/>
+            <a:ext cx="6867525" cy="2308324"/>
+          </a:xfrm>
+          <a:prstGeom prst="rect">
+            <a:avLst/>
+          </a:prstGeom>
+          <a:noFill/>
+          <a:ln>
+            <a:noFill/>
+          </a:ln>
+          <a:extLst>
+            <a:ext uri="{909E8E84-426E-40DD-AFC4-6F175D3DCCD1}">
+              <a14:hiddenFill xmlns:a14="http://schemas.microsoft.com/office/drawing/2010/main">
+                <a:solidFill>
+                  <a:srgbClr val="FFFFFF"/>
+                </a:solidFill>
+              </a14:hiddenFill>
+            </a:ext>
+            <a:ext uri="{91240B29-F687-4F45-9708-019B960494DF}">
+              <a14:hiddenLine xmlns:a14="http://schemas.microsoft.com/office/drawing/2010/main" w="9525">
+                <a:solidFill>
+                  <a:srgbClr val="000000"/>
+                </a:solidFill>
+                <a:miter lim="800000"/>
+                <a:headEnd/>
+                <a:tailEnd/>
+              </a14:hiddenLine>
+            </a:ext>
+          </a:extLst>
+        </p:spPr>
+        <p:txBody>
+          <a:bodyPr>
+            <a:spAutoFit/>
+          </a:bodyPr>
+          <a:lstStyle>
+            <a:lvl1pPr marL="182563" indent="-182563">
+              <a:defRPr kumimoji="1">
+                <a:solidFill>
+                  <a:schemeClr val="tx1"/>
+                </a:solidFill>
+                <a:latin typeface="굴림" panose="020B0600000101010101" pitchFamily="50" charset="-127"/>
+                <a:ea typeface="굴림" panose="020B0600000101010101" pitchFamily="50" charset="-127"/>
+              </a:defRPr>
+            </a:lvl1pPr>
+            <a:lvl2pPr marL="742950" indent="-285750">
+              <a:defRPr kumimoji="1">
+                <a:solidFill>
+                  <a:schemeClr val="tx1"/>
+                </a:solidFill>
+                <a:latin typeface="굴림" panose="020B0600000101010101" pitchFamily="50" charset="-127"/>
+                <a:ea typeface="굴림" panose="020B0600000101010101" pitchFamily="50" charset="-127"/>
+              </a:defRPr>
+            </a:lvl2pPr>
+            <a:lvl3pPr marL="1143000" indent="-228600">
+              <a:defRPr kumimoji="1">
+                <a:solidFill>
+                  <a:schemeClr val="tx1"/>
+                </a:solidFill>
+                <a:latin typeface="굴림" panose="020B0600000101010101" pitchFamily="50" charset="-127"/>
+                <a:ea typeface="굴림" panose="020B0600000101010101" pitchFamily="50" charset="-127"/>
+              </a:defRPr>
+            </a:lvl3pPr>
+            <a:lvl4pPr marL="1600200" indent="-228600">
+              <a:defRPr kumimoji="1">
+                <a:solidFill>
+                  <a:schemeClr val="tx1"/>
+                </a:solidFill>
+                <a:latin typeface="굴림" panose="020B0600000101010101" pitchFamily="50" charset="-127"/>
+                <a:ea typeface="굴림" panose="020B0600000101010101" pitchFamily="50" charset="-127"/>
+              </a:defRPr>
+            </a:lvl4pPr>
+            <a:lvl5pPr marL="2057400" indent="-228600">
+              <a:defRPr kumimoji="1">
+                <a:solidFill>
+                  <a:schemeClr val="tx1"/>
+                </a:solidFill>
+                <a:latin typeface="굴림" panose="020B0600000101010101" pitchFamily="50" charset="-127"/>
+                <a:ea typeface="굴림" panose="020B0600000101010101" pitchFamily="50" charset="-127"/>
+              </a:defRPr>
+            </a:lvl5pPr>
+            <a:lvl6pPr marL="2514600" indent="-228600" eaLnBrk="0" fontAlgn="base" hangingPunct="0">
+              <a:spcBef>
+                <a:spcPct val="0"/>
+              </a:spcBef>
+              <a:spcAft>
+                <a:spcPct val="0"/>
+              </a:spcAft>
+              <a:defRPr kumimoji="1">
+                <a:solidFill>
+                  <a:schemeClr val="tx1"/>
+                </a:solidFill>
+                <a:latin typeface="굴림" panose="020B0600000101010101" pitchFamily="50" charset="-127"/>
+                <a:ea typeface="굴림" panose="020B0600000101010101" pitchFamily="50" charset="-127"/>
+              </a:defRPr>
+            </a:lvl6pPr>
+            <a:lvl7pPr marL="2971800" indent="-228600" eaLnBrk="0" fontAlgn="base" hangingPunct="0">
+              <a:spcBef>
+                <a:spcPct val="0"/>
+              </a:spcBef>
+              <a:spcAft>
+                <a:spcPct val="0"/>
+              </a:spcAft>
+              <a:defRPr kumimoji="1">
+                <a:solidFill>
+                  <a:schemeClr val="tx1"/>
+                </a:solidFill>
+                <a:latin typeface="굴림" panose="020B0600000101010101" pitchFamily="50" charset="-127"/>
+                <a:ea typeface="굴림" panose="020B0600000101010101" pitchFamily="50" charset="-127"/>
+              </a:defRPr>
+            </a:lvl7pPr>
+            <a:lvl8pPr marL="3429000" indent="-228600" eaLnBrk="0" fontAlgn="base" hangingPunct="0">
+              <a:spcBef>
+                <a:spcPct val="0"/>
+              </a:spcBef>
+              <a:spcAft>
+                <a:spcPct val="0"/>
+              </a:spcAft>
+              <a:defRPr kumimoji="1">
+                <a:solidFill>
+                  <a:schemeClr val="tx1"/>
+                </a:solidFill>
+                <a:latin typeface="굴림" panose="020B0600000101010101" pitchFamily="50" charset="-127"/>
+                <a:ea typeface="굴림" panose="020B0600000101010101" pitchFamily="50" charset="-127"/>
+              </a:defRPr>
+            </a:lvl8pPr>
+            <a:lvl9pPr marL="3886200" indent="-228600" eaLnBrk="0" fontAlgn="base" hangingPunct="0">
+              <a:spcBef>
+                <a:spcPct val="0"/>
+              </a:spcBef>
+              <a:spcAft>
+                <a:spcPct val="0"/>
+              </a:spcAft>
+              <a:defRPr kumimoji="1">
+                <a:solidFill>
+                  <a:schemeClr val="tx1"/>
+                </a:solidFill>
+                <a:latin typeface="굴림" panose="020B0600000101010101" pitchFamily="50" charset="-127"/>
+                <a:ea typeface="굴림" panose="020B0600000101010101" pitchFamily="50" charset="-127"/>
+              </a:defRPr>
+            </a:lvl9pPr>
+          </a:lstStyle>
+          <a:p>
+            <a:pPr latinLnBrk="1">
+              <a:buFontTx/>
+              <a:buChar char="•"/>
+              <a:defRPr/>
+            </a:pPr>
+            <a:r>
+              <a:rPr lang="ko-KR" altLang="en-US" sz="2400" dirty="0">
+                <a:solidFill>
+                  <a:schemeClr val="tx1">
+                    <a:lumMod val="75000"/>
+                    <a:lumOff val="25000"/>
+                  </a:schemeClr>
+                </a:solidFill>
+                <a:latin typeface="Arial" panose="020B0604020202020204" pitchFamily="34" charset="0"/>
+                <a:ea typeface="+mj-ea"/>
+                <a:cs typeface="Arial" panose="020B0604020202020204" pitchFamily="34" charset="0"/>
+              </a:rPr>
+              <a:t>전체 도로 그래프에서 </a:t>
+            </a:r>
+            <a:r>
+              <a:rPr lang="en-US" altLang="ko-KR" sz="2400" dirty="0">
+                <a:solidFill>
+                  <a:schemeClr val="tx1">
+                    <a:lumMod val="75000"/>
+                    <a:lumOff val="25000"/>
+                  </a:schemeClr>
+                </a:solidFill>
+                <a:latin typeface="Arial" panose="020B0604020202020204" pitchFamily="34" charset="0"/>
+                <a:ea typeface="+mj-ea"/>
+                <a:cs typeface="Arial" panose="020B0604020202020204" pitchFamily="34" charset="0"/>
+              </a:rPr>
+              <a:t>weight</a:t>
+            </a:r>
+            <a:r>
+              <a:rPr lang="ko-KR" altLang="en-US" sz="2400" dirty="0">
+                <a:solidFill>
+                  <a:schemeClr val="tx1">
+                    <a:lumMod val="75000"/>
+                    <a:lumOff val="25000"/>
+                  </a:schemeClr>
+                </a:solidFill>
+                <a:latin typeface="Arial" panose="020B0604020202020204" pitchFamily="34" charset="0"/>
+                <a:ea typeface="+mj-ea"/>
+                <a:cs typeface="Arial" panose="020B0604020202020204" pitchFamily="34" charset="0"/>
+              </a:rPr>
+              <a:t>의 합이 최소가 되는</a:t>
+            </a:r>
+            <a:r>
+              <a:rPr lang="en-US" altLang="ko-KR" sz="2400" dirty="0">
+                <a:solidFill>
+                  <a:schemeClr val="tx1">
+                    <a:lumMod val="75000"/>
+                    <a:lumOff val="25000"/>
+                  </a:schemeClr>
+                </a:solidFill>
+                <a:latin typeface="Arial" panose="020B0604020202020204" pitchFamily="34" charset="0"/>
+                <a:ea typeface="+mj-ea"/>
+                <a:cs typeface="Arial" panose="020B0604020202020204" pitchFamily="34" charset="0"/>
+              </a:rPr>
+              <a:t>(</a:t>
+            </a:r>
+            <a:r>
+              <a:rPr lang="ko-KR" altLang="en-US" sz="2400" dirty="0">
+                <a:solidFill>
+                  <a:schemeClr val="tx1">
+                    <a:lumMod val="75000"/>
+                    <a:lumOff val="25000"/>
+                  </a:schemeClr>
+                </a:solidFill>
+                <a:latin typeface="Arial" panose="020B0604020202020204" pitchFamily="34" charset="0"/>
+                <a:ea typeface="+mj-ea"/>
+                <a:cs typeface="Arial" panose="020B0604020202020204" pitchFamily="34" charset="0"/>
+              </a:rPr>
+              <a:t>시간이 가장 적게 걸리는</a:t>
+            </a:r>
+            <a:r>
+              <a:rPr lang="en-US" altLang="ko-KR" sz="2400" dirty="0">
+                <a:solidFill>
+                  <a:schemeClr val="tx1">
+                    <a:lumMod val="75000"/>
+                    <a:lumOff val="25000"/>
+                  </a:schemeClr>
+                </a:solidFill>
+                <a:latin typeface="Arial" panose="020B0604020202020204" pitchFamily="34" charset="0"/>
+                <a:ea typeface="+mj-ea"/>
+                <a:cs typeface="Arial" panose="020B0604020202020204" pitchFamily="34" charset="0"/>
+              </a:rPr>
+              <a:t>) path</a:t>
+            </a:r>
+            <a:r>
+              <a:rPr lang="ko-KR" altLang="en-US" sz="2400" dirty="0">
+                <a:solidFill>
+                  <a:schemeClr val="tx1">
+                    <a:lumMod val="75000"/>
+                    <a:lumOff val="25000"/>
+                  </a:schemeClr>
+                </a:solidFill>
+                <a:latin typeface="Arial" panose="020B0604020202020204" pitchFamily="34" charset="0"/>
+                <a:ea typeface="+mj-ea"/>
+                <a:cs typeface="Arial" panose="020B0604020202020204" pitchFamily="34" charset="0"/>
+              </a:rPr>
+              <a:t>를 찾는다</a:t>
+            </a:r>
+            <a:endParaRPr lang="en-US" altLang="ko-KR" sz="2400" dirty="0">
+              <a:solidFill>
+                <a:schemeClr val="tx1">
+                  <a:lumMod val="75000"/>
+                  <a:lumOff val="25000"/>
+                </a:schemeClr>
+              </a:solidFill>
+              <a:latin typeface="Arial" panose="020B0604020202020204" pitchFamily="34" charset="0"/>
+              <a:ea typeface="+mj-ea"/>
+              <a:cs typeface="Arial" panose="020B0604020202020204" pitchFamily="34" charset="0"/>
+            </a:endParaRPr>
+          </a:p>
+          <a:p>
+            <a:pPr latinLnBrk="1">
+              <a:buFontTx/>
+              <a:buChar char="•"/>
+              <a:defRPr/>
+            </a:pPr>
+            <a:endParaRPr lang="en-US" altLang="ko-KR" sz="2400" dirty="0">
+              <a:solidFill>
+                <a:schemeClr val="tx1">
+                  <a:lumMod val="75000"/>
+                  <a:lumOff val="25000"/>
+                </a:schemeClr>
+              </a:solidFill>
+              <a:latin typeface="Arial" panose="020B0604020202020204" pitchFamily="34" charset="0"/>
+              <a:ea typeface="+mj-ea"/>
+              <a:cs typeface="Arial" panose="020B0604020202020204" pitchFamily="34" charset="0"/>
+            </a:endParaRPr>
+          </a:p>
+          <a:p>
+            <a:pPr latinLnBrk="1">
+              <a:buFontTx/>
+              <a:buChar char="•"/>
+              <a:defRPr/>
+            </a:pPr>
+            <a:r>
+              <a:rPr lang="ko-KR" altLang="en-US" sz="2400" dirty="0">
+                <a:solidFill>
+                  <a:schemeClr val="tx1">
+                    <a:lumMod val="75000"/>
+                    <a:lumOff val="25000"/>
+                  </a:schemeClr>
+                </a:solidFill>
+                <a:latin typeface="Arial" panose="020B0604020202020204" pitchFamily="34" charset="0"/>
+                <a:ea typeface="+mj-ea"/>
+                <a:cs typeface="Arial" panose="020B0604020202020204" pitchFamily="34" charset="0"/>
+              </a:rPr>
+              <a:t>교통상황에 따라 </a:t>
+            </a:r>
+            <a:r>
+              <a:rPr lang="en-US" altLang="ko-KR" sz="2400" dirty="0">
+                <a:solidFill>
+                  <a:schemeClr val="tx1">
+                    <a:lumMod val="75000"/>
+                    <a:lumOff val="25000"/>
+                  </a:schemeClr>
+                </a:solidFill>
+                <a:latin typeface="Arial" panose="020B0604020202020204" pitchFamily="34" charset="0"/>
+                <a:ea typeface="+mj-ea"/>
+                <a:cs typeface="Arial" panose="020B0604020202020204" pitchFamily="34" charset="0"/>
+              </a:rPr>
+              <a:t>weight</a:t>
+            </a:r>
+            <a:r>
+              <a:rPr lang="ko-KR" altLang="en-US" sz="2400" dirty="0">
+                <a:solidFill>
+                  <a:schemeClr val="tx1">
+                    <a:lumMod val="75000"/>
+                    <a:lumOff val="25000"/>
+                  </a:schemeClr>
+                </a:solidFill>
+                <a:latin typeface="Arial" panose="020B0604020202020204" pitchFamily="34" charset="0"/>
+                <a:ea typeface="+mj-ea"/>
+                <a:cs typeface="Arial" panose="020B0604020202020204" pitchFamily="34" charset="0"/>
+              </a:rPr>
+              <a:t>가 바뀌면 경로를 수정한다</a:t>
+            </a:r>
+            <a:r>
+              <a:rPr lang="en-US" altLang="ko-KR" sz="2400" dirty="0">
+                <a:solidFill>
+                  <a:schemeClr val="tx1">
+                    <a:lumMod val="75000"/>
+                    <a:lumOff val="25000"/>
+                  </a:schemeClr>
+                </a:solidFill>
+                <a:latin typeface="Arial" panose="020B0604020202020204" pitchFamily="34" charset="0"/>
+                <a:ea typeface="+mj-ea"/>
+                <a:cs typeface="Arial" panose="020B0604020202020204" pitchFamily="34" charset="0"/>
+              </a:rPr>
+              <a:t>(</a:t>
+            </a:r>
+            <a:r>
+              <a:rPr lang="ko-KR" altLang="en-US" sz="2400" dirty="0">
+                <a:solidFill>
+                  <a:schemeClr val="tx1">
+                    <a:lumMod val="75000"/>
+                    <a:lumOff val="25000"/>
+                  </a:schemeClr>
+                </a:solidFill>
+                <a:latin typeface="Arial" panose="020B0604020202020204" pitchFamily="34" charset="0"/>
+                <a:ea typeface="+mj-ea"/>
+                <a:cs typeface="Arial" panose="020B0604020202020204" pitchFamily="34" charset="0"/>
+              </a:rPr>
+              <a:t>같은 방법으로</a:t>
+            </a:r>
+            <a:r>
+              <a:rPr lang="en-US" altLang="ko-KR" sz="2400" dirty="0">
+                <a:solidFill>
+                  <a:schemeClr val="tx1">
+                    <a:lumMod val="75000"/>
+                    <a:lumOff val="25000"/>
+                  </a:schemeClr>
+                </a:solidFill>
+                <a:latin typeface="Arial" panose="020B0604020202020204" pitchFamily="34" charset="0"/>
+                <a:ea typeface="+mj-ea"/>
+                <a:cs typeface="Arial" panose="020B0604020202020204" pitchFamily="34" charset="0"/>
+              </a:rPr>
+              <a:t>)</a:t>
+            </a:r>
+          </a:p>
+          <a:p>
+            <a:pPr latinLnBrk="1">
+              <a:buFontTx/>
+              <a:buChar char="•"/>
+              <a:defRPr/>
+            </a:pPr>
+            <a:endParaRPr lang="en-US" altLang="ko-KR" sz="2400" dirty="0">
+              <a:solidFill>
+                <a:schemeClr val="tx1">
+                  <a:lumMod val="75000"/>
+                  <a:lumOff val="25000"/>
+                </a:schemeClr>
+              </a:solidFill>
+              <a:latin typeface="Arial" panose="020B0604020202020204" pitchFamily="34" charset="0"/>
+              <a:ea typeface="+mj-ea"/>
+              <a:cs typeface="Arial" panose="020B0604020202020204" pitchFamily="34" charset="0"/>
+            </a:endParaRPr>
+          </a:p>
+        </p:txBody>
+      </p:sp>
+    </p:spTree>
+    <p:extLst>
+      <p:ext uri="{BB962C8B-B14F-4D97-AF65-F5344CB8AC3E}">
+        <p14:creationId xmlns:p14="http://schemas.microsoft.com/office/powerpoint/2010/main" val="1716730475"/>
+      </p:ext>
+    </p:extLst>
+  </p:cSld>
+  <p:clrMapOvr>
+    <a:masterClrMapping/>
+  </p:clrMapOvr>
+  <mc:AlternateContent xmlns:mc="http://schemas.openxmlformats.org/markup-compatibility/2006" xmlns:p159="http://schemas.microsoft.com/office/powerpoint/2015/09/main">
+    <mc:Choice Requires="p159">
+      <p:transition xmlns:p14="http://schemas.microsoft.com/office/powerpoint/2010/main" spd="slow" p14:dur="2000">
+        <p159:morph option="byObject"/>
+      </p:transition>
+    </mc:Choice>
+    <mc:Fallback xmlns="">
+      <p:transition spd="slow">
+        <p:fade/>
+      </p:transition>
+    </mc:Fallback>
+  </mc:AlternateContent>
+</p:sld>
+</file>
+
+<file path=ppt/slides/slide15.xml><?xml version="1.0" encoding="utf-8"?>
 <p:sld xmlns:a="http://schemas.openxmlformats.org/drawingml/2006/main" xmlns:r="http://schemas.openxmlformats.org/officeDocument/2006/relationships" xmlns:p="http://schemas.openxmlformats.org/presentationml/2006/main">
   <p:cSld>
     <p:spTree>
@@ -22493,7 +25071,7 @@
                     <a:ea typeface="맑은 고딕" panose="020B0503020000020004" pitchFamily="50" charset="-127"/>
                     <a:cs typeface="Arial" panose="020B0604020202020204" pitchFamily="34" charset="0"/>
                   </a:rPr>
-                  <a:t>Goal</a:t>
+                  <a:t>Implementation</a:t>
                 </a:r>
                 <a:endParaRPr kumimoji="0" lang="ko-KR" altLang="ko-KR" sz="2800" dirty="0">
                   <a:solidFill>
@@ -23822,7 +26400,7 @@
         </p:nvSpPr>
         <p:spPr bwMode="auto">
           <a:xfrm>
-            <a:off x="1716621" y="1530985"/>
+            <a:off x="1716621" y="2690336"/>
             <a:ext cx="5710758" cy="1477328"/>
           </a:xfrm>
           <a:prstGeom prst="rect">
@@ -23970,37 +26548,76 @@
             <a:r>
               <a:rPr kumimoji="0" lang="en-US" altLang="ko-KR" sz="4500" b="1" spc="-150" dirty="0">
                 <a:solidFill>
-                  <a:srgbClr val="00B0F0"/>
+                  <a:schemeClr val="accent1">
+                    <a:lumMod val="50000"/>
+                  </a:schemeClr>
                 </a:solidFill>
                 <a:latin typeface="Arial Black" panose="020B0A04020102020204" pitchFamily="34" charset="0"/>
                 <a:ea typeface="맑은 고딕" panose="020B0503020000020004" pitchFamily="50" charset="-127"/>
                 <a:cs typeface="Arial" panose="020B0604020202020204" pitchFamily="34" charset="0"/>
               </a:rPr>
-              <a:t>Book Manage System</a:t>
+              <a:t>Smart Navigation System</a:t>
             </a:r>
           </a:p>
         </p:txBody>
       </p:sp>
+    </p:spTree>
+    <p:extLst>
+      <p:ext uri="{BB962C8B-B14F-4D97-AF65-F5344CB8AC3E}">
+        <p14:creationId xmlns:p14="http://schemas.microsoft.com/office/powerpoint/2010/main" val="3598702038"/>
+      </p:ext>
+    </p:extLst>
+  </p:cSld>
+  <p:clrMapOvr>
+    <a:masterClrMapping/>
+  </p:clrMapOvr>
+  <mc:AlternateContent xmlns:mc="http://schemas.openxmlformats.org/markup-compatibility/2006" xmlns:p159="http://schemas.microsoft.com/office/powerpoint/2015/09/main">
+    <mc:Choice Requires="p159">
+      <p:transition xmlns:p14="http://schemas.microsoft.com/office/powerpoint/2010/main" spd="slow" p14:dur="2000">
+        <p159:morph option="byObject"/>
+      </p:transition>
+    </mc:Choice>
+    <mc:Fallback xmlns="">
+      <p:transition spd="slow">
+        <p:fade/>
+      </p:transition>
+    </mc:Fallback>
+  </mc:AlternateContent>
+</p:sld>
+</file>
+
+<file path=ppt/slides/slide5.xml><?xml version="1.0" encoding="utf-8"?>
+<p:sld xmlns:a="http://schemas.openxmlformats.org/drawingml/2006/main" xmlns:r="http://schemas.openxmlformats.org/officeDocument/2006/relationships" xmlns:p="http://schemas.openxmlformats.org/presentationml/2006/main">
+  <p:cSld>
+    <p:spTree>
+      <p:nvGrpSpPr>
+        <p:cNvPr id="1" name=""/>
+        <p:cNvGrpSpPr/>
+        <p:nvPr/>
+      </p:nvGrpSpPr>
+      <p:grpSpPr>
+        <a:xfrm>
+          <a:off x="0" y="0"/>
+          <a:ext cx="0" cy="0"/>
+          <a:chOff x="0" y="0"/>
+          <a:chExt cx="0" cy="0"/>
+        </a:xfrm>
+      </p:grpSpPr>
       <p:sp>
         <p:nvSpPr>
-          <p:cNvPr id="29" name="제목 2"/>
-          <p:cNvSpPr txBox="1">
-            <a:spLocks/>
+          <p:cNvPr id="15362" name="제목 1"/>
+          <p:cNvSpPr>
+            <a:spLocks noGrp="1"/>
           </p:cNvSpPr>
-          <p:nvPr/>
+          <p:nvPr>
+            <p:ph type="title"/>
+          </p:nvPr>
         </p:nvSpPr>
         <p:spPr bwMode="auto">
           <a:xfrm>
-            <a:off x="1138237" y="3429000"/>
-            <a:ext cx="6867525" cy="2554545"/>
+            <a:off x="222250" y="301625"/>
+            <a:ext cx="7345363" cy="369888"/>
           </a:xfrm>
-          <a:prstGeom prst="rect">
-            <a:avLst/>
-          </a:prstGeom>
-          <a:noFill/>
-          <a:ln>
-            <a:noFill/>
-          </a:ln>
           <a:extLst>
             <a:ext uri="{909E8E84-426E-40DD-AFC4-6F175D3DCCD1}">
               <a14:hiddenFill xmlns:a14="http://schemas.microsoft.com/office/drawing/2010/main">
@@ -24022,379 +26639,135 @@
           </a:extLst>
         </p:spPr>
         <p:txBody>
-          <a:bodyPr>
-            <a:spAutoFit/>
+          <a:bodyPr vert="horz" lIns="91440" tIns="45720" rIns="91440" bIns="45720" numCol="1" anchor="t" anchorCtr="0" compatLnSpc="1">
+            <a:prstTxWarp prst="textNoShape">
+              <a:avLst/>
+            </a:prstTxWarp>
           </a:bodyPr>
-          <a:lstStyle>
-            <a:lvl1pPr marL="182563" indent="-182563">
-              <a:defRPr kumimoji="1">
-                <a:solidFill>
-                  <a:schemeClr val="tx1"/>
-                </a:solidFill>
-                <a:latin typeface="굴림" panose="020B0600000101010101" pitchFamily="50" charset="-127"/>
-                <a:ea typeface="굴림" panose="020B0600000101010101" pitchFamily="50" charset="-127"/>
-              </a:defRPr>
-            </a:lvl1pPr>
-            <a:lvl2pPr marL="742950" indent="-285750">
-              <a:defRPr kumimoji="1">
-                <a:solidFill>
-                  <a:schemeClr val="tx1"/>
-                </a:solidFill>
-                <a:latin typeface="굴림" panose="020B0600000101010101" pitchFamily="50" charset="-127"/>
-                <a:ea typeface="굴림" panose="020B0600000101010101" pitchFamily="50" charset="-127"/>
-              </a:defRPr>
-            </a:lvl2pPr>
-            <a:lvl3pPr marL="1143000" indent="-228600">
-              <a:defRPr kumimoji="1">
-                <a:solidFill>
-                  <a:schemeClr val="tx1"/>
-                </a:solidFill>
-                <a:latin typeface="굴림" panose="020B0600000101010101" pitchFamily="50" charset="-127"/>
-                <a:ea typeface="굴림" panose="020B0600000101010101" pitchFamily="50" charset="-127"/>
-              </a:defRPr>
-            </a:lvl3pPr>
-            <a:lvl4pPr marL="1600200" indent="-228600">
-              <a:defRPr kumimoji="1">
-                <a:solidFill>
-                  <a:schemeClr val="tx1"/>
-                </a:solidFill>
-                <a:latin typeface="굴림" panose="020B0600000101010101" pitchFamily="50" charset="-127"/>
-                <a:ea typeface="굴림" panose="020B0600000101010101" pitchFamily="50" charset="-127"/>
-              </a:defRPr>
-            </a:lvl4pPr>
-            <a:lvl5pPr marL="2057400" indent="-228600">
-              <a:defRPr kumimoji="1">
-                <a:solidFill>
-                  <a:schemeClr val="tx1"/>
-                </a:solidFill>
-                <a:latin typeface="굴림" panose="020B0600000101010101" pitchFamily="50" charset="-127"/>
-                <a:ea typeface="굴림" panose="020B0600000101010101" pitchFamily="50" charset="-127"/>
-              </a:defRPr>
-            </a:lvl5pPr>
-            <a:lvl6pPr marL="2514600" indent="-228600" eaLnBrk="0" fontAlgn="base" hangingPunct="0">
-              <a:spcBef>
-                <a:spcPct val="0"/>
-              </a:spcBef>
-              <a:spcAft>
-                <a:spcPct val="0"/>
-              </a:spcAft>
-              <a:defRPr kumimoji="1">
-                <a:solidFill>
-                  <a:schemeClr val="tx1"/>
-                </a:solidFill>
-                <a:latin typeface="굴림" panose="020B0600000101010101" pitchFamily="50" charset="-127"/>
-                <a:ea typeface="굴림" panose="020B0600000101010101" pitchFamily="50" charset="-127"/>
-              </a:defRPr>
-            </a:lvl6pPr>
-            <a:lvl7pPr marL="2971800" indent="-228600" eaLnBrk="0" fontAlgn="base" hangingPunct="0">
-              <a:spcBef>
-                <a:spcPct val="0"/>
-              </a:spcBef>
-              <a:spcAft>
-                <a:spcPct val="0"/>
-              </a:spcAft>
-              <a:defRPr kumimoji="1">
-                <a:solidFill>
-                  <a:schemeClr val="tx1"/>
-                </a:solidFill>
-                <a:latin typeface="굴림" panose="020B0600000101010101" pitchFamily="50" charset="-127"/>
-                <a:ea typeface="굴림" panose="020B0600000101010101" pitchFamily="50" charset="-127"/>
-              </a:defRPr>
-            </a:lvl7pPr>
-            <a:lvl8pPr marL="3429000" indent="-228600" eaLnBrk="0" fontAlgn="base" hangingPunct="0">
-              <a:spcBef>
-                <a:spcPct val="0"/>
-              </a:spcBef>
-              <a:spcAft>
-                <a:spcPct val="0"/>
-              </a:spcAft>
-              <a:defRPr kumimoji="1">
-                <a:solidFill>
-                  <a:schemeClr val="tx1"/>
-                </a:solidFill>
-                <a:latin typeface="굴림" panose="020B0600000101010101" pitchFamily="50" charset="-127"/>
-                <a:ea typeface="굴림" panose="020B0600000101010101" pitchFamily="50" charset="-127"/>
-              </a:defRPr>
-            </a:lvl8pPr>
-            <a:lvl9pPr marL="3886200" indent="-228600" eaLnBrk="0" fontAlgn="base" hangingPunct="0">
-              <a:spcBef>
-                <a:spcPct val="0"/>
-              </a:spcBef>
-              <a:spcAft>
-                <a:spcPct val="0"/>
-              </a:spcAft>
-              <a:defRPr kumimoji="1">
-                <a:solidFill>
-                  <a:schemeClr val="tx1"/>
-                </a:solidFill>
-                <a:latin typeface="굴림" panose="020B0600000101010101" pitchFamily="50" charset="-127"/>
-                <a:ea typeface="굴림" panose="020B0600000101010101" pitchFamily="50" charset="-127"/>
-              </a:defRPr>
-            </a:lvl9pPr>
-          </a:lstStyle>
+          <a:lstStyle/>
           <a:p>
-            <a:pPr latinLnBrk="1">
-              <a:buFontTx/>
-              <a:buChar char="•"/>
+            <a:pPr>
               <a:defRPr/>
             </a:pPr>
             <a:r>
-              <a:rPr lang="ko-KR" altLang="en-US" sz="2000" dirty="0">
+              <a:rPr lang="en-US" altLang="ko-KR" dirty="0"/>
+              <a:t>About</a:t>
+            </a:r>
+            <a:endParaRPr lang="ko-KR" altLang="ko-KR" dirty="0"/>
+          </a:p>
+        </p:txBody>
+      </p:sp>
+      <p:pic>
+        <p:nvPicPr>
+          <p:cNvPr id="1026" name="Picture 2" descr="navigationì ëí ì´ë¯¸ì§ ê²ìê²°ê³¼">
+            <a:extLst>
+              <a:ext uri="{FF2B5EF4-FFF2-40B4-BE49-F238E27FC236}">
+                <a16:creationId xmlns:a16="http://schemas.microsoft.com/office/drawing/2014/main" id="{CA2FC400-8AF6-49DA-92F4-DCEABC5CEB18}"/>
+              </a:ext>
+            </a:extLst>
+          </p:cNvPr>
+          <p:cNvPicPr>
+            <a:picLocks noChangeAspect="1" noChangeArrowheads="1"/>
+          </p:cNvPicPr>
+          <p:nvPr/>
+        </p:nvPicPr>
+        <p:blipFill rotWithShape="1">
+          <a:blip r:embed="rId2">
+            <a:extLst>
+              <a:ext uri="{28A0092B-C50C-407E-A947-70E740481C1C}">
+                <a14:useLocalDpi xmlns:a14="http://schemas.microsoft.com/office/drawing/2010/main" val="0"/>
+              </a:ext>
+            </a:extLst>
+          </a:blip>
+          <a:srcRect l="8847" t="18297" r="8847" b="6104"/>
+          <a:stretch/>
+        </p:blipFill>
+        <p:spPr bwMode="auto">
+          <a:xfrm>
+            <a:off x="1511660" y="1484784"/>
+            <a:ext cx="6120680" cy="3513725"/>
+          </a:xfrm>
+          <a:prstGeom prst="rect">
+            <a:avLst/>
+          </a:prstGeom>
+          <a:noFill/>
+          <a:extLst>
+            <a:ext uri="{909E8E84-426E-40DD-AFC4-6F175D3DCCD1}">
+              <a14:hiddenFill xmlns:a14="http://schemas.microsoft.com/office/drawing/2010/main">
                 <a:solidFill>
-                  <a:schemeClr val="tx1">
-                    <a:lumMod val="75000"/>
-                    <a:lumOff val="25000"/>
-                  </a:schemeClr>
+                  <a:srgbClr val="FFFFFF"/>
                 </a:solidFill>
-                <a:latin typeface="Arial" panose="020B0604020202020204" pitchFamily="34" charset="0"/>
-                <a:ea typeface="+mj-ea"/>
-                <a:cs typeface="Arial" panose="020B0604020202020204" pitchFamily="34" charset="0"/>
+              </a14:hiddenFill>
+            </a:ext>
+          </a:extLst>
+        </p:spPr>
+      </p:pic>
+      <p:sp>
+        <p:nvSpPr>
+          <p:cNvPr id="2" name="TextBox 1">
+            <a:extLst>
+              <a:ext uri="{FF2B5EF4-FFF2-40B4-BE49-F238E27FC236}">
+                <a16:creationId xmlns:a16="http://schemas.microsoft.com/office/drawing/2014/main" id="{36A9C758-3261-48A2-B946-B4A42E32CF30}"/>
+              </a:ext>
+            </a:extLst>
+          </p:cNvPr>
+          <p:cNvSpPr txBox="1"/>
+          <p:nvPr/>
+        </p:nvSpPr>
+        <p:spPr>
+          <a:xfrm>
+            <a:off x="1926083" y="5627114"/>
+            <a:ext cx="5291833" cy="369332"/>
+          </a:xfrm>
+          <a:prstGeom prst="rect">
+            <a:avLst/>
+          </a:prstGeom>
+          <a:noFill/>
+        </p:spPr>
+        <p:txBody>
+          <a:bodyPr wrap="none" rtlCol="0">
+            <a:spAutoFit/>
+          </a:bodyPr>
+          <a:lstStyle/>
+          <a:p>
+            <a:r>
+              <a:rPr lang="ko-KR" altLang="en-US" dirty="0">
+                <a:latin typeface="+mn-ea"/>
+                <a:ea typeface="+mn-ea"/>
               </a:rPr>
-              <a:t>오픈 </a:t>
+              <a:t>실시간 교통상황을 </a:t>
             </a:r>
             <a:r>
-              <a:rPr lang="en-US" altLang="ko-KR" sz="2000" dirty="0">
-                <a:solidFill>
-                  <a:schemeClr val="tx1">
-                    <a:lumMod val="75000"/>
-                    <a:lumOff val="25000"/>
-                  </a:schemeClr>
-                </a:solidFill>
-                <a:latin typeface="Arial" panose="020B0604020202020204" pitchFamily="34" charset="0"/>
-                <a:ea typeface="+mj-ea"/>
-                <a:cs typeface="Arial" panose="020B0604020202020204" pitchFamily="34" charset="0"/>
+              <a:rPr lang="ko-KR" altLang="en-US">
+                <a:latin typeface="+mn-ea"/>
+                <a:ea typeface="+mn-ea"/>
               </a:rPr>
-              <a:t>API</a:t>
+              <a:t>반영하여 가장 빠른 길을 안내</a:t>
             </a:r>
-            <a:r>
-              <a:rPr lang="ko-KR" altLang="en-US" sz="2000" dirty="0">
-                <a:solidFill>
-                  <a:schemeClr val="tx1">
-                    <a:lumMod val="75000"/>
-                    <a:lumOff val="25000"/>
-                  </a:schemeClr>
-                </a:solidFill>
-                <a:latin typeface="Arial" panose="020B0604020202020204" pitchFamily="34" charset="0"/>
-                <a:ea typeface="+mj-ea"/>
-                <a:cs typeface="Arial" panose="020B0604020202020204" pitchFamily="34" charset="0"/>
-              </a:rPr>
-              <a:t>를 이용해 도서관의 책의 정보를 저장한다</a:t>
-            </a:r>
-            <a:endParaRPr lang="en-US" altLang="ko-KR" sz="2000" dirty="0">
-              <a:solidFill>
-                <a:schemeClr val="tx1">
-                  <a:lumMod val="75000"/>
-                  <a:lumOff val="25000"/>
-                </a:schemeClr>
-              </a:solidFill>
-              <a:latin typeface="Arial" panose="020B0604020202020204" pitchFamily="34" charset="0"/>
-              <a:ea typeface="+mj-ea"/>
-              <a:cs typeface="Arial" panose="020B0604020202020204" pitchFamily="34" charset="0"/>
+            <a:endParaRPr lang="ko-KR" altLang="en-US" dirty="0">
+              <a:latin typeface="+mn-ea"/>
+              <a:ea typeface="+mn-ea"/>
             </a:endParaRPr>
-          </a:p>
-          <a:p>
-            <a:pPr latinLnBrk="1">
-              <a:buFontTx/>
-              <a:buChar char="•"/>
-              <a:defRPr/>
-            </a:pPr>
-            <a:endParaRPr lang="en-US" altLang="ko-KR" sz="2000" dirty="0">
-              <a:solidFill>
-                <a:schemeClr val="tx1">
-                  <a:lumMod val="75000"/>
-                  <a:lumOff val="25000"/>
-                </a:schemeClr>
-              </a:solidFill>
-              <a:latin typeface="Arial" panose="020B0604020202020204" pitchFamily="34" charset="0"/>
-              <a:ea typeface="+mj-ea"/>
-              <a:cs typeface="Arial" panose="020B0604020202020204" pitchFamily="34" charset="0"/>
-            </a:endParaRPr>
-          </a:p>
-          <a:p>
-            <a:pPr latinLnBrk="1">
-              <a:buFontTx/>
-              <a:buChar char="•"/>
-              <a:defRPr/>
-            </a:pPr>
-            <a:r>
-              <a:rPr lang="ko-KR" altLang="en-US" sz="2000" dirty="0">
-                <a:solidFill>
-                  <a:schemeClr val="tx1">
-                    <a:lumMod val="75000"/>
-                    <a:lumOff val="25000"/>
-                  </a:schemeClr>
-                </a:solidFill>
-                <a:latin typeface="Arial" panose="020B0604020202020204" pitchFamily="34" charset="0"/>
-                <a:ea typeface="+mj-ea"/>
-                <a:cs typeface="Arial" panose="020B0604020202020204" pitchFamily="34" charset="0"/>
-              </a:rPr>
-              <a:t>책을 검색했을 때 그 책의 정보가 나오도록 한다</a:t>
-            </a:r>
-            <a:endParaRPr lang="en-US" altLang="ko-KR" sz="2000" dirty="0">
-              <a:solidFill>
-                <a:schemeClr val="tx1">
-                  <a:lumMod val="75000"/>
-                  <a:lumOff val="25000"/>
-                </a:schemeClr>
-              </a:solidFill>
-              <a:latin typeface="Arial" panose="020B0604020202020204" pitchFamily="34" charset="0"/>
-              <a:ea typeface="+mj-ea"/>
-              <a:cs typeface="Arial" panose="020B0604020202020204" pitchFamily="34" charset="0"/>
-            </a:endParaRPr>
-          </a:p>
-          <a:p>
-            <a:pPr latinLnBrk="1">
-              <a:buFontTx/>
-              <a:buChar char="•"/>
-              <a:defRPr/>
-            </a:pPr>
-            <a:endParaRPr lang="en-US" altLang="ko-KR" sz="2000" dirty="0">
-              <a:solidFill>
-                <a:schemeClr val="tx1">
-                  <a:lumMod val="75000"/>
-                  <a:lumOff val="25000"/>
-                </a:schemeClr>
-              </a:solidFill>
-              <a:latin typeface="Arial" panose="020B0604020202020204" pitchFamily="34" charset="0"/>
-              <a:ea typeface="+mj-ea"/>
-              <a:cs typeface="Arial" panose="020B0604020202020204" pitchFamily="34" charset="0"/>
-            </a:endParaRPr>
-          </a:p>
-          <a:p>
-            <a:pPr latinLnBrk="1">
-              <a:buFontTx/>
-              <a:buChar char="•"/>
-              <a:defRPr/>
-            </a:pPr>
-            <a:r>
-              <a:rPr lang="ko-KR" altLang="en-US" sz="2000" dirty="0">
-                <a:solidFill>
-                  <a:schemeClr val="tx1">
-                    <a:lumMod val="75000"/>
-                    <a:lumOff val="25000"/>
-                  </a:schemeClr>
-                </a:solidFill>
-                <a:latin typeface="Arial" panose="020B0604020202020204" pitchFamily="34" charset="0"/>
-                <a:ea typeface="+mj-ea"/>
-                <a:cs typeface="Arial" panose="020B0604020202020204" pitchFamily="34" charset="0"/>
-              </a:rPr>
-              <a:t>어떤 자료구조로 책의 정보를 저장해야 효과적일까</a:t>
-            </a:r>
-            <a:r>
-              <a:rPr lang="en-US" altLang="ko-KR" sz="2000" dirty="0">
-                <a:solidFill>
-                  <a:schemeClr val="tx1">
-                    <a:lumMod val="75000"/>
-                    <a:lumOff val="25000"/>
-                  </a:schemeClr>
-                </a:solidFill>
-                <a:latin typeface="Arial" panose="020B0604020202020204" pitchFamily="34" charset="0"/>
-                <a:ea typeface="+mj-ea"/>
-                <a:cs typeface="Arial" panose="020B0604020202020204" pitchFamily="34" charset="0"/>
-              </a:rPr>
-              <a:t>?</a:t>
-            </a:r>
-          </a:p>
-          <a:p>
-            <a:pPr latinLnBrk="1">
-              <a:buFontTx/>
-              <a:buChar char="•"/>
-              <a:defRPr/>
-            </a:pPr>
-            <a:endParaRPr lang="en-US" altLang="ko-KR" sz="2000" dirty="0">
-              <a:solidFill>
-                <a:schemeClr val="tx1">
-                  <a:lumMod val="75000"/>
-                  <a:lumOff val="25000"/>
-                </a:schemeClr>
-              </a:solidFill>
-              <a:latin typeface="Arial" panose="020B0604020202020204" pitchFamily="34" charset="0"/>
-              <a:ea typeface="+mj-ea"/>
-              <a:cs typeface="Arial" panose="020B0604020202020204" pitchFamily="34" charset="0"/>
-            </a:endParaRPr>
-          </a:p>
-          <a:p>
-            <a:pPr latinLnBrk="1">
-              <a:buFontTx/>
-              <a:buChar char="•"/>
-              <a:defRPr/>
-            </a:pPr>
-            <a:r>
-              <a:rPr lang="ko-KR" altLang="en-US" sz="2000" dirty="0">
-                <a:solidFill>
-                  <a:schemeClr val="tx1">
-                    <a:lumMod val="75000"/>
-                    <a:lumOff val="25000"/>
-                  </a:schemeClr>
-                </a:solidFill>
-                <a:latin typeface="Arial" panose="020B0604020202020204" pitchFamily="34" charset="0"/>
-                <a:ea typeface="+mj-ea"/>
-                <a:cs typeface="Arial" panose="020B0604020202020204" pitchFamily="34" charset="0"/>
-              </a:rPr>
-              <a:t>대출이나 반납 시스템도 구현하고 싶은데 그에 맞는 </a:t>
-            </a:r>
-            <a:r>
-              <a:rPr lang="en-US" altLang="ko-KR" sz="2000" dirty="0">
-                <a:solidFill>
-                  <a:schemeClr val="tx1">
-                    <a:lumMod val="75000"/>
-                    <a:lumOff val="25000"/>
-                  </a:schemeClr>
-                </a:solidFill>
-                <a:latin typeface="Arial" panose="020B0604020202020204" pitchFamily="34" charset="0"/>
-                <a:ea typeface="+mj-ea"/>
-                <a:cs typeface="Arial" panose="020B0604020202020204" pitchFamily="34" charset="0"/>
-              </a:rPr>
-              <a:t>API</a:t>
-            </a:r>
-            <a:r>
-              <a:rPr lang="ko-KR" altLang="en-US" sz="2000" dirty="0">
-                <a:solidFill>
-                  <a:schemeClr val="tx1">
-                    <a:lumMod val="75000"/>
-                    <a:lumOff val="25000"/>
-                  </a:schemeClr>
-                </a:solidFill>
-                <a:latin typeface="Arial" panose="020B0604020202020204" pitchFamily="34" charset="0"/>
-                <a:ea typeface="+mj-ea"/>
-                <a:cs typeface="Arial" panose="020B0604020202020204" pitchFamily="34" charset="0"/>
-              </a:rPr>
-              <a:t>가 있는지는 잘 모르겠다</a:t>
-            </a:r>
-            <a:r>
-              <a:rPr lang="en-US" altLang="ko-KR" sz="2000" dirty="0">
-                <a:solidFill>
-                  <a:schemeClr val="tx1">
-                    <a:lumMod val="75000"/>
-                    <a:lumOff val="25000"/>
-                  </a:schemeClr>
-                </a:solidFill>
-                <a:latin typeface="Arial" panose="020B0604020202020204" pitchFamily="34" charset="0"/>
-                <a:ea typeface="+mj-ea"/>
-                <a:cs typeface="Arial" panose="020B0604020202020204" pitchFamily="34" charset="0"/>
-              </a:rPr>
-              <a:t>…</a:t>
-            </a:r>
           </a:p>
         </p:txBody>
       </p:sp>
     </p:spTree>
     <p:extLst>
       <p:ext uri="{BB962C8B-B14F-4D97-AF65-F5344CB8AC3E}">
-        <p14:creationId xmlns:p14="http://schemas.microsoft.com/office/powerpoint/2010/main" val="3598702038"/>
+        <p14:creationId xmlns:p14="http://schemas.microsoft.com/office/powerpoint/2010/main" val="3223492104"/>
       </p:ext>
     </p:extLst>
   </p:cSld>
   <p:clrMapOvr>
     <a:masterClrMapping/>
   </p:clrMapOvr>
-  <mc:AlternateContent xmlns:mc="http://schemas.openxmlformats.org/markup-compatibility/2006">
-    <mc:Choice xmlns:p159="http://schemas.microsoft.com/office/powerpoint/2015/09/main" Requires="p159">
+  <mc:AlternateContent xmlns:mc="http://schemas.openxmlformats.org/markup-compatibility/2006" xmlns:p159="http://schemas.microsoft.com/office/powerpoint/2015/09/main">
+    <mc:Choice Requires="p159">
       <p:transition xmlns:p14="http://schemas.microsoft.com/office/powerpoint/2010/main" spd="slow" p14:dur="2000">
         <p159:morph option="byObject"/>
       </p:transition>
     </mc:Choice>
-    <mc:Fallback>
+    <mc:Fallback xmlns="">
       <p:transition spd="slow">
         <p:fade/>
       </p:transition>
@@ -24403,7 +26776,7 @@
 </p:sld>
 </file>
 
-<file path=ppt/slides/slide5.xml><?xml version="1.0" encoding="utf-8"?>
+<file path=ppt/slides/slide6.xml><?xml version="1.0" encoding="utf-8"?>
 <p:sld xmlns:a="http://schemas.openxmlformats.org/drawingml/2006/main" xmlns:r="http://schemas.openxmlformats.org/officeDocument/2006/relationships" xmlns:p="http://schemas.openxmlformats.org/presentationml/2006/main">
   <p:cSld>
     <p:spTree>
@@ -24657,7 +27030,1230 @@
 </p:sld>
 </file>
 
-<file path=ppt/slides/slide6.xml><?xml version="1.0" encoding="utf-8"?>
+<file path=ppt/slides/slide7.xml><?xml version="1.0" encoding="utf-8"?>
+<p:sld xmlns:a="http://schemas.openxmlformats.org/drawingml/2006/main" xmlns:r="http://schemas.openxmlformats.org/officeDocument/2006/relationships" xmlns:p="http://schemas.openxmlformats.org/presentationml/2006/main">
+  <p:cSld>
+    <p:spTree>
+      <p:nvGrpSpPr>
+        <p:cNvPr id="1" name=""/>
+        <p:cNvGrpSpPr/>
+        <p:nvPr/>
+      </p:nvGrpSpPr>
+      <p:grpSpPr>
+        <a:xfrm>
+          <a:off x="0" y="0"/>
+          <a:ext cx="0" cy="0"/>
+          <a:chOff x="0" y="0"/>
+          <a:chExt cx="0" cy="0"/>
+        </a:xfrm>
+      </p:grpSpPr>
+      <p:sp>
+        <p:nvSpPr>
+          <p:cNvPr id="15362" name="제목 1"/>
+          <p:cNvSpPr>
+            <a:spLocks noGrp="1"/>
+          </p:cNvSpPr>
+          <p:nvPr>
+            <p:ph type="title"/>
+          </p:nvPr>
+        </p:nvSpPr>
+        <p:spPr bwMode="auto">
+          <a:xfrm>
+            <a:off x="222250" y="301625"/>
+            <a:ext cx="7345363" cy="369888"/>
+          </a:xfrm>
+          <a:extLst>
+            <a:ext uri="{909E8E84-426E-40DD-AFC4-6F175D3DCCD1}">
+              <a14:hiddenFill xmlns:a14="http://schemas.microsoft.com/office/drawing/2010/main">
+                <a:solidFill>
+                  <a:srgbClr val="FFFFFF"/>
+                </a:solidFill>
+              </a14:hiddenFill>
+            </a:ext>
+            <a:ext uri="{91240B29-F687-4F45-9708-019B960494DF}">
+              <a14:hiddenLine xmlns:a14="http://schemas.microsoft.com/office/drawing/2010/main" w="9525">
+                <a:solidFill>
+                  <a:srgbClr val="000000"/>
+                </a:solidFill>
+                <a:miter lim="800000"/>
+                <a:headEnd/>
+                <a:tailEnd/>
+              </a14:hiddenLine>
+            </a:ext>
+          </a:extLst>
+        </p:spPr>
+        <p:txBody>
+          <a:bodyPr vert="horz" lIns="91440" tIns="45720" rIns="91440" bIns="45720" numCol="1" anchor="t" anchorCtr="0" compatLnSpc="1">
+            <a:prstTxWarp prst="textNoShape">
+              <a:avLst/>
+            </a:prstTxWarp>
+          </a:bodyPr>
+          <a:lstStyle/>
+          <a:p>
+            <a:pPr>
+              <a:defRPr/>
+            </a:pPr>
+            <a:r>
+              <a:rPr lang="en-US" altLang="ko-KR" dirty="0"/>
+              <a:t>Design</a:t>
+            </a:r>
+            <a:endParaRPr lang="ko-KR" altLang="ko-KR" dirty="0"/>
+          </a:p>
+        </p:txBody>
+      </p:sp>
+      <p:sp>
+        <p:nvSpPr>
+          <p:cNvPr id="28" name="TextBox 19"/>
+          <p:cNvSpPr txBox="1">
+            <a:spLocks noChangeArrowheads="1"/>
+          </p:cNvSpPr>
+          <p:nvPr/>
+        </p:nvSpPr>
+        <p:spPr bwMode="auto">
+          <a:xfrm>
+            <a:off x="2533650" y="1639888"/>
+            <a:ext cx="4076700" cy="785812"/>
+          </a:xfrm>
+          <a:prstGeom prst="rect">
+            <a:avLst/>
+          </a:prstGeom>
+          <a:noFill/>
+          <a:ln>
+            <a:noFill/>
+          </a:ln>
+          <a:extLst>
+            <a:ext uri="{909E8E84-426E-40DD-AFC4-6F175D3DCCD1}">
+              <a14:hiddenFill xmlns:a14="http://schemas.microsoft.com/office/drawing/2010/main">
+                <a:solidFill>
+                  <a:srgbClr val="FFFFFF"/>
+                </a:solidFill>
+              </a14:hiddenFill>
+            </a:ext>
+            <a:ext uri="{91240B29-F687-4F45-9708-019B960494DF}">
+              <a14:hiddenLine xmlns:a14="http://schemas.microsoft.com/office/drawing/2010/main" w="9525">
+                <a:solidFill>
+                  <a:srgbClr val="000000"/>
+                </a:solidFill>
+                <a:miter lim="800000"/>
+                <a:headEnd/>
+                <a:tailEnd/>
+              </a14:hiddenLine>
+            </a:ext>
+          </a:extLst>
+        </p:spPr>
+        <p:txBody>
+          <a:bodyPr>
+            <a:spAutoFit/>
+          </a:bodyPr>
+          <a:lstStyle>
+            <a:lvl1pPr>
+              <a:defRPr kumimoji="1">
+                <a:solidFill>
+                  <a:schemeClr val="tx1"/>
+                </a:solidFill>
+                <a:latin typeface="굴림" panose="020B0600000101010101" pitchFamily="50" charset="-127"/>
+                <a:ea typeface="굴림" panose="020B0600000101010101" pitchFamily="50" charset="-127"/>
+              </a:defRPr>
+            </a:lvl1pPr>
+            <a:lvl2pPr marL="742950" indent="-285750">
+              <a:defRPr kumimoji="1">
+                <a:solidFill>
+                  <a:schemeClr val="tx1"/>
+                </a:solidFill>
+                <a:latin typeface="굴림" panose="020B0600000101010101" pitchFamily="50" charset="-127"/>
+                <a:ea typeface="굴림" panose="020B0600000101010101" pitchFamily="50" charset="-127"/>
+              </a:defRPr>
+            </a:lvl2pPr>
+            <a:lvl3pPr marL="1143000" indent="-228600">
+              <a:defRPr kumimoji="1">
+                <a:solidFill>
+                  <a:schemeClr val="tx1"/>
+                </a:solidFill>
+                <a:latin typeface="굴림" panose="020B0600000101010101" pitchFamily="50" charset="-127"/>
+                <a:ea typeface="굴림" panose="020B0600000101010101" pitchFamily="50" charset="-127"/>
+              </a:defRPr>
+            </a:lvl3pPr>
+            <a:lvl4pPr marL="1600200" indent="-228600">
+              <a:defRPr kumimoji="1">
+                <a:solidFill>
+                  <a:schemeClr val="tx1"/>
+                </a:solidFill>
+                <a:latin typeface="굴림" panose="020B0600000101010101" pitchFamily="50" charset="-127"/>
+                <a:ea typeface="굴림" panose="020B0600000101010101" pitchFamily="50" charset="-127"/>
+              </a:defRPr>
+            </a:lvl4pPr>
+            <a:lvl5pPr marL="2057400" indent="-228600">
+              <a:defRPr kumimoji="1">
+                <a:solidFill>
+                  <a:schemeClr val="tx1"/>
+                </a:solidFill>
+                <a:latin typeface="굴림" panose="020B0600000101010101" pitchFamily="50" charset="-127"/>
+                <a:ea typeface="굴림" panose="020B0600000101010101" pitchFamily="50" charset="-127"/>
+              </a:defRPr>
+            </a:lvl5pPr>
+            <a:lvl6pPr marL="2514600" indent="-228600" eaLnBrk="0" fontAlgn="base" hangingPunct="0">
+              <a:spcBef>
+                <a:spcPct val="0"/>
+              </a:spcBef>
+              <a:spcAft>
+                <a:spcPct val="0"/>
+              </a:spcAft>
+              <a:defRPr kumimoji="1">
+                <a:solidFill>
+                  <a:schemeClr val="tx1"/>
+                </a:solidFill>
+                <a:latin typeface="굴림" panose="020B0600000101010101" pitchFamily="50" charset="-127"/>
+                <a:ea typeface="굴림" panose="020B0600000101010101" pitchFamily="50" charset="-127"/>
+              </a:defRPr>
+            </a:lvl6pPr>
+            <a:lvl7pPr marL="2971800" indent="-228600" eaLnBrk="0" fontAlgn="base" hangingPunct="0">
+              <a:spcBef>
+                <a:spcPct val="0"/>
+              </a:spcBef>
+              <a:spcAft>
+                <a:spcPct val="0"/>
+              </a:spcAft>
+              <a:defRPr kumimoji="1">
+                <a:solidFill>
+                  <a:schemeClr val="tx1"/>
+                </a:solidFill>
+                <a:latin typeface="굴림" panose="020B0600000101010101" pitchFamily="50" charset="-127"/>
+                <a:ea typeface="굴림" panose="020B0600000101010101" pitchFamily="50" charset="-127"/>
+              </a:defRPr>
+            </a:lvl7pPr>
+            <a:lvl8pPr marL="3429000" indent="-228600" eaLnBrk="0" fontAlgn="base" hangingPunct="0">
+              <a:spcBef>
+                <a:spcPct val="0"/>
+              </a:spcBef>
+              <a:spcAft>
+                <a:spcPct val="0"/>
+              </a:spcAft>
+              <a:defRPr kumimoji="1">
+                <a:solidFill>
+                  <a:schemeClr val="tx1"/>
+                </a:solidFill>
+                <a:latin typeface="굴림" panose="020B0600000101010101" pitchFamily="50" charset="-127"/>
+                <a:ea typeface="굴림" panose="020B0600000101010101" pitchFamily="50" charset="-127"/>
+              </a:defRPr>
+            </a:lvl8pPr>
+            <a:lvl9pPr marL="3886200" indent="-228600" eaLnBrk="0" fontAlgn="base" hangingPunct="0">
+              <a:spcBef>
+                <a:spcPct val="0"/>
+              </a:spcBef>
+              <a:spcAft>
+                <a:spcPct val="0"/>
+              </a:spcAft>
+              <a:defRPr kumimoji="1">
+                <a:solidFill>
+                  <a:schemeClr val="tx1"/>
+                </a:solidFill>
+                <a:latin typeface="굴림" panose="020B0600000101010101" pitchFamily="50" charset="-127"/>
+                <a:ea typeface="굴림" panose="020B0600000101010101" pitchFamily="50" charset="-127"/>
+              </a:defRPr>
+            </a:lvl9pPr>
+          </a:lstStyle>
+          <a:p>
+            <a:pPr algn="ctr" eaLnBrk="1" latinLnBrk="1" hangingPunct="1">
+              <a:defRPr/>
+            </a:pPr>
+            <a:r>
+              <a:rPr kumimoji="0" lang="en-US" altLang="ko-KR" sz="4500" b="1" spc="-150" dirty="0">
+                <a:solidFill>
+                  <a:schemeClr val="tx1">
+                    <a:lumMod val="75000"/>
+                    <a:lumOff val="25000"/>
+                  </a:schemeClr>
+                </a:solidFill>
+                <a:latin typeface="Arial Black" panose="020B0A04020102020204" pitchFamily="34" charset="0"/>
+                <a:ea typeface="맑은 고딕" panose="020B0503020000020004" pitchFamily="50" charset="-127"/>
+                <a:cs typeface="Arial" panose="020B0604020202020204" pitchFamily="34" charset="0"/>
+              </a:rPr>
+              <a:t>API</a:t>
+            </a:r>
+          </a:p>
+        </p:txBody>
+      </p:sp>
+      <p:sp>
+        <p:nvSpPr>
+          <p:cNvPr id="29" name="제목 2"/>
+          <p:cNvSpPr txBox="1">
+            <a:spLocks/>
+          </p:cNvSpPr>
+          <p:nvPr/>
+        </p:nvSpPr>
+        <p:spPr bwMode="auto">
+          <a:xfrm>
+            <a:off x="1138237" y="2972696"/>
+            <a:ext cx="6867525" cy="1938992"/>
+          </a:xfrm>
+          <a:prstGeom prst="rect">
+            <a:avLst/>
+          </a:prstGeom>
+          <a:noFill/>
+          <a:ln>
+            <a:noFill/>
+          </a:ln>
+          <a:extLst>
+            <a:ext uri="{909E8E84-426E-40DD-AFC4-6F175D3DCCD1}">
+              <a14:hiddenFill xmlns:a14="http://schemas.microsoft.com/office/drawing/2010/main">
+                <a:solidFill>
+                  <a:srgbClr val="FFFFFF"/>
+                </a:solidFill>
+              </a14:hiddenFill>
+            </a:ext>
+            <a:ext uri="{91240B29-F687-4F45-9708-019B960494DF}">
+              <a14:hiddenLine xmlns:a14="http://schemas.microsoft.com/office/drawing/2010/main" w="9525">
+                <a:solidFill>
+                  <a:srgbClr val="000000"/>
+                </a:solidFill>
+                <a:miter lim="800000"/>
+                <a:headEnd/>
+                <a:tailEnd/>
+              </a14:hiddenLine>
+            </a:ext>
+          </a:extLst>
+        </p:spPr>
+        <p:txBody>
+          <a:bodyPr>
+            <a:spAutoFit/>
+          </a:bodyPr>
+          <a:lstStyle>
+            <a:lvl1pPr marL="182563" indent="-182563">
+              <a:defRPr kumimoji="1">
+                <a:solidFill>
+                  <a:schemeClr val="tx1"/>
+                </a:solidFill>
+                <a:latin typeface="굴림" panose="020B0600000101010101" pitchFamily="50" charset="-127"/>
+                <a:ea typeface="굴림" panose="020B0600000101010101" pitchFamily="50" charset="-127"/>
+              </a:defRPr>
+            </a:lvl1pPr>
+            <a:lvl2pPr marL="742950" indent="-285750">
+              <a:defRPr kumimoji="1">
+                <a:solidFill>
+                  <a:schemeClr val="tx1"/>
+                </a:solidFill>
+                <a:latin typeface="굴림" panose="020B0600000101010101" pitchFamily="50" charset="-127"/>
+                <a:ea typeface="굴림" panose="020B0600000101010101" pitchFamily="50" charset="-127"/>
+              </a:defRPr>
+            </a:lvl2pPr>
+            <a:lvl3pPr marL="1143000" indent="-228600">
+              <a:defRPr kumimoji="1">
+                <a:solidFill>
+                  <a:schemeClr val="tx1"/>
+                </a:solidFill>
+                <a:latin typeface="굴림" panose="020B0600000101010101" pitchFamily="50" charset="-127"/>
+                <a:ea typeface="굴림" panose="020B0600000101010101" pitchFamily="50" charset="-127"/>
+              </a:defRPr>
+            </a:lvl3pPr>
+            <a:lvl4pPr marL="1600200" indent="-228600">
+              <a:defRPr kumimoji="1">
+                <a:solidFill>
+                  <a:schemeClr val="tx1"/>
+                </a:solidFill>
+                <a:latin typeface="굴림" panose="020B0600000101010101" pitchFamily="50" charset="-127"/>
+                <a:ea typeface="굴림" panose="020B0600000101010101" pitchFamily="50" charset="-127"/>
+              </a:defRPr>
+            </a:lvl4pPr>
+            <a:lvl5pPr marL="2057400" indent="-228600">
+              <a:defRPr kumimoji="1">
+                <a:solidFill>
+                  <a:schemeClr val="tx1"/>
+                </a:solidFill>
+                <a:latin typeface="굴림" panose="020B0600000101010101" pitchFamily="50" charset="-127"/>
+                <a:ea typeface="굴림" panose="020B0600000101010101" pitchFamily="50" charset="-127"/>
+              </a:defRPr>
+            </a:lvl5pPr>
+            <a:lvl6pPr marL="2514600" indent="-228600" eaLnBrk="0" fontAlgn="base" hangingPunct="0">
+              <a:spcBef>
+                <a:spcPct val="0"/>
+              </a:spcBef>
+              <a:spcAft>
+                <a:spcPct val="0"/>
+              </a:spcAft>
+              <a:defRPr kumimoji="1">
+                <a:solidFill>
+                  <a:schemeClr val="tx1"/>
+                </a:solidFill>
+                <a:latin typeface="굴림" panose="020B0600000101010101" pitchFamily="50" charset="-127"/>
+                <a:ea typeface="굴림" panose="020B0600000101010101" pitchFamily="50" charset="-127"/>
+              </a:defRPr>
+            </a:lvl6pPr>
+            <a:lvl7pPr marL="2971800" indent="-228600" eaLnBrk="0" fontAlgn="base" hangingPunct="0">
+              <a:spcBef>
+                <a:spcPct val="0"/>
+              </a:spcBef>
+              <a:spcAft>
+                <a:spcPct val="0"/>
+              </a:spcAft>
+              <a:defRPr kumimoji="1">
+                <a:solidFill>
+                  <a:schemeClr val="tx1"/>
+                </a:solidFill>
+                <a:latin typeface="굴림" panose="020B0600000101010101" pitchFamily="50" charset="-127"/>
+                <a:ea typeface="굴림" panose="020B0600000101010101" pitchFamily="50" charset="-127"/>
+              </a:defRPr>
+            </a:lvl7pPr>
+            <a:lvl8pPr marL="3429000" indent="-228600" eaLnBrk="0" fontAlgn="base" hangingPunct="0">
+              <a:spcBef>
+                <a:spcPct val="0"/>
+              </a:spcBef>
+              <a:spcAft>
+                <a:spcPct val="0"/>
+              </a:spcAft>
+              <a:defRPr kumimoji="1">
+                <a:solidFill>
+                  <a:schemeClr val="tx1"/>
+                </a:solidFill>
+                <a:latin typeface="굴림" panose="020B0600000101010101" pitchFamily="50" charset="-127"/>
+                <a:ea typeface="굴림" panose="020B0600000101010101" pitchFamily="50" charset="-127"/>
+              </a:defRPr>
+            </a:lvl8pPr>
+            <a:lvl9pPr marL="3886200" indent="-228600" eaLnBrk="0" fontAlgn="base" hangingPunct="0">
+              <a:spcBef>
+                <a:spcPct val="0"/>
+              </a:spcBef>
+              <a:spcAft>
+                <a:spcPct val="0"/>
+              </a:spcAft>
+              <a:defRPr kumimoji="1">
+                <a:solidFill>
+                  <a:schemeClr val="tx1"/>
+                </a:solidFill>
+                <a:latin typeface="굴림" panose="020B0600000101010101" pitchFamily="50" charset="-127"/>
+                <a:ea typeface="굴림" panose="020B0600000101010101" pitchFamily="50" charset="-127"/>
+              </a:defRPr>
+            </a:lvl9pPr>
+          </a:lstStyle>
+          <a:p>
+            <a:pPr latinLnBrk="1">
+              <a:buFontTx/>
+              <a:buChar char="•"/>
+              <a:defRPr/>
+            </a:pPr>
+            <a:r>
+              <a:rPr lang="ko-KR" altLang="en-US" sz="2400" dirty="0">
+                <a:solidFill>
+                  <a:schemeClr val="tx1">
+                    <a:lumMod val="75000"/>
+                    <a:lumOff val="25000"/>
+                  </a:schemeClr>
+                </a:solidFill>
+                <a:latin typeface="Arial" panose="020B0604020202020204" pitchFamily="34" charset="0"/>
+                <a:ea typeface="+mj-ea"/>
+                <a:cs typeface="Arial" panose="020B0604020202020204" pitchFamily="34" charset="0"/>
+              </a:rPr>
+              <a:t>울산시 도로정보 </a:t>
+            </a:r>
+            <a:r>
+              <a:rPr lang="en-US" altLang="ko-KR" sz="2400" dirty="0">
+                <a:solidFill>
+                  <a:schemeClr val="tx1">
+                    <a:lumMod val="75000"/>
+                    <a:lumOff val="25000"/>
+                  </a:schemeClr>
+                </a:solidFill>
+                <a:latin typeface="Arial" panose="020B0604020202020204" pitchFamily="34" charset="0"/>
+                <a:ea typeface="+mj-ea"/>
+                <a:cs typeface="Arial" panose="020B0604020202020204" pitchFamily="34" charset="0"/>
+              </a:rPr>
+              <a:t>API</a:t>
+            </a:r>
+            <a:r>
+              <a:rPr lang="ko-KR" altLang="en-US" sz="2400" dirty="0">
+                <a:solidFill>
+                  <a:schemeClr val="tx1">
+                    <a:lumMod val="75000"/>
+                    <a:lumOff val="25000"/>
+                  </a:schemeClr>
+                </a:solidFill>
+                <a:latin typeface="Arial" panose="020B0604020202020204" pitchFamily="34" charset="0"/>
+                <a:ea typeface="+mj-ea"/>
+                <a:cs typeface="Arial" panose="020B0604020202020204" pitchFamily="34" charset="0"/>
+              </a:rPr>
+              <a:t>를 이용한다</a:t>
+            </a:r>
+            <a:endParaRPr lang="en-US" altLang="ko-KR" sz="2400" dirty="0">
+              <a:solidFill>
+                <a:schemeClr val="tx1">
+                  <a:lumMod val="75000"/>
+                  <a:lumOff val="25000"/>
+                </a:schemeClr>
+              </a:solidFill>
+              <a:latin typeface="Arial" panose="020B0604020202020204" pitchFamily="34" charset="0"/>
+              <a:ea typeface="+mj-ea"/>
+              <a:cs typeface="Arial" panose="020B0604020202020204" pitchFamily="34" charset="0"/>
+            </a:endParaRPr>
+          </a:p>
+          <a:p>
+            <a:pPr latinLnBrk="1">
+              <a:buFontTx/>
+              <a:buChar char="•"/>
+              <a:defRPr/>
+            </a:pPr>
+            <a:r>
+              <a:rPr lang="en-US" altLang="ko-KR" sz="2400" dirty="0">
+                <a:solidFill>
+                  <a:schemeClr val="tx1">
+                    <a:lumMod val="75000"/>
+                    <a:lumOff val="25000"/>
+                  </a:schemeClr>
+                </a:solidFill>
+                <a:latin typeface="Arial" panose="020B0604020202020204" pitchFamily="34" charset="0"/>
+                <a:ea typeface="+mj-ea"/>
+                <a:cs typeface="Arial" panose="020B0604020202020204" pitchFamily="34" charset="0"/>
+              </a:rPr>
+              <a:t>API</a:t>
+            </a:r>
+            <a:r>
+              <a:rPr lang="ko-KR" altLang="en-US" sz="2400" dirty="0">
+                <a:solidFill>
+                  <a:schemeClr val="tx1">
+                    <a:lumMod val="75000"/>
+                    <a:lumOff val="25000"/>
+                  </a:schemeClr>
+                </a:solidFill>
+                <a:latin typeface="Arial" panose="020B0604020202020204" pitchFamily="34" charset="0"/>
+                <a:ea typeface="+mj-ea"/>
+                <a:cs typeface="Arial" panose="020B0604020202020204" pitchFamily="34" charset="0"/>
+              </a:rPr>
+              <a:t>에서 제공하는 정보</a:t>
+            </a:r>
+            <a:r>
+              <a:rPr lang="en-US" altLang="ko-KR" sz="2400" dirty="0">
+                <a:solidFill>
+                  <a:schemeClr val="tx1">
+                    <a:lumMod val="75000"/>
+                    <a:lumOff val="25000"/>
+                  </a:schemeClr>
+                </a:solidFill>
+                <a:latin typeface="Arial" panose="020B0604020202020204" pitchFamily="34" charset="0"/>
+                <a:ea typeface="+mj-ea"/>
+                <a:cs typeface="Arial" panose="020B0604020202020204" pitchFamily="34" charset="0"/>
+              </a:rPr>
+              <a:t>: </a:t>
+            </a:r>
+          </a:p>
+          <a:p>
+            <a:pPr lvl="1" latinLnBrk="1">
+              <a:buFontTx/>
+              <a:buChar char="•"/>
+              <a:defRPr/>
+            </a:pPr>
+            <a:r>
+              <a:rPr lang="ko-KR" altLang="en-US" sz="2400" dirty="0">
+                <a:solidFill>
+                  <a:schemeClr val="tx1">
+                    <a:lumMod val="75000"/>
+                    <a:lumOff val="25000"/>
+                  </a:schemeClr>
+                </a:solidFill>
+                <a:latin typeface="Arial" panose="020B0604020202020204" pitchFamily="34" charset="0"/>
+                <a:ea typeface="+mj-ea"/>
+                <a:cs typeface="Arial" panose="020B0604020202020204" pitchFamily="34" charset="0"/>
+              </a:rPr>
+              <a:t>도로 목록</a:t>
+            </a:r>
+            <a:endParaRPr lang="en-US" altLang="ko-KR" sz="2400" dirty="0">
+              <a:solidFill>
+                <a:schemeClr val="tx1">
+                  <a:lumMod val="75000"/>
+                  <a:lumOff val="25000"/>
+                </a:schemeClr>
+              </a:solidFill>
+              <a:latin typeface="Arial" panose="020B0604020202020204" pitchFamily="34" charset="0"/>
+              <a:ea typeface="+mj-ea"/>
+              <a:cs typeface="Arial" panose="020B0604020202020204" pitchFamily="34" charset="0"/>
+            </a:endParaRPr>
+          </a:p>
+          <a:p>
+            <a:pPr lvl="1" latinLnBrk="1">
+              <a:buFontTx/>
+              <a:buChar char="•"/>
+              <a:defRPr/>
+            </a:pPr>
+            <a:r>
+              <a:rPr lang="ko-KR" altLang="en-US" sz="2400" dirty="0">
+                <a:solidFill>
+                  <a:schemeClr val="tx1">
+                    <a:lumMod val="75000"/>
+                    <a:lumOff val="25000"/>
+                  </a:schemeClr>
+                </a:solidFill>
+                <a:latin typeface="Arial" panose="020B0604020202020204" pitchFamily="34" charset="0"/>
+                <a:ea typeface="+mj-ea"/>
+                <a:cs typeface="Arial" panose="020B0604020202020204" pitchFamily="34" charset="0"/>
+              </a:rPr>
+              <a:t>실시간 도로 소통 정보</a:t>
+            </a:r>
+            <a:r>
+              <a:rPr lang="en-US" altLang="ko-KR" sz="2400" dirty="0">
+                <a:solidFill>
+                  <a:schemeClr val="tx1">
+                    <a:lumMod val="75000"/>
+                    <a:lumOff val="25000"/>
+                  </a:schemeClr>
+                </a:solidFill>
+                <a:latin typeface="Arial" panose="020B0604020202020204" pitchFamily="34" charset="0"/>
+                <a:ea typeface="+mj-ea"/>
+                <a:cs typeface="Arial" panose="020B0604020202020204" pitchFamily="34" charset="0"/>
+              </a:rPr>
+              <a:t>(</a:t>
+            </a:r>
+            <a:r>
+              <a:rPr lang="ko-KR" altLang="en-US" sz="2400" dirty="0" err="1">
+                <a:solidFill>
+                  <a:schemeClr val="tx1">
+                    <a:lumMod val="75000"/>
+                    <a:lumOff val="25000"/>
+                  </a:schemeClr>
+                </a:solidFill>
+                <a:latin typeface="Arial" panose="020B0604020202020204" pitchFamily="34" charset="0"/>
+                <a:ea typeface="+mj-ea"/>
+                <a:cs typeface="Arial" panose="020B0604020202020204" pitchFamily="34" charset="0"/>
+              </a:rPr>
+              <a:t>시작노드</a:t>
+            </a:r>
+            <a:r>
+              <a:rPr lang="en-US" altLang="ko-KR" sz="2400" dirty="0">
+                <a:solidFill>
+                  <a:schemeClr val="tx1">
+                    <a:lumMod val="75000"/>
+                    <a:lumOff val="25000"/>
+                  </a:schemeClr>
+                </a:solidFill>
+                <a:latin typeface="Arial" panose="020B0604020202020204" pitchFamily="34" charset="0"/>
+                <a:ea typeface="+mj-ea"/>
+                <a:cs typeface="Arial" panose="020B0604020202020204" pitchFamily="34" charset="0"/>
+              </a:rPr>
+              <a:t>, </a:t>
+            </a:r>
+            <a:r>
+              <a:rPr lang="ko-KR" altLang="en-US" sz="2400" dirty="0" err="1">
+                <a:solidFill>
+                  <a:schemeClr val="tx1">
+                    <a:lumMod val="75000"/>
+                    <a:lumOff val="25000"/>
+                  </a:schemeClr>
+                </a:solidFill>
+                <a:latin typeface="Arial" panose="020B0604020202020204" pitchFamily="34" charset="0"/>
+                <a:ea typeface="+mj-ea"/>
+                <a:cs typeface="Arial" panose="020B0604020202020204" pitchFamily="34" charset="0"/>
+              </a:rPr>
+              <a:t>종료노드</a:t>
+            </a:r>
+            <a:r>
+              <a:rPr lang="en-US" altLang="ko-KR" sz="2400" dirty="0">
+                <a:solidFill>
+                  <a:schemeClr val="tx1">
+                    <a:lumMod val="75000"/>
+                    <a:lumOff val="25000"/>
+                  </a:schemeClr>
+                </a:solidFill>
+                <a:latin typeface="Arial" panose="020B0604020202020204" pitchFamily="34" charset="0"/>
+                <a:ea typeface="+mj-ea"/>
+                <a:cs typeface="Arial" panose="020B0604020202020204" pitchFamily="34" charset="0"/>
+              </a:rPr>
+              <a:t>, </a:t>
+            </a:r>
+            <a:r>
+              <a:rPr lang="ko-KR" altLang="en-US" sz="2400" dirty="0">
+                <a:solidFill>
+                  <a:schemeClr val="tx1">
+                    <a:lumMod val="75000"/>
+                    <a:lumOff val="25000"/>
+                  </a:schemeClr>
+                </a:solidFill>
+                <a:latin typeface="Arial" panose="020B0604020202020204" pitchFamily="34" charset="0"/>
+                <a:ea typeface="+mj-ea"/>
+                <a:cs typeface="Arial" panose="020B0604020202020204" pitchFamily="34" charset="0"/>
+              </a:rPr>
+              <a:t>통행속도</a:t>
+            </a:r>
+            <a:r>
+              <a:rPr lang="en-US" altLang="ko-KR" sz="2400" dirty="0">
+                <a:solidFill>
+                  <a:schemeClr val="tx1">
+                    <a:lumMod val="75000"/>
+                    <a:lumOff val="25000"/>
+                  </a:schemeClr>
+                </a:solidFill>
+                <a:latin typeface="Arial" panose="020B0604020202020204" pitchFamily="34" charset="0"/>
+                <a:ea typeface="+mj-ea"/>
+                <a:cs typeface="Arial" panose="020B0604020202020204" pitchFamily="34" charset="0"/>
+              </a:rPr>
+              <a:t>, </a:t>
+            </a:r>
+            <a:r>
+              <a:rPr lang="ko-KR" altLang="en-US" sz="2400" dirty="0">
+                <a:solidFill>
+                  <a:schemeClr val="tx1">
+                    <a:lumMod val="75000"/>
+                    <a:lumOff val="25000"/>
+                  </a:schemeClr>
+                </a:solidFill>
+                <a:latin typeface="Arial" panose="020B0604020202020204" pitchFamily="34" charset="0"/>
+                <a:ea typeface="+mj-ea"/>
+                <a:cs typeface="Arial" panose="020B0604020202020204" pitchFamily="34" charset="0"/>
+              </a:rPr>
+              <a:t>통행시간 등</a:t>
+            </a:r>
+            <a:r>
+              <a:rPr lang="en-US" altLang="ko-KR" sz="2400" dirty="0">
+                <a:solidFill>
+                  <a:schemeClr val="tx1">
+                    <a:lumMod val="75000"/>
+                    <a:lumOff val="25000"/>
+                  </a:schemeClr>
+                </a:solidFill>
+                <a:latin typeface="Arial" panose="020B0604020202020204" pitchFamily="34" charset="0"/>
+                <a:ea typeface="+mj-ea"/>
+                <a:cs typeface="Arial" panose="020B0604020202020204" pitchFamily="34" charset="0"/>
+              </a:rPr>
+              <a:t>)</a:t>
+            </a:r>
+          </a:p>
+        </p:txBody>
+      </p:sp>
+    </p:spTree>
+    <p:extLst>
+      <p:ext uri="{BB962C8B-B14F-4D97-AF65-F5344CB8AC3E}">
+        <p14:creationId xmlns:p14="http://schemas.microsoft.com/office/powerpoint/2010/main" val="495744482"/>
+      </p:ext>
+    </p:extLst>
+  </p:cSld>
+  <p:clrMapOvr>
+    <a:masterClrMapping/>
+  </p:clrMapOvr>
+  <mc:AlternateContent xmlns:mc="http://schemas.openxmlformats.org/markup-compatibility/2006" xmlns:p159="http://schemas.microsoft.com/office/powerpoint/2015/09/main">
+    <mc:Choice Requires="p159">
+      <p:transition xmlns:p14="http://schemas.microsoft.com/office/powerpoint/2010/main" spd="slow" p14:dur="2000">
+        <p159:morph option="byObject"/>
+      </p:transition>
+    </mc:Choice>
+    <mc:Fallback xmlns="">
+      <p:transition spd="slow">
+        <p:fade/>
+      </p:transition>
+    </mc:Fallback>
+  </mc:AlternateContent>
+</p:sld>
+</file>
+
+<file path=ppt/slides/slide8.xml><?xml version="1.0" encoding="utf-8"?>
+<p:sld xmlns:a="http://schemas.openxmlformats.org/drawingml/2006/main" xmlns:r="http://schemas.openxmlformats.org/officeDocument/2006/relationships" xmlns:p="http://schemas.openxmlformats.org/presentationml/2006/main">
+  <p:cSld>
+    <p:spTree>
+      <p:nvGrpSpPr>
+        <p:cNvPr id="1" name=""/>
+        <p:cNvGrpSpPr/>
+        <p:nvPr/>
+      </p:nvGrpSpPr>
+      <p:grpSpPr>
+        <a:xfrm>
+          <a:off x="0" y="0"/>
+          <a:ext cx="0" cy="0"/>
+          <a:chOff x="0" y="0"/>
+          <a:chExt cx="0" cy="0"/>
+        </a:xfrm>
+      </p:grpSpPr>
+      <p:sp>
+        <p:nvSpPr>
+          <p:cNvPr id="15362" name="제목 1"/>
+          <p:cNvSpPr>
+            <a:spLocks noGrp="1"/>
+          </p:cNvSpPr>
+          <p:nvPr>
+            <p:ph type="title"/>
+          </p:nvPr>
+        </p:nvSpPr>
+        <p:spPr bwMode="auto">
+          <a:xfrm>
+            <a:off x="222250" y="301625"/>
+            <a:ext cx="7345363" cy="369888"/>
+          </a:xfrm>
+          <a:extLst>
+            <a:ext uri="{909E8E84-426E-40DD-AFC4-6F175D3DCCD1}">
+              <a14:hiddenFill xmlns:a14="http://schemas.microsoft.com/office/drawing/2010/main">
+                <a:solidFill>
+                  <a:srgbClr val="FFFFFF"/>
+                </a:solidFill>
+              </a14:hiddenFill>
+            </a:ext>
+            <a:ext uri="{91240B29-F687-4F45-9708-019B960494DF}">
+              <a14:hiddenLine xmlns:a14="http://schemas.microsoft.com/office/drawing/2010/main" w="9525">
+                <a:solidFill>
+                  <a:srgbClr val="000000"/>
+                </a:solidFill>
+                <a:miter lim="800000"/>
+                <a:headEnd/>
+                <a:tailEnd/>
+              </a14:hiddenLine>
+            </a:ext>
+          </a:extLst>
+        </p:spPr>
+        <p:txBody>
+          <a:bodyPr vert="horz" lIns="91440" tIns="45720" rIns="91440" bIns="45720" numCol="1" anchor="t" anchorCtr="0" compatLnSpc="1">
+            <a:prstTxWarp prst="textNoShape">
+              <a:avLst/>
+            </a:prstTxWarp>
+          </a:bodyPr>
+          <a:lstStyle/>
+          <a:p>
+            <a:pPr>
+              <a:defRPr/>
+            </a:pPr>
+            <a:r>
+              <a:rPr lang="en-US" altLang="ko-KR" dirty="0"/>
+              <a:t>Design</a:t>
+            </a:r>
+            <a:endParaRPr lang="ko-KR" altLang="ko-KR" dirty="0"/>
+          </a:p>
+        </p:txBody>
+      </p:sp>
+      <p:sp>
+        <p:nvSpPr>
+          <p:cNvPr id="28" name="TextBox 19"/>
+          <p:cNvSpPr txBox="1">
+            <a:spLocks noChangeArrowheads="1"/>
+          </p:cNvSpPr>
+          <p:nvPr/>
+        </p:nvSpPr>
+        <p:spPr bwMode="auto">
+          <a:xfrm>
+            <a:off x="2533650" y="1639888"/>
+            <a:ext cx="4076700" cy="785812"/>
+          </a:xfrm>
+          <a:prstGeom prst="rect">
+            <a:avLst/>
+          </a:prstGeom>
+          <a:noFill/>
+          <a:ln>
+            <a:noFill/>
+          </a:ln>
+          <a:extLst>
+            <a:ext uri="{909E8E84-426E-40DD-AFC4-6F175D3DCCD1}">
+              <a14:hiddenFill xmlns:a14="http://schemas.microsoft.com/office/drawing/2010/main">
+                <a:solidFill>
+                  <a:srgbClr val="FFFFFF"/>
+                </a:solidFill>
+              </a14:hiddenFill>
+            </a:ext>
+            <a:ext uri="{91240B29-F687-4F45-9708-019B960494DF}">
+              <a14:hiddenLine xmlns:a14="http://schemas.microsoft.com/office/drawing/2010/main" w="9525">
+                <a:solidFill>
+                  <a:srgbClr val="000000"/>
+                </a:solidFill>
+                <a:miter lim="800000"/>
+                <a:headEnd/>
+                <a:tailEnd/>
+              </a14:hiddenLine>
+            </a:ext>
+          </a:extLst>
+        </p:spPr>
+        <p:txBody>
+          <a:bodyPr>
+            <a:spAutoFit/>
+          </a:bodyPr>
+          <a:lstStyle>
+            <a:lvl1pPr>
+              <a:defRPr kumimoji="1">
+                <a:solidFill>
+                  <a:schemeClr val="tx1"/>
+                </a:solidFill>
+                <a:latin typeface="굴림" panose="020B0600000101010101" pitchFamily="50" charset="-127"/>
+                <a:ea typeface="굴림" panose="020B0600000101010101" pitchFamily="50" charset="-127"/>
+              </a:defRPr>
+            </a:lvl1pPr>
+            <a:lvl2pPr marL="742950" indent="-285750">
+              <a:defRPr kumimoji="1">
+                <a:solidFill>
+                  <a:schemeClr val="tx1"/>
+                </a:solidFill>
+                <a:latin typeface="굴림" panose="020B0600000101010101" pitchFamily="50" charset="-127"/>
+                <a:ea typeface="굴림" panose="020B0600000101010101" pitchFamily="50" charset="-127"/>
+              </a:defRPr>
+            </a:lvl2pPr>
+            <a:lvl3pPr marL="1143000" indent="-228600">
+              <a:defRPr kumimoji="1">
+                <a:solidFill>
+                  <a:schemeClr val="tx1"/>
+                </a:solidFill>
+                <a:latin typeface="굴림" panose="020B0600000101010101" pitchFamily="50" charset="-127"/>
+                <a:ea typeface="굴림" panose="020B0600000101010101" pitchFamily="50" charset="-127"/>
+              </a:defRPr>
+            </a:lvl3pPr>
+            <a:lvl4pPr marL="1600200" indent="-228600">
+              <a:defRPr kumimoji="1">
+                <a:solidFill>
+                  <a:schemeClr val="tx1"/>
+                </a:solidFill>
+                <a:latin typeface="굴림" panose="020B0600000101010101" pitchFamily="50" charset="-127"/>
+                <a:ea typeface="굴림" panose="020B0600000101010101" pitchFamily="50" charset="-127"/>
+              </a:defRPr>
+            </a:lvl4pPr>
+            <a:lvl5pPr marL="2057400" indent="-228600">
+              <a:defRPr kumimoji="1">
+                <a:solidFill>
+                  <a:schemeClr val="tx1"/>
+                </a:solidFill>
+                <a:latin typeface="굴림" panose="020B0600000101010101" pitchFamily="50" charset="-127"/>
+                <a:ea typeface="굴림" panose="020B0600000101010101" pitchFamily="50" charset="-127"/>
+              </a:defRPr>
+            </a:lvl5pPr>
+            <a:lvl6pPr marL="2514600" indent="-228600" eaLnBrk="0" fontAlgn="base" hangingPunct="0">
+              <a:spcBef>
+                <a:spcPct val="0"/>
+              </a:spcBef>
+              <a:spcAft>
+                <a:spcPct val="0"/>
+              </a:spcAft>
+              <a:defRPr kumimoji="1">
+                <a:solidFill>
+                  <a:schemeClr val="tx1"/>
+                </a:solidFill>
+                <a:latin typeface="굴림" panose="020B0600000101010101" pitchFamily="50" charset="-127"/>
+                <a:ea typeface="굴림" panose="020B0600000101010101" pitchFamily="50" charset="-127"/>
+              </a:defRPr>
+            </a:lvl6pPr>
+            <a:lvl7pPr marL="2971800" indent="-228600" eaLnBrk="0" fontAlgn="base" hangingPunct="0">
+              <a:spcBef>
+                <a:spcPct val="0"/>
+              </a:spcBef>
+              <a:spcAft>
+                <a:spcPct val="0"/>
+              </a:spcAft>
+              <a:defRPr kumimoji="1">
+                <a:solidFill>
+                  <a:schemeClr val="tx1"/>
+                </a:solidFill>
+                <a:latin typeface="굴림" panose="020B0600000101010101" pitchFamily="50" charset="-127"/>
+                <a:ea typeface="굴림" panose="020B0600000101010101" pitchFamily="50" charset="-127"/>
+              </a:defRPr>
+            </a:lvl7pPr>
+            <a:lvl8pPr marL="3429000" indent="-228600" eaLnBrk="0" fontAlgn="base" hangingPunct="0">
+              <a:spcBef>
+                <a:spcPct val="0"/>
+              </a:spcBef>
+              <a:spcAft>
+                <a:spcPct val="0"/>
+              </a:spcAft>
+              <a:defRPr kumimoji="1">
+                <a:solidFill>
+                  <a:schemeClr val="tx1"/>
+                </a:solidFill>
+                <a:latin typeface="굴림" panose="020B0600000101010101" pitchFamily="50" charset="-127"/>
+                <a:ea typeface="굴림" panose="020B0600000101010101" pitchFamily="50" charset="-127"/>
+              </a:defRPr>
+            </a:lvl8pPr>
+            <a:lvl9pPr marL="3886200" indent="-228600" eaLnBrk="0" fontAlgn="base" hangingPunct="0">
+              <a:spcBef>
+                <a:spcPct val="0"/>
+              </a:spcBef>
+              <a:spcAft>
+                <a:spcPct val="0"/>
+              </a:spcAft>
+              <a:defRPr kumimoji="1">
+                <a:solidFill>
+                  <a:schemeClr val="tx1"/>
+                </a:solidFill>
+                <a:latin typeface="굴림" panose="020B0600000101010101" pitchFamily="50" charset="-127"/>
+                <a:ea typeface="굴림" panose="020B0600000101010101" pitchFamily="50" charset="-127"/>
+              </a:defRPr>
+            </a:lvl9pPr>
+          </a:lstStyle>
+          <a:p>
+            <a:pPr algn="ctr" eaLnBrk="1" latinLnBrk="1" hangingPunct="1">
+              <a:defRPr/>
+            </a:pPr>
+            <a:r>
+              <a:rPr kumimoji="0" lang="ko-KR" altLang="en-US" sz="4500" b="1" spc="-150" dirty="0">
+                <a:solidFill>
+                  <a:schemeClr val="tx1">
+                    <a:lumMod val="75000"/>
+                    <a:lumOff val="25000"/>
+                  </a:schemeClr>
+                </a:solidFill>
+                <a:latin typeface="Arial Black" panose="020B0A04020102020204" pitchFamily="34" charset="0"/>
+                <a:ea typeface="맑은 고딕" panose="020B0503020000020004" pitchFamily="50" charset="-127"/>
+                <a:cs typeface="Arial" panose="020B0604020202020204" pitchFamily="34" charset="0"/>
+              </a:rPr>
+              <a:t>기능</a:t>
+            </a:r>
+            <a:endParaRPr kumimoji="0" lang="en-US" altLang="ko-KR" sz="4500" b="1" spc="-150" dirty="0">
+              <a:solidFill>
+                <a:schemeClr val="tx1">
+                  <a:lumMod val="75000"/>
+                  <a:lumOff val="25000"/>
+                </a:schemeClr>
+              </a:solidFill>
+              <a:latin typeface="Arial Black" panose="020B0A04020102020204" pitchFamily="34" charset="0"/>
+              <a:ea typeface="맑은 고딕" panose="020B0503020000020004" pitchFamily="50" charset="-127"/>
+              <a:cs typeface="Arial" panose="020B0604020202020204" pitchFamily="34" charset="0"/>
+            </a:endParaRPr>
+          </a:p>
+        </p:txBody>
+      </p:sp>
+      <p:sp>
+        <p:nvSpPr>
+          <p:cNvPr id="29" name="제목 2"/>
+          <p:cNvSpPr txBox="1">
+            <a:spLocks/>
+          </p:cNvSpPr>
+          <p:nvPr/>
+        </p:nvSpPr>
+        <p:spPr bwMode="auto">
+          <a:xfrm>
+            <a:off x="1200150" y="2947987"/>
+            <a:ext cx="6867525" cy="1938992"/>
+          </a:xfrm>
+          <a:prstGeom prst="rect">
+            <a:avLst/>
+          </a:prstGeom>
+          <a:noFill/>
+          <a:ln>
+            <a:noFill/>
+          </a:ln>
+          <a:extLst>
+            <a:ext uri="{909E8E84-426E-40DD-AFC4-6F175D3DCCD1}">
+              <a14:hiddenFill xmlns:a14="http://schemas.microsoft.com/office/drawing/2010/main">
+                <a:solidFill>
+                  <a:srgbClr val="FFFFFF"/>
+                </a:solidFill>
+              </a14:hiddenFill>
+            </a:ext>
+            <a:ext uri="{91240B29-F687-4F45-9708-019B960494DF}">
+              <a14:hiddenLine xmlns:a14="http://schemas.microsoft.com/office/drawing/2010/main" w="9525">
+                <a:solidFill>
+                  <a:srgbClr val="000000"/>
+                </a:solidFill>
+                <a:miter lim="800000"/>
+                <a:headEnd/>
+                <a:tailEnd/>
+              </a14:hiddenLine>
+            </a:ext>
+          </a:extLst>
+        </p:spPr>
+        <p:txBody>
+          <a:bodyPr>
+            <a:spAutoFit/>
+          </a:bodyPr>
+          <a:lstStyle>
+            <a:lvl1pPr marL="182563" indent="-182563">
+              <a:defRPr kumimoji="1">
+                <a:solidFill>
+                  <a:schemeClr val="tx1"/>
+                </a:solidFill>
+                <a:latin typeface="굴림" panose="020B0600000101010101" pitchFamily="50" charset="-127"/>
+                <a:ea typeface="굴림" panose="020B0600000101010101" pitchFamily="50" charset="-127"/>
+              </a:defRPr>
+            </a:lvl1pPr>
+            <a:lvl2pPr marL="742950" indent="-285750">
+              <a:defRPr kumimoji="1">
+                <a:solidFill>
+                  <a:schemeClr val="tx1"/>
+                </a:solidFill>
+                <a:latin typeface="굴림" panose="020B0600000101010101" pitchFamily="50" charset="-127"/>
+                <a:ea typeface="굴림" panose="020B0600000101010101" pitchFamily="50" charset="-127"/>
+              </a:defRPr>
+            </a:lvl2pPr>
+            <a:lvl3pPr marL="1143000" indent="-228600">
+              <a:defRPr kumimoji="1">
+                <a:solidFill>
+                  <a:schemeClr val="tx1"/>
+                </a:solidFill>
+                <a:latin typeface="굴림" panose="020B0600000101010101" pitchFamily="50" charset="-127"/>
+                <a:ea typeface="굴림" panose="020B0600000101010101" pitchFamily="50" charset="-127"/>
+              </a:defRPr>
+            </a:lvl3pPr>
+            <a:lvl4pPr marL="1600200" indent="-228600">
+              <a:defRPr kumimoji="1">
+                <a:solidFill>
+                  <a:schemeClr val="tx1"/>
+                </a:solidFill>
+                <a:latin typeface="굴림" panose="020B0600000101010101" pitchFamily="50" charset="-127"/>
+                <a:ea typeface="굴림" panose="020B0600000101010101" pitchFamily="50" charset="-127"/>
+              </a:defRPr>
+            </a:lvl4pPr>
+            <a:lvl5pPr marL="2057400" indent="-228600">
+              <a:defRPr kumimoji="1">
+                <a:solidFill>
+                  <a:schemeClr val="tx1"/>
+                </a:solidFill>
+                <a:latin typeface="굴림" panose="020B0600000101010101" pitchFamily="50" charset="-127"/>
+                <a:ea typeface="굴림" panose="020B0600000101010101" pitchFamily="50" charset="-127"/>
+              </a:defRPr>
+            </a:lvl5pPr>
+            <a:lvl6pPr marL="2514600" indent="-228600" eaLnBrk="0" fontAlgn="base" hangingPunct="0">
+              <a:spcBef>
+                <a:spcPct val="0"/>
+              </a:spcBef>
+              <a:spcAft>
+                <a:spcPct val="0"/>
+              </a:spcAft>
+              <a:defRPr kumimoji="1">
+                <a:solidFill>
+                  <a:schemeClr val="tx1"/>
+                </a:solidFill>
+                <a:latin typeface="굴림" panose="020B0600000101010101" pitchFamily="50" charset="-127"/>
+                <a:ea typeface="굴림" panose="020B0600000101010101" pitchFamily="50" charset="-127"/>
+              </a:defRPr>
+            </a:lvl6pPr>
+            <a:lvl7pPr marL="2971800" indent="-228600" eaLnBrk="0" fontAlgn="base" hangingPunct="0">
+              <a:spcBef>
+                <a:spcPct val="0"/>
+              </a:spcBef>
+              <a:spcAft>
+                <a:spcPct val="0"/>
+              </a:spcAft>
+              <a:defRPr kumimoji="1">
+                <a:solidFill>
+                  <a:schemeClr val="tx1"/>
+                </a:solidFill>
+                <a:latin typeface="굴림" panose="020B0600000101010101" pitchFamily="50" charset="-127"/>
+                <a:ea typeface="굴림" panose="020B0600000101010101" pitchFamily="50" charset="-127"/>
+              </a:defRPr>
+            </a:lvl7pPr>
+            <a:lvl8pPr marL="3429000" indent="-228600" eaLnBrk="0" fontAlgn="base" hangingPunct="0">
+              <a:spcBef>
+                <a:spcPct val="0"/>
+              </a:spcBef>
+              <a:spcAft>
+                <a:spcPct val="0"/>
+              </a:spcAft>
+              <a:defRPr kumimoji="1">
+                <a:solidFill>
+                  <a:schemeClr val="tx1"/>
+                </a:solidFill>
+                <a:latin typeface="굴림" panose="020B0600000101010101" pitchFamily="50" charset="-127"/>
+                <a:ea typeface="굴림" panose="020B0600000101010101" pitchFamily="50" charset="-127"/>
+              </a:defRPr>
+            </a:lvl8pPr>
+            <a:lvl9pPr marL="3886200" indent="-228600" eaLnBrk="0" fontAlgn="base" hangingPunct="0">
+              <a:spcBef>
+                <a:spcPct val="0"/>
+              </a:spcBef>
+              <a:spcAft>
+                <a:spcPct val="0"/>
+              </a:spcAft>
+              <a:defRPr kumimoji="1">
+                <a:solidFill>
+                  <a:schemeClr val="tx1"/>
+                </a:solidFill>
+                <a:latin typeface="굴림" panose="020B0600000101010101" pitchFamily="50" charset="-127"/>
+                <a:ea typeface="굴림" panose="020B0600000101010101" pitchFamily="50" charset="-127"/>
+              </a:defRPr>
+            </a:lvl9pPr>
+          </a:lstStyle>
+          <a:p>
+            <a:pPr latinLnBrk="1">
+              <a:buFontTx/>
+              <a:buChar char="•"/>
+              <a:defRPr/>
+            </a:pPr>
+            <a:r>
+              <a:rPr lang="ko-KR" altLang="en-US" sz="2400" dirty="0">
+                <a:solidFill>
+                  <a:schemeClr val="tx1">
+                    <a:lumMod val="75000"/>
+                    <a:lumOff val="25000"/>
+                  </a:schemeClr>
+                </a:solidFill>
+                <a:latin typeface="Arial" panose="020B0604020202020204" pitchFamily="34" charset="0"/>
+                <a:ea typeface="+mj-ea"/>
+                <a:cs typeface="Arial" panose="020B0604020202020204" pitchFamily="34" charset="0"/>
+              </a:rPr>
+              <a:t>실시간 교통 상황을 반영해 가장 빠른 길을 안내한다</a:t>
+            </a:r>
+            <a:endParaRPr lang="en-US" altLang="ko-KR" sz="2400" dirty="0">
+              <a:solidFill>
+                <a:schemeClr val="tx1">
+                  <a:lumMod val="75000"/>
+                  <a:lumOff val="25000"/>
+                </a:schemeClr>
+              </a:solidFill>
+              <a:latin typeface="Arial" panose="020B0604020202020204" pitchFamily="34" charset="0"/>
+              <a:ea typeface="+mj-ea"/>
+              <a:cs typeface="Arial" panose="020B0604020202020204" pitchFamily="34" charset="0"/>
+            </a:endParaRPr>
+          </a:p>
+          <a:p>
+            <a:pPr latinLnBrk="1">
+              <a:buFontTx/>
+              <a:buChar char="•"/>
+              <a:defRPr/>
+            </a:pPr>
+            <a:endParaRPr lang="en-US" altLang="ko-KR" sz="2400" dirty="0">
+              <a:solidFill>
+                <a:schemeClr val="tx1">
+                  <a:lumMod val="75000"/>
+                  <a:lumOff val="25000"/>
+                </a:schemeClr>
+              </a:solidFill>
+              <a:latin typeface="Arial" panose="020B0604020202020204" pitchFamily="34" charset="0"/>
+              <a:ea typeface="+mj-ea"/>
+              <a:cs typeface="Arial" panose="020B0604020202020204" pitchFamily="34" charset="0"/>
+            </a:endParaRPr>
+          </a:p>
+          <a:p>
+            <a:pPr latinLnBrk="1">
+              <a:buFontTx/>
+              <a:buChar char="•"/>
+              <a:defRPr/>
+            </a:pPr>
+            <a:r>
+              <a:rPr lang="ko-KR" altLang="en-US" sz="2400" dirty="0">
+                <a:solidFill>
+                  <a:schemeClr val="tx1">
+                    <a:lumMod val="75000"/>
+                    <a:lumOff val="25000"/>
+                  </a:schemeClr>
+                </a:solidFill>
+                <a:latin typeface="Arial" panose="020B0604020202020204" pitchFamily="34" charset="0"/>
+                <a:ea typeface="+mj-ea"/>
+                <a:cs typeface="Arial" panose="020B0604020202020204" pitchFamily="34" charset="0"/>
+              </a:rPr>
+              <a:t>교통상황이 변해 더 빠른 길이 존재할 경우 경로를 수정하여 안내한다</a:t>
+            </a:r>
+            <a:endParaRPr lang="en-US" altLang="ko-KR" sz="2400" dirty="0">
+              <a:solidFill>
+                <a:schemeClr val="tx1">
+                  <a:lumMod val="75000"/>
+                  <a:lumOff val="25000"/>
+                </a:schemeClr>
+              </a:solidFill>
+              <a:latin typeface="Arial" panose="020B0604020202020204" pitchFamily="34" charset="0"/>
+              <a:ea typeface="+mj-ea"/>
+              <a:cs typeface="Arial" panose="020B0604020202020204" pitchFamily="34" charset="0"/>
+            </a:endParaRPr>
+          </a:p>
+        </p:txBody>
+      </p:sp>
+    </p:spTree>
+    <p:extLst>
+      <p:ext uri="{BB962C8B-B14F-4D97-AF65-F5344CB8AC3E}">
+        <p14:creationId xmlns:p14="http://schemas.microsoft.com/office/powerpoint/2010/main" val="554154473"/>
+      </p:ext>
+    </p:extLst>
+  </p:cSld>
+  <p:clrMapOvr>
+    <a:masterClrMapping/>
+  </p:clrMapOvr>
+  <mc:AlternateContent xmlns:mc="http://schemas.openxmlformats.org/markup-compatibility/2006" xmlns:p159="http://schemas.microsoft.com/office/powerpoint/2015/09/main">
+    <mc:Choice Requires="p159">
+      <p:transition xmlns:p14="http://schemas.microsoft.com/office/powerpoint/2010/main" spd="slow" p14:dur="2000">
+        <p159:morph option="byObject"/>
+      </p:transition>
+    </mc:Choice>
+    <mc:Fallback xmlns="">
+      <p:transition spd="slow">
+        <p:fade/>
+      </p:transition>
+    </mc:Fallback>
+  </mc:AlternateContent>
+</p:sld>
+</file>
+
+<file path=ppt/slides/slide9.xml><?xml version="1.0" encoding="utf-8"?>
 <p:sld xmlns:a="http://schemas.openxmlformats.org/drawingml/2006/main" xmlns:r="http://schemas.openxmlformats.org/officeDocument/2006/relationships" xmlns:p="http://schemas.openxmlformats.org/presentationml/2006/main">
   <p:cSld>
     <p:spTree>
@@ -24910,8 +28506,8 @@
         </p:nvSpPr>
         <p:spPr bwMode="auto">
           <a:xfrm>
-            <a:off x="1200150" y="2947987"/>
-            <a:ext cx="6867525" cy="3046988"/>
+            <a:off x="1138237" y="2924944"/>
+            <a:ext cx="6867525" cy="3416320"/>
           </a:xfrm>
           <a:prstGeom prst="rect">
             <a:avLst/>
@@ -25058,20 +28654,6 @@
               <a:defRPr/>
             </a:pPr>
             <a:r>
-              <a:rPr lang="ko-KR" altLang="en-US" sz="2400" dirty="0">
-                <a:solidFill>
-                  <a:schemeClr val="tx1">
-                    <a:lumMod val="75000"/>
-                    <a:lumOff val="25000"/>
-                  </a:schemeClr>
-                </a:solidFill>
-                <a:latin typeface="Arial" panose="020B0604020202020204" pitchFamily="34" charset="0"/>
-                <a:ea typeface="+mj-ea"/>
-                <a:cs typeface="Arial" panose="020B0604020202020204" pitchFamily="34" charset="0"/>
-              </a:rPr>
-              <a:t>서울도서관 소장자료 현황 </a:t>
-            </a:r>
-            <a:r>
               <a:rPr lang="en-US" altLang="ko-KR" sz="2400" dirty="0">
                 <a:solidFill>
                   <a:schemeClr val="tx1">
@@ -25083,7 +28665,7 @@
                 <a:ea typeface="+mj-ea"/>
                 <a:cs typeface="Arial" panose="020B0604020202020204" pitchFamily="34" charset="0"/>
               </a:rPr>
-              <a:t>API</a:t>
+              <a:t>Edge: </a:t>
             </a:r>
             <a:r>
               <a:rPr lang="ko-KR" altLang="en-US" sz="2400" dirty="0">
@@ -25097,7 +28679,7 @@
                 <a:ea typeface="+mj-ea"/>
                 <a:cs typeface="Arial" panose="020B0604020202020204" pitchFamily="34" charset="0"/>
               </a:rPr>
-              <a:t>를 사용하여 현재 소장자료 데이터를 갖고 온다</a:t>
+              <a:t>도로</a:t>
             </a:r>
             <a:endParaRPr lang="en-US" altLang="ko-KR" sz="2400" dirty="0">
               <a:solidFill>
@@ -25136,68 +28718,6 @@
               <a:defRPr/>
             </a:pPr>
             <a:r>
-              <a:rPr lang="ko-KR" altLang="en-US" sz="2400" dirty="0">
-                <a:solidFill>
-                  <a:schemeClr val="tx1">
-                    <a:lumMod val="75000"/>
-                    <a:lumOff val="25000"/>
-                  </a:schemeClr>
-                </a:solidFill>
-                <a:latin typeface="Arial" panose="020B0604020202020204" pitchFamily="34" charset="0"/>
-                <a:ea typeface="+mj-ea"/>
-                <a:cs typeface="Arial" panose="020B0604020202020204" pitchFamily="34" charset="0"/>
-              </a:rPr>
-              <a:t>책의 데이터를 적절한 자료구조로 저장한다</a:t>
-            </a:r>
-            <a:endParaRPr lang="en-US" altLang="ko-KR" sz="2400" dirty="0">
-              <a:solidFill>
-                <a:schemeClr val="tx1">
-                  <a:lumMod val="75000"/>
-                  <a:lumOff val="25000"/>
-                </a:schemeClr>
-              </a:solidFill>
-              <a:latin typeface="Arial" panose="020B0604020202020204" pitchFamily="34" charset="0"/>
-              <a:ea typeface="+mj-ea"/>
-              <a:cs typeface="Arial" panose="020B0604020202020204" pitchFamily="34" charset="0"/>
-            </a:endParaRPr>
-          </a:p>
-          <a:p>
-            <a:pPr marL="0" indent="0" latinLnBrk="1">
-              <a:defRPr/>
-            </a:pPr>
-            <a:endParaRPr lang="en-US" altLang="ko-KR" sz="2400" dirty="0">
-              <a:solidFill>
-                <a:schemeClr val="tx1">
-                  <a:lumMod val="75000"/>
-                  <a:lumOff val="25000"/>
-                </a:schemeClr>
-              </a:solidFill>
-              <a:latin typeface="Arial" panose="020B0604020202020204" pitchFamily="34" charset="0"/>
-              <a:ea typeface="+mj-ea"/>
-              <a:cs typeface="Arial" panose="020B0604020202020204" pitchFamily="34" charset="0"/>
-            </a:endParaRPr>
-          </a:p>
-          <a:p>
-            <a:pPr latinLnBrk="1">
-              <a:buFontTx/>
-              <a:buChar char="•"/>
-              <a:defRPr/>
-            </a:pPr>
-            <a:r>
-              <a:rPr lang="ko-KR" altLang="en-US" sz="2400" dirty="0">
-                <a:solidFill>
-                  <a:schemeClr val="tx1">
-                    <a:lumMod val="75000"/>
-                    <a:lumOff val="25000"/>
-                  </a:schemeClr>
-                </a:solidFill>
-                <a:latin typeface="Arial" panose="020B0604020202020204" pitchFamily="34" charset="0"/>
-                <a:ea typeface="+mj-ea"/>
-                <a:cs typeface="Arial" panose="020B0604020202020204" pitchFamily="34" charset="0"/>
-              </a:rPr>
-              <a:t>가능하면 책의 대출</a:t>
-            </a:r>
-            <a:r>
               <a:rPr lang="en-US" altLang="ko-KR" sz="2400" dirty="0">
                 <a:solidFill>
                   <a:schemeClr val="tx1">
@@ -25209,7 +28729,7 @@
                 <a:ea typeface="+mj-ea"/>
                 <a:cs typeface="Arial" panose="020B0604020202020204" pitchFamily="34" charset="0"/>
               </a:rPr>
-              <a:t>, </a:t>
+              <a:t>Node:</a:t>
             </a:r>
             <a:r>
               <a:rPr lang="ko-KR" altLang="en-US" sz="2400" dirty="0">
@@ -25223,714 +28743,7 @@
                 <a:ea typeface="+mj-ea"/>
                 <a:cs typeface="Arial" panose="020B0604020202020204" pitchFamily="34" charset="0"/>
               </a:rPr>
-              <a:t>반납까지 고려하여 책을 빌릴 수 있는지의 여부와 언제 대출가능한지를 표시하고 싶다</a:t>
-            </a:r>
-            <a:endParaRPr lang="en-US" altLang="ko-KR" sz="2400" dirty="0">
-              <a:solidFill>
-                <a:schemeClr val="tx1">
-                  <a:lumMod val="75000"/>
-                  <a:lumOff val="25000"/>
-                </a:schemeClr>
-              </a:solidFill>
-              <a:latin typeface="Arial" panose="020B0604020202020204" pitchFamily="34" charset="0"/>
-              <a:ea typeface="+mj-ea"/>
-              <a:cs typeface="Arial" panose="020B0604020202020204" pitchFamily="34" charset="0"/>
-            </a:endParaRPr>
-          </a:p>
-        </p:txBody>
-      </p:sp>
-    </p:spTree>
-    <p:extLst>
-      <p:ext uri="{BB962C8B-B14F-4D97-AF65-F5344CB8AC3E}">
-        <p14:creationId xmlns:p14="http://schemas.microsoft.com/office/powerpoint/2010/main" val="554154473"/>
-      </p:ext>
-    </p:extLst>
-  </p:cSld>
-  <p:clrMapOvr>
-    <a:masterClrMapping/>
-  </p:clrMapOvr>
-  <mc:AlternateContent xmlns:mc="http://schemas.openxmlformats.org/markup-compatibility/2006">
-    <mc:Choice xmlns:p159="http://schemas.microsoft.com/office/powerpoint/2015/09/main" Requires="p159">
-      <p:transition xmlns:p14="http://schemas.microsoft.com/office/powerpoint/2010/main" spd="slow" p14:dur="2000">
-        <p159:morph option="byObject"/>
-      </p:transition>
-    </mc:Choice>
-    <mc:Fallback>
-      <p:transition spd="slow">
-        <p:fade/>
-      </p:transition>
-    </mc:Fallback>
-  </mc:AlternateContent>
-</p:sld>
-</file>
-
-<file path=ppt/slides/slide7.xml><?xml version="1.0" encoding="utf-8"?>
-<p:sld xmlns:a="http://schemas.openxmlformats.org/drawingml/2006/main" xmlns:r="http://schemas.openxmlformats.org/officeDocument/2006/relationships" xmlns:p="http://schemas.openxmlformats.org/presentationml/2006/main">
-  <p:cSld>
-    <p:spTree>
-      <p:nvGrpSpPr>
-        <p:cNvPr id="1" name=""/>
-        <p:cNvGrpSpPr/>
-        <p:nvPr/>
-      </p:nvGrpSpPr>
-      <p:grpSpPr>
-        <a:xfrm>
-          <a:off x="0" y="0"/>
-          <a:ext cx="0" cy="0"/>
-          <a:chOff x="0" y="0"/>
-          <a:chExt cx="0" cy="0"/>
-        </a:xfrm>
-      </p:grpSpPr>
-      <p:sp>
-        <p:nvSpPr>
-          <p:cNvPr id="15" name="TextBox 14"/>
-          <p:cNvSpPr txBox="1">
-            <a:spLocks noChangeArrowheads="1"/>
-          </p:cNvSpPr>
-          <p:nvPr/>
-        </p:nvSpPr>
-        <p:spPr bwMode="auto">
-          <a:xfrm>
-            <a:off x="107504" y="2536825"/>
-            <a:ext cx="2701460" cy="1784350"/>
-          </a:xfrm>
-          <a:prstGeom prst="rect">
-            <a:avLst/>
-          </a:prstGeom>
-          <a:noFill/>
-          <a:ln w="9525">
-            <a:noFill/>
-            <a:miter lim="800000"/>
-            <a:headEnd/>
-            <a:tailEnd/>
-          </a:ln>
-        </p:spPr>
-        <p:txBody>
-          <a:bodyPr anchor="ctr">
-            <a:spAutoFit/>
-            <a:scene3d>
-              <a:camera prst="orthographicFront">
-                <a:rot lat="0" lon="0" rev="0"/>
-              </a:camera>
-              <a:lightRig rig="glow" dir="t">
-                <a:rot lat="0" lon="0" rev="3600000"/>
-              </a:lightRig>
-            </a:scene3d>
-            <a:sp3d prstMaterial="softEdge">
-              <a:bevelT w="0" h="0"/>
-              <a:contourClr>
-                <a:schemeClr val="tx1">
-                  <a:lumMod val="75000"/>
-                  <a:lumOff val="25000"/>
-                </a:schemeClr>
-              </a:contourClr>
-            </a:sp3d>
-          </a:bodyPr>
-          <a:lstStyle/>
-          <a:p>
-            <a:pPr algn="ctr" eaLnBrk="1" fontAlgn="auto" latinLnBrk="1" hangingPunct="1">
-              <a:spcBef>
-                <a:spcPts val="0"/>
-              </a:spcBef>
-              <a:spcAft>
-                <a:spcPts val="0"/>
-              </a:spcAft>
-              <a:defRPr/>
-            </a:pPr>
-            <a:r>
-              <a:rPr kumimoji="0" lang="en-US" altLang="ko-KR" sz="11000" b="1" spc="-300" dirty="0">
-                <a:ln>
-                  <a:prstDash val="solid"/>
-                </a:ln>
-                <a:solidFill>
-                  <a:schemeClr val="bg1"/>
-                </a:solidFill>
-                <a:latin typeface="Arial Black" panose="020B0A04020102020204" pitchFamily="34" charset="0"/>
-                <a:ea typeface="맑은 고딕" panose="020B0503020000020004" pitchFamily="50" charset="-127"/>
-                <a:cs typeface="Arial" panose="020B0604020202020204" pitchFamily="34" charset="0"/>
-              </a:rPr>
-              <a:t>03</a:t>
-            </a:r>
-          </a:p>
-        </p:txBody>
-      </p:sp>
-      <p:sp>
-        <p:nvSpPr>
-          <p:cNvPr id="16" name="TextBox 4"/>
-          <p:cNvSpPr txBox="1">
-            <a:spLocks noChangeArrowheads="1"/>
-          </p:cNvSpPr>
-          <p:nvPr/>
-        </p:nvSpPr>
-        <p:spPr bwMode="auto">
-          <a:xfrm>
-            <a:off x="3190875" y="2787650"/>
-            <a:ext cx="4794250" cy="862013"/>
-          </a:xfrm>
-          <a:prstGeom prst="rect">
-            <a:avLst/>
-          </a:prstGeom>
-          <a:noFill/>
-          <a:ln>
-            <a:noFill/>
-          </a:ln>
-          <a:extLst>
-            <a:ext uri="{909E8E84-426E-40DD-AFC4-6F175D3DCCD1}">
-              <a14:hiddenFill xmlns:a14="http://schemas.microsoft.com/office/drawing/2010/main">
-                <a:solidFill>
-                  <a:srgbClr val="FFFFFF"/>
-                </a:solidFill>
-              </a14:hiddenFill>
-            </a:ext>
-            <a:ext uri="{91240B29-F687-4F45-9708-019B960494DF}">
-              <a14:hiddenLine xmlns:a14="http://schemas.microsoft.com/office/drawing/2010/main" w="9525">
-                <a:solidFill>
-                  <a:srgbClr val="000000"/>
-                </a:solidFill>
-                <a:miter lim="800000"/>
-                <a:headEnd/>
-                <a:tailEnd/>
-              </a14:hiddenLine>
-            </a:ext>
-          </a:extLst>
-        </p:spPr>
-        <p:txBody>
-          <a:bodyPr>
-            <a:spAutoFit/>
-          </a:bodyPr>
-          <a:lstStyle>
-            <a:defPPr>
-              <a:defRPr lang="ko-KR"/>
-            </a:defPPr>
-            <a:lvl1pPr eaLnBrk="1" latinLnBrk="1" hangingPunct="1">
-              <a:defRPr kumimoji="0" sz="5000" spc="-150">
-                <a:solidFill>
-                  <a:schemeClr val="tx1">
-                    <a:lumMod val="75000"/>
-                    <a:lumOff val="25000"/>
-                  </a:schemeClr>
-                </a:solidFill>
-                <a:latin typeface="Tekton Pro" panose="020F0603020208020904" pitchFamily="34" charset="0"/>
-                <a:ea typeface="맑은 고딕" panose="020B0503020000020004" pitchFamily="50" charset="-127"/>
-                <a:cs typeface="Arial" panose="020B0604020202020204" pitchFamily="34" charset="0"/>
-              </a:defRPr>
-            </a:lvl1pPr>
-            <a:lvl2pPr marL="742950" indent="-285750"/>
-            <a:lvl3pPr marL="1143000" indent="-228600"/>
-            <a:lvl4pPr marL="1600200" indent="-228600"/>
-            <a:lvl5pPr marL="2057400" indent="-228600"/>
-            <a:lvl6pPr marL="2514600" indent="-228600" eaLnBrk="0" fontAlgn="base" hangingPunct="0">
-              <a:spcBef>
-                <a:spcPct val="0"/>
-              </a:spcBef>
-              <a:spcAft>
-                <a:spcPct val="0"/>
-              </a:spcAft>
-            </a:lvl6pPr>
-            <a:lvl7pPr marL="2971800" indent="-228600" eaLnBrk="0" fontAlgn="base" hangingPunct="0">
-              <a:spcBef>
-                <a:spcPct val="0"/>
-              </a:spcBef>
-              <a:spcAft>
-                <a:spcPct val="0"/>
-              </a:spcAft>
-            </a:lvl7pPr>
-            <a:lvl8pPr marL="3429000" indent="-228600" eaLnBrk="0" fontAlgn="base" hangingPunct="0">
-              <a:spcBef>
-                <a:spcPct val="0"/>
-              </a:spcBef>
-              <a:spcAft>
-                <a:spcPct val="0"/>
-              </a:spcAft>
-            </a:lvl8pPr>
-            <a:lvl9pPr marL="3886200" indent="-228600" eaLnBrk="0" fontAlgn="base" hangingPunct="0">
-              <a:spcBef>
-                <a:spcPct val="0"/>
-              </a:spcBef>
-              <a:spcAft>
-                <a:spcPct val="0"/>
-              </a:spcAft>
-            </a:lvl9pPr>
-          </a:lstStyle>
-          <a:p>
-            <a:pPr>
-              <a:defRPr/>
-            </a:pPr>
-            <a:r>
-              <a:rPr lang="en-US" altLang="ko-KR" dirty="0"/>
-              <a:t>Goal</a:t>
-            </a:r>
-          </a:p>
-        </p:txBody>
-      </p:sp>
-      <p:pic>
-        <p:nvPicPr>
-          <p:cNvPr id="3" name="그래픽 2" descr="전송">
-            <a:extLst>
-              <a:ext uri="{FF2B5EF4-FFF2-40B4-BE49-F238E27FC236}">
-                <a16:creationId xmlns:a16="http://schemas.microsoft.com/office/drawing/2014/main" id="{0814D572-77A7-4483-9871-E91415FE0B3B}"/>
-              </a:ext>
-            </a:extLst>
-          </p:cNvPr>
-          <p:cNvPicPr>
-            <a:picLocks noChangeAspect="1"/>
-          </p:cNvPicPr>
-          <p:nvPr/>
-        </p:nvPicPr>
-        <p:blipFill>
-          <a:blip r:embed="rId2">
-            <a:extLst>
-              <a:ext uri="{28A0092B-C50C-407E-A947-70E740481C1C}">
-                <a14:useLocalDpi xmlns:a14="http://schemas.microsoft.com/office/drawing/2010/main" val="0"/>
-              </a:ext>
-              <a:ext uri="{96DAC541-7B7A-43D3-8B79-37D633B846F1}">
-                <asvg:svgBlip xmlns:asvg="http://schemas.microsoft.com/office/drawing/2016/SVG/main" r:embed="rId3"/>
-              </a:ext>
-            </a:extLst>
-          </a:blip>
-          <a:stretch>
-            <a:fillRect/>
-          </a:stretch>
-        </p:blipFill>
-        <p:spPr>
-          <a:xfrm>
-            <a:off x="5110651" y="2307878"/>
-            <a:ext cx="1681336" cy="1681336"/>
-          </a:xfrm>
-          <a:prstGeom prst="rect">
-            <a:avLst/>
-          </a:prstGeom>
-        </p:spPr>
-      </p:pic>
-    </p:spTree>
-    <p:extLst>
-      <p:ext uri="{BB962C8B-B14F-4D97-AF65-F5344CB8AC3E}">
-        <p14:creationId xmlns:p14="http://schemas.microsoft.com/office/powerpoint/2010/main" val="3723581921"/>
-      </p:ext>
-    </p:extLst>
-  </p:cSld>
-  <p:clrMapOvr>
-    <a:masterClrMapping/>
-  </p:clrMapOvr>
-  <p:transition spd="slow">
-    <p:push dir="u"/>
-  </p:transition>
-</p:sld>
-</file>
-
-<file path=ppt/slides/slide8.xml><?xml version="1.0" encoding="utf-8"?>
-<p:sld xmlns:a="http://schemas.openxmlformats.org/drawingml/2006/main" xmlns:r="http://schemas.openxmlformats.org/officeDocument/2006/relationships" xmlns:p="http://schemas.openxmlformats.org/presentationml/2006/main">
-  <p:cSld>
-    <p:spTree>
-      <p:nvGrpSpPr>
-        <p:cNvPr id="1" name=""/>
-        <p:cNvGrpSpPr/>
-        <p:nvPr/>
-      </p:nvGrpSpPr>
-      <p:grpSpPr>
-        <a:xfrm>
-          <a:off x="0" y="0"/>
-          <a:ext cx="0" cy="0"/>
-          <a:chOff x="0" y="0"/>
-          <a:chExt cx="0" cy="0"/>
-        </a:xfrm>
-      </p:grpSpPr>
-      <p:sp>
-        <p:nvSpPr>
-          <p:cNvPr id="15362" name="제목 1"/>
-          <p:cNvSpPr>
-            <a:spLocks noGrp="1"/>
-          </p:cNvSpPr>
-          <p:nvPr>
-            <p:ph type="title"/>
-          </p:nvPr>
-        </p:nvSpPr>
-        <p:spPr bwMode="auto">
-          <a:xfrm>
-            <a:off x="222250" y="301625"/>
-            <a:ext cx="7345363" cy="369888"/>
-          </a:xfrm>
-          <a:extLst>
-            <a:ext uri="{909E8E84-426E-40DD-AFC4-6F175D3DCCD1}">
-              <a14:hiddenFill xmlns:a14="http://schemas.microsoft.com/office/drawing/2010/main">
-                <a:solidFill>
-                  <a:srgbClr val="FFFFFF"/>
-                </a:solidFill>
-              </a14:hiddenFill>
-            </a:ext>
-            <a:ext uri="{91240B29-F687-4F45-9708-019B960494DF}">
-              <a14:hiddenLine xmlns:a14="http://schemas.microsoft.com/office/drawing/2010/main" w="9525">
-                <a:solidFill>
-                  <a:srgbClr val="000000"/>
-                </a:solidFill>
-                <a:miter lim="800000"/>
-                <a:headEnd/>
-                <a:tailEnd/>
-              </a14:hiddenLine>
-            </a:ext>
-          </a:extLst>
-        </p:spPr>
-        <p:txBody>
-          <a:bodyPr vert="horz" lIns="91440" tIns="45720" rIns="91440" bIns="45720" numCol="1" anchor="t" anchorCtr="0" compatLnSpc="1">
-            <a:prstTxWarp prst="textNoShape">
-              <a:avLst/>
-            </a:prstTxWarp>
-          </a:bodyPr>
-          <a:lstStyle/>
-          <a:p>
-            <a:pPr>
-              <a:defRPr/>
-            </a:pPr>
-            <a:r>
-              <a:rPr lang="en-US" altLang="ko-KR" dirty="0"/>
-              <a:t>GOAL</a:t>
-            </a:r>
-            <a:endParaRPr lang="ko-KR" altLang="ko-KR" dirty="0"/>
-          </a:p>
-        </p:txBody>
-      </p:sp>
-      <p:sp>
-        <p:nvSpPr>
-          <p:cNvPr id="28" name="TextBox 19"/>
-          <p:cNvSpPr txBox="1">
-            <a:spLocks noChangeArrowheads="1"/>
-          </p:cNvSpPr>
-          <p:nvPr/>
-        </p:nvSpPr>
-        <p:spPr bwMode="auto">
-          <a:xfrm>
-            <a:off x="2533650" y="1639888"/>
-            <a:ext cx="4076700" cy="785812"/>
-          </a:xfrm>
-          <a:prstGeom prst="rect">
-            <a:avLst/>
-          </a:prstGeom>
-          <a:noFill/>
-          <a:ln>
-            <a:noFill/>
-          </a:ln>
-          <a:extLst>
-            <a:ext uri="{909E8E84-426E-40DD-AFC4-6F175D3DCCD1}">
-              <a14:hiddenFill xmlns:a14="http://schemas.microsoft.com/office/drawing/2010/main">
-                <a:solidFill>
-                  <a:srgbClr val="FFFFFF"/>
-                </a:solidFill>
-              </a14:hiddenFill>
-            </a:ext>
-            <a:ext uri="{91240B29-F687-4F45-9708-019B960494DF}">
-              <a14:hiddenLine xmlns:a14="http://schemas.microsoft.com/office/drawing/2010/main" w="9525">
-                <a:solidFill>
-                  <a:srgbClr val="000000"/>
-                </a:solidFill>
-                <a:miter lim="800000"/>
-                <a:headEnd/>
-                <a:tailEnd/>
-              </a14:hiddenLine>
-            </a:ext>
-          </a:extLst>
-        </p:spPr>
-        <p:txBody>
-          <a:bodyPr>
-            <a:spAutoFit/>
-          </a:bodyPr>
-          <a:lstStyle>
-            <a:lvl1pPr>
-              <a:defRPr kumimoji="1">
-                <a:solidFill>
-                  <a:schemeClr val="tx1"/>
-                </a:solidFill>
-                <a:latin typeface="굴림" panose="020B0600000101010101" pitchFamily="50" charset="-127"/>
-                <a:ea typeface="굴림" panose="020B0600000101010101" pitchFamily="50" charset="-127"/>
-              </a:defRPr>
-            </a:lvl1pPr>
-            <a:lvl2pPr marL="742950" indent="-285750">
-              <a:defRPr kumimoji="1">
-                <a:solidFill>
-                  <a:schemeClr val="tx1"/>
-                </a:solidFill>
-                <a:latin typeface="굴림" panose="020B0600000101010101" pitchFamily="50" charset="-127"/>
-                <a:ea typeface="굴림" panose="020B0600000101010101" pitchFamily="50" charset="-127"/>
-              </a:defRPr>
-            </a:lvl2pPr>
-            <a:lvl3pPr marL="1143000" indent="-228600">
-              <a:defRPr kumimoji="1">
-                <a:solidFill>
-                  <a:schemeClr val="tx1"/>
-                </a:solidFill>
-                <a:latin typeface="굴림" panose="020B0600000101010101" pitchFamily="50" charset="-127"/>
-                <a:ea typeface="굴림" panose="020B0600000101010101" pitchFamily="50" charset="-127"/>
-              </a:defRPr>
-            </a:lvl3pPr>
-            <a:lvl4pPr marL="1600200" indent="-228600">
-              <a:defRPr kumimoji="1">
-                <a:solidFill>
-                  <a:schemeClr val="tx1"/>
-                </a:solidFill>
-                <a:latin typeface="굴림" panose="020B0600000101010101" pitchFamily="50" charset="-127"/>
-                <a:ea typeface="굴림" panose="020B0600000101010101" pitchFamily="50" charset="-127"/>
-              </a:defRPr>
-            </a:lvl4pPr>
-            <a:lvl5pPr marL="2057400" indent="-228600">
-              <a:defRPr kumimoji="1">
-                <a:solidFill>
-                  <a:schemeClr val="tx1"/>
-                </a:solidFill>
-                <a:latin typeface="굴림" panose="020B0600000101010101" pitchFamily="50" charset="-127"/>
-                <a:ea typeface="굴림" panose="020B0600000101010101" pitchFamily="50" charset="-127"/>
-              </a:defRPr>
-            </a:lvl5pPr>
-            <a:lvl6pPr marL="2514600" indent="-228600" eaLnBrk="0" fontAlgn="base" hangingPunct="0">
-              <a:spcBef>
-                <a:spcPct val="0"/>
-              </a:spcBef>
-              <a:spcAft>
-                <a:spcPct val="0"/>
-              </a:spcAft>
-              <a:defRPr kumimoji="1">
-                <a:solidFill>
-                  <a:schemeClr val="tx1"/>
-                </a:solidFill>
-                <a:latin typeface="굴림" panose="020B0600000101010101" pitchFamily="50" charset="-127"/>
-                <a:ea typeface="굴림" panose="020B0600000101010101" pitchFamily="50" charset="-127"/>
-              </a:defRPr>
-            </a:lvl6pPr>
-            <a:lvl7pPr marL="2971800" indent="-228600" eaLnBrk="0" fontAlgn="base" hangingPunct="0">
-              <a:spcBef>
-                <a:spcPct val="0"/>
-              </a:spcBef>
-              <a:spcAft>
-                <a:spcPct val="0"/>
-              </a:spcAft>
-              <a:defRPr kumimoji="1">
-                <a:solidFill>
-                  <a:schemeClr val="tx1"/>
-                </a:solidFill>
-                <a:latin typeface="굴림" panose="020B0600000101010101" pitchFamily="50" charset="-127"/>
-                <a:ea typeface="굴림" panose="020B0600000101010101" pitchFamily="50" charset="-127"/>
-              </a:defRPr>
-            </a:lvl7pPr>
-            <a:lvl8pPr marL="3429000" indent="-228600" eaLnBrk="0" fontAlgn="base" hangingPunct="0">
-              <a:spcBef>
-                <a:spcPct val="0"/>
-              </a:spcBef>
-              <a:spcAft>
-                <a:spcPct val="0"/>
-              </a:spcAft>
-              <a:defRPr kumimoji="1">
-                <a:solidFill>
-                  <a:schemeClr val="tx1"/>
-                </a:solidFill>
-                <a:latin typeface="굴림" panose="020B0600000101010101" pitchFamily="50" charset="-127"/>
-                <a:ea typeface="굴림" panose="020B0600000101010101" pitchFamily="50" charset="-127"/>
-              </a:defRPr>
-            </a:lvl8pPr>
-            <a:lvl9pPr marL="3886200" indent="-228600" eaLnBrk="0" fontAlgn="base" hangingPunct="0">
-              <a:spcBef>
-                <a:spcPct val="0"/>
-              </a:spcBef>
-              <a:spcAft>
-                <a:spcPct val="0"/>
-              </a:spcAft>
-              <a:defRPr kumimoji="1">
-                <a:solidFill>
-                  <a:schemeClr val="tx1"/>
-                </a:solidFill>
-                <a:latin typeface="굴림" panose="020B0600000101010101" pitchFamily="50" charset="-127"/>
-                <a:ea typeface="굴림" panose="020B0600000101010101" pitchFamily="50" charset="-127"/>
-              </a:defRPr>
-            </a:lvl9pPr>
-          </a:lstStyle>
-          <a:p>
-            <a:pPr algn="ctr" eaLnBrk="1" latinLnBrk="1" hangingPunct="1">
-              <a:defRPr/>
-            </a:pPr>
-            <a:r>
-              <a:rPr kumimoji="0" lang="en-US" altLang="ko-KR" sz="4500" b="1" spc="-150" dirty="0">
-                <a:solidFill>
-                  <a:schemeClr val="tx1">
-                    <a:lumMod val="75000"/>
-                    <a:lumOff val="25000"/>
-                  </a:schemeClr>
-                </a:solidFill>
-                <a:latin typeface="Arial Black" panose="020B0A04020102020204" pitchFamily="34" charset="0"/>
-                <a:ea typeface="맑은 고딕" panose="020B0503020000020004" pitchFamily="50" charset="-127"/>
-                <a:cs typeface="Arial" panose="020B0604020202020204" pitchFamily="34" charset="0"/>
-              </a:rPr>
-              <a:t>Goal</a:t>
-            </a:r>
-          </a:p>
-        </p:txBody>
-      </p:sp>
-      <p:sp>
-        <p:nvSpPr>
-          <p:cNvPr id="29" name="제목 2"/>
-          <p:cNvSpPr txBox="1">
-            <a:spLocks/>
-          </p:cNvSpPr>
-          <p:nvPr/>
-        </p:nvSpPr>
-        <p:spPr bwMode="auto">
-          <a:xfrm>
-            <a:off x="1200150" y="2947987"/>
-            <a:ext cx="6867525" cy="3046988"/>
-          </a:xfrm>
-          <a:prstGeom prst="rect">
-            <a:avLst/>
-          </a:prstGeom>
-          <a:noFill/>
-          <a:ln>
-            <a:noFill/>
-          </a:ln>
-          <a:extLst>
-            <a:ext uri="{909E8E84-426E-40DD-AFC4-6F175D3DCCD1}">
-              <a14:hiddenFill xmlns:a14="http://schemas.microsoft.com/office/drawing/2010/main">
-                <a:solidFill>
-                  <a:srgbClr val="FFFFFF"/>
-                </a:solidFill>
-              </a14:hiddenFill>
-            </a:ext>
-            <a:ext uri="{91240B29-F687-4F45-9708-019B960494DF}">
-              <a14:hiddenLine xmlns:a14="http://schemas.microsoft.com/office/drawing/2010/main" w="9525">
-                <a:solidFill>
-                  <a:srgbClr val="000000"/>
-                </a:solidFill>
-                <a:miter lim="800000"/>
-                <a:headEnd/>
-                <a:tailEnd/>
-              </a14:hiddenLine>
-            </a:ext>
-          </a:extLst>
-        </p:spPr>
-        <p:txBody>
-          <a:bodyPr>
-            <a:spAutoFit/>
-          </a:bodyPr>
-          <a:lstStyle>
-            <a:lvl1pPr marL="182563" indent="-182563">
-              <a:defRPr kumimoji="1">
-                <a:solidFill>
-                  <a:schemeClr val="tx1"/>
-                </a:solidFill>
-                <a:latin typeface="굴림" panose="020B0600000101010101" pitchFamily="50" charset="-127"/>
-                <a:ea typeface="굴림" panose="020B0600000101010101" pitchFamily="50" charset="-127"/>
-              </a:defRPr>
-            </a:lvl1pPr>
-            <a:lvl2pPr marL="742950" indent="-285750">
-              <a:defRPr kumimoji="1">
-                <a:solidFill>
-                  <a:schemeClr val="tx1"/>
-                </a:solidFill>
-                <a:latin typeface="굴림" panose="020B0600000101010101" pitchFamily="50" charset="-127"/>
-                <a:ea typeface="굴림" panose="020B0600000101010101" pitchFamily="50" charset="-127"/>
-              </a:defRPr>
-            </a:lvl2pPr>
-            <a:lvl3pPr marL="1143000" indent="-228600">
-              <a:defRPr kumimoji="1">
-                <a:solidFill>
-                  <a:schemeClr val="tx1"/>
-                </a:solidFill>
-                <a:latin typeface="굴림" panose="020B0600000101010101" pitchFamily="50" charset="-127"/>
-                <a:ea typeface="굴림" panose="020B0600000101010101" pitchFamily="50" charset="-127"/>
-              </a:defRPr>
-            </a:lvl3pPr>
-            <a:lvl4pPr marL="1600200" indent="-228600">
-              <a:defRPr kumimoji="1">
-                <a:solidFill>
-                  <a:schemeClr val="tx1"/>
-                </a:solidFill>
-                <a:latin typeface="굴림" panose="020B0600000101010101" pitchFamily="50" charset="-127"/>
-                <a:ea typeface="굴림" panose="020B0600000101010101" pitchFamily="50" charset="-127"/>
-              </a:defRPr>
-            </a:lvl4pPr>
-            <a:lvl5pPr marL="2057400" indent="-228600">
-              <a:defRPr kumimoji="1">
-                <a:solidFill>
-                  <a:schemeClr val="tx1"/>
-                </a:solidFill>
-                <a:latin typeface="굴림" panose="020B0600000101010101" pitchFamily="50" charset="-127"/>
-                <a:ea typeface="굴림" panose="020B0600000101010101" pitchFamily="50" charset="-127"/>
-              </a:defRPr>
-            </a:lvl5pPr>
-            <a:lvl6pPr marL="2514600" indent="-228600" eaLnBrk="0" fontAlgn="base" hangingPunct="0">
-              <a:spcBef>
-                <a:spcPct val="0"/>
-              </a:spcBef>
-              <a:spcAft>
-                <a:spcPct val="0"/>
-              </a:spcAft>
-              <a:defRPr kumimoji="1">
-                <a:solidFill>
-                  <a:schemeClr val="tx1"/>
-                </a:solidFill>
-                <a:latin typeface="굴림" panose="020B0600000101010101" pitchFamily="50" charset="-127"/>
-                <a:ea typeface="굴림" panose="020B0600000101010101" pitchFamily="50" charset="-127"/>
-              </a:defRPr>
-            </a:lvl6pPr>
-            <a:lvl7pPr marL="2971800" indent="-228600" eaLnBrk="0" fontAlgn="base" hangingPunct="0">
-              <a:spcBef>
-                <a:spcPct val="0"/>
-              </a:spcBef>
-              <a:spcAft>
-                <a:spcPct val="0"/>
-              </a:spcAft>
-              <a:defRPr kumimoji="1">
-                <a:solidFill>
-                  <a:schemeClr val="tx1"/>
-                </a:solidFill>
-                <a:latin typeface="굴림" panose="020B0600000101010101" pitchFamily="50" charset="-127"/>
-                <a:ea typeface="굴림" panose="020B0600000101010101" pitchFamily="50" charset="-127"/>
-              </a:defRPr>
-            </a:lvl7pPr>
-            <a:lvl8pPr marL="3429000" indent="-228600" eaLnBrk="0" fontAlgn="base" hangingPunct="0">
-              <a:spcBef>
-                <a:spcPct val="0"/>
-              </a:spcBef>
-              <a:spcAft>
-                <a:spcPct val="0"/>
-              </a:spcAft>
-              <a:defRPr kumimoji="1">
-                <a:solidFill>
-                  <a:schemeClr val="tx1"/>
-                </a:solidFill>
-                <a:latin typeface="굴림" panose="020B0600000101010101" pitchFamily="50" charset="-127"/>
-                <a:ea typeface="굴림" panose="020B0600000101010101" pitchFamily="50" charset="-127"/>
-              </a:defRPr>
-            </a:lvl8pPr>
-            <a:lvl9pPr marL="3886200" indent="-228600" eaLnBrk="0" fontAlgn="base" hangingPunct="0">
-              <a:spcBef>
-                <a:spcPct val="0"/>
-              </a:spcBef>
-              <a:spcAft>
-                <a:spcPct val="0"/>
-              </a:spcAft>
-              <a:defRPr kumimoji="1">
-                <a:solidFill>
-                  <a:schemeClr val="tx1"/>
-                </a:solidFill>
-                <a:latin typeface="굴림" panose="020B0600000101010101" pitchFamily="50" charset="-127"/>
-                <a:ea typeface="굴림" panose="020B0600000101010101" pitchFamily="50" charset="-127"/>
-              </a:defRPr>
-            </a:lvl9pPr>
-          </a:lstStyle>
-          <a:p>
-            <a:pPr latinLnBrk="1">
-              <a:buFontTx/>
-              <a:buChar char="•"/>
-              <a:defRPr/>
-            </a:pPr>
-            <a:r>
-              <a:rPr lang="ko-KR" altLang="en-US" sz="2400" dirty="0">
-                <a:solidFill>
-                  <a:schemeClr val="tx1">
-                    <a:lumMod val="75000"/>
-                    <a:lumOff val="25000"/>
-                  </a:schemeClr>
-                </a:solidFill>
-                <a:latin typeface="Arial" panose="020B0604020202020204" pitchFamily="34" charset="0"/>
-                <a:ea typeface="+mj-ea"/>
-                <a:cs typeface="Arial" panose="020B0604020202020204" pitchFamily="34" charset="0"/>
-              </a:rPr>
-              <a:t>현재 도서관에 있는 책을 검색하면 책의 정보를 표시한다</a:t>
+              <a:t> 도로를 연결해주는 지점 또는 분기점</a:t>
             </a:r>
             <a:endParaRPr lang="en-US" altLang="ko-KR" sz="2400" dirty="0">
               <a:solidFill>
@@ -25969,6 +28782,20 @@
               <a:defRPr/>
             </a:pPr>
             <a:r>
+              <a:rPr lang="en-US" altLang="ko-KR" sz="2400" dirty="0">
+                <a:solidFill>
+                  <a:schemeClr val="tx1">
+                    <a:lumMod val="75000"/>
+                    <a:lumOff val="25000"/>
+                  </a:schemeClr>
+                </a:solidFill>
+                <a:latin typeface="Arial" panose="020B0604020202020204" pitchFamily="34" charset="0"/>
+                <a:ea typeface="+mj-ea"/>
+                <a:cs typeface="Arial" panose="020B0604020202020204" pitchFamily="34" charset="0"/>
+              </a:rPr>
+              <a:t>Weight: </a:t>
+            </a:r>
+            <a:r>
               <a:rPr lang="ko-KR" altLang="en-US" sz="2400" dirty="0">
                 <a:solidFill>
                   <a:schemeClr val="tx1">
@@ -25980,7 +28807,7 @@
                 <a:ea typeface="+mj-ea"/>
                 <a:cs typeface="Arial" panose="020B0604020202020204" pitchFamily="34" charset="0"/>
               </a:rPr>
-              <a:t>그 책을 대출할 수 있는지</a:t>
+              <a:t>도로 통과 시간</a:t>
             </a:r>
             <a:r>
               <a:rPr lang="en-US" altLang="ko-KR" sz="2400" dirty="0">
@@ -25994,7 +28821,7 @@
                 <a:ea typeface="+mj-ea"/>
                 <a:cs typeface="Arial" panose="020B0604020202020204" pitchFamily="34" charset="0"/>
               </a:rPr>
-              <a:t>, </a:t>
+              <a:t>(</a:t>
             </a:r>
             <a:r>
               <a:rPr lang="ko-KR" altLang="en-US" sz="2400" dirty="0">
@@ -26008,19 +28835,22 @@
                 <a:ea typeface="+mj-ea"/>
                 <a:cs typeface="Arial" panose="020B0604020202020204" pitchFamily="34" charset="0"/>
               </a:rPr>
-              <a:t>그리고 대출할 수 없다면 언제 대출가능한지 표시한다</a:t>
+              <a:t>가장 빠른 길을 찾아야 하므로</a:t>
             </a:r>
-            <a:endParaRPr lang="en-US" altLang="ko-KR" sz="2400" dirty="0">
-              <a:solidFill>
-                <a:schemeClr val="tx1">
-                  <a:lumMod val="75000"/>
-                  <a:lumOff val="25000"/>
-                </a:schemeClr>
-              </a:solidFill>
-              <a:latin typeface="Arial" panose="020B0604020202020204" pitchFamily="34" charset="0"/>
-              <a:ea typeface="+mj-ea"/>
-              <a:cs typeface="Arial" panose="020B0604020202020204" pitchFamily="34" charset="0"/>
-            </a:endParaRPr>
+            <a:r>
+              <a:rPr lang="en-US" altLang="ko-KR" sz="2400" dirty="0">
+                <a:solidFill>
+                  <a:schemeClr val="tx1">
+                    <a:lumMod val="75000"/>
+                    <a:lumOff val="25000"/>
+                  </a:schemeClr>
+                </a:solidFill>
+                <a:latin typeface="Arial" panose="020B0604020202020204" pitchFamily="34" charset="0"/>
+                <a:ea typeface="+mj-ea"/>
+                <a:cs typeface="Arial" panose="020B0604020202020204" pitchFamily="34" charset="0"/>
+              </a:rPr>
+              <a:t>)</a:t>
+            </a:r>
           </a:p>
           <a:p>
             <a:pPr latinLnBrk="1">
@@ -26047,6 +28877,20 @@
               <a:defRPr/>
             </a:pPr>
             <a:r>
+              <a:rPr lang="en-US" altLang="ko-KR" sz="2400" dirty="0">
+                <a:solidFill>
+                  <a:schemeClr val="tx1">
+                    <a:lumMod val="75000"/>
+                    <a:lumOff val="25000"/>
+                  </a:schemeClr>
+                </a:solidFill>
+                <a:latin typeface="Arial" panose="020B0604020202020204" pitchFamily="34" charset="0"/>
+                <a:ea typeface="+mj-ea"/>
+                <a:cs typeface="Arial" panose="020B0604020202020204" pitchFamily="34" charset="0"/>
+              </a:rPr>
+              <a:t>Route: </a:t>
+            </a:r>
+            <a:r>
               <a:rPr lang="ko-KR" altLang="en-US" sz="2400" dirty="0">
                 <a:solidFill>
                   <a:schemeClr val="tx1">
@@ -26058,465 +28902,10 @@
                 <a:ea typeface="+mj-ea"/>
                 <a:cs typeface="Arial" panose="020B0604020202020204" pitchFamily="34" charset="0"/>
               </a:rPr>
-              <a:t>책의 예약 시스템도 가능하면 만든다</a:t>
+              <a:t>빠른 길 찾기 알고리즘을 이용해서 구한 </a:t>
             </a:r>
-            <a:endParaRPr lang="en-US" altLang="ko-KR" sz="2400" dirty="0">
-              <a:solidFill>
-                <a:schemeClr val="tx1">
-                  <a:lumMod val="75000"/>
-                  <a:lumOff val="25000"/>
-                </a:schemeClr>
-              </a:solidFill>
-              <a:latin typeface="Arial" panose="020B0604020202020204" pitchFamily="34" charset="0"/>
-              <a:ea typeface="+mj-ea"/>
-              <a:cs typeface="Arial" panose="020B0604020202020204" pitchFamily="34" charset="0"/>
-            </a:endParaRPr>
-          </a:p>
-          <a:p>
-            <a:pPr latinLnBrk="1">
-              <a:buFontTx/>
-              <a:buChar char="•"/>
-              <a:defRPr/>
-            </a:pPr>
-            <a:endParaRPr lang="en-US" altLang="ko-KR" sz="2400" dirty="0">
-              <a:solidFill>
-                <a:schemeClr val="tx1">
-                  <a:lumMod val="75000"/>
-                  <a:lumOff val="25000"/>
-                </a:schemeClr>
-              </a:solidFill>
-              <a:latin typeface="Arial" panose="020B0604020202020204" pitchFamily="34" charset="0"/>
-              <a:ea typeface="+mj-ea"/>
-              <a:cs typeface="Arial" panose="020B0604020202020204" pitchFamily="34" charset="0"/>
-            </a:endParaRPr>
-          </a:p>
-        </p:txBody>
-      </p:sp>
-    </p:spTree>
-    <p:extLst>
-      <p:ext uri="{BB962C8B-B14F-4D97-AF65-F5344CB8AC3E}">
-        <p14:creationId xmlns:p14="http://schemas.microsoft.com/office/powerpoint/2010/main" val="1716730475"/>
-      </p:ext>
-    </p:extLst>
-  </p:cSld>
-  <p:clrMapOvr>
-    <a:masterClrMapping/>
-  </p:clrMapOvr>
-  <mc:AlternateContent xmlns:mc="http://schemas.openxmlformats.org/markup-compatibility/2006">
-    <mc:Choice xmlns:p159="http://schemas.microsoft.com/office/powerpoint/2015/09/main" Requires="p159">
-      <p:transition xmlns:p14="http://schemas.microsoft.com/office/powerpoint/2010/main" spd="slow" p14:dur="2000">
-        <p159:morph option="byObject"/>
-      </p:transition>
-    </mc:Choice>
-    <mc:Fallback>
-      <p:transition spd="slow">
-        <p:fade/>
-      </p:transition>
-    </mc:Fallback>
-  </mc:AlternateContent>
-</p:sld>
-</file>
-
-<file path=ppt/slides/slide9.xml><?xml version="1.0" encoding="utf-8"?>
-<p:sld xmlns:a="http://schemas.openxmlformats.org/drawingml/2006/main" xmlns:r="http://schemas.openxmlformats.org/officeDocument/2006/relationships" xmlns:p="http://schemas.openxmlformats.org/presentationml/2006/main">
-  <p:cSld>
-    <p:spTree>
-      <p:nvGrpSpPr>
-        <p:cNvPr id="1" name=""/>
-        <p:cNvGrpSpPr/>
-        <p:nvPr/>
-      </p:nvGrpSpPr>
-      <p:grpSpPr>
-        <a:xfrm>
-          <a:off x="0" y="0"/>
-          <a:ext cx="0" cy="0"/>
-          <a:chOff x="0" y="0"/>
-          <a:chExt cx="0" cy="0"/>
-        </a:xfrm>
-      </p:grpSpPr>
-      <p:sp>
-        <p:nvSpPr>
-          <p:cNvPr id="15362" name="제목 1"/>
-          <p:cNvSpPr>
-            <a:spLocks noGrp="1"/>
-          </p:cNvSpPr>
-          <p:nvPr>
-            <p:ph type="title"/>
-          </p:nvPr>
-        </p:nvSpPr>
-        <p:spPr bwMode="auto">
-          <a:xfrm>
-            <a:off x="222250" y="301625"/>
-            <a:ext cx="7345363" cy="369888"/>
-          </a:xfrm>
-          <a:extLst>
-            <a:ext uri="{909E8E84-426E-40DD-AFC4-6F175D3DCCD1}">
-              <a14:hiddenFill xmlns:a14="http://schemas.microsoft.com/office/drawing/2010/main">
-                <a:solidFill>
-                  <a:srgbClr val="FFFFFF"/>
-                </a:solidFill>
-              </a14:hiddenFill>
-            </a:ext>
-            <a:ext uri="{91240B29-F687-4F45-9708-019B960494DF}">
-              <a14:hiddenLine xmlns:a14="http://schemas.microsoft.com/office/drawing/2010/main" w="9525">
-                <a:solidFill>
-                  <a:srgbClr val="000000"/>
-                </a:solidFill>
-                <a:miter lim="800000"/>
-                <a:headEnd/>
-                <a:tailEnd/>
-              </a14:hiddenLine>
-            </a:ext>
-          </a:extLst>
-        </p:spPr>
-        <p:txBody>
-          <a:bodyPr vert="horz" lIns="91440" tIns="45720" rIns="91440" bIns="45720" numCol="1" anchor="t" anchorCtr="0" compatLnSpc="1">
-            <a:prstTxWarp prst="textNoShape">
-              <a:avLst/>
-            </a:prstTxWarp>
-          </a:bodyPr>
-          <a:lstStyle/>
-          <a:p>
-            <a:pPr>
-              <a:defRPr/>
-            </a:pPr>
             <a:r>
-              <a:rPr lang="en-US" altLang="ko-KR" dirty="0"/>
-              <a:t>Question</a:t>
-            </a:r>
-            <a:endParaRPr lang="ko-KR" altLang="ko-KR" dirty="0"/>
-          </a:p>
-        </p:txBody>
-      </p:sp>
-      <p:sp>
-        <p:nvSpPr>
-          <p:cNvPr id="28" name="TextBox 19"/>
-          <p:cNvSpPr txBox="1">
-            <a:spLocks noChangeArrowheads="1"/>
-          </p:cNvSpPr>
-          <p:nvPr/>
-        </p:nvSpPr>
-        <p:spPr bwMode="auto">
-          <a:xfrm>
-            <a:off x="2533650" y="1639888"/>
-            <a:ext cx="4076700" cy="785812"/>
-          </a:xfrm>
-          <a:prstGeom prst="rect">
-            <a:avLst/>
-          </a:prstGeom>
-          <a:noFill/>
-          <a:ln>
-            <a:noFill/>
-          </a:ln>
-          <a:extLst>
-            <a:ext uri="{909E8E84-426E-40DD-AFC4-6F175D3DCCD1}">
-              <a14:hiddenFill xmlns:a14="http://schemas.microsoft.com/office/drawing/2010/main">
-                <a:solidFill>
-                  <a:srgbClr val="FFFFFF"/>
-                </a:solidFill>
-              </a14:hiddenFill>
-            </a:ext>
-            <a:ext uri="{91240B29-F687-4F45-9708-019B960494DF}">
-              <a14:hiddenLine xmlns:a14="http://schemas.microsoft.com/office/drawing/2010/main" w="9525">
-                <a:solidFill>
-                  <a:srgbClr val="000000"/>
-                </a:solidFill>
-                <a:miter lim="800000"/>
-                <a:headEnd/>
-                <a:tailEnd/>
-              </a14:hiddenLine>
-            </a:ext>
-          </a:extLst>
-        </p:spPr>
-        <p:txBody>
-          <a:bodyPr>
-            <a:spAutoFit/>
-          </a:bodyPr>
-          <a:lstStyle>
-            <a:lvl1pPr>
-              <a:defRPr kumimoji="1">
-                <a:solidFill>
-                  <a:schemeClr val="tx1"/>
-                </a:solidFill>
-                <a:latin typeface="굴림" panose="020B0600000101010101" pitchFamily="50" charset="-127"/>
-                <a:ea typeface="굴림" panose="020B0600000101010101" pitchFamily="50" charset="-127"/>
-              </a:defRPr>
-            </a:lvl1pPr>
-            <a:lvl2pPr marL="742950" indent="-285750">
-              <a:defRPr kumimoji="1">
-                <a:solidFill>
-                  <a:schemeClr val="tx1"/>
-                </a:solidFill>
-                <a:latin typeface="굴림" panose="020B0600000101010101" pitchFamily="50" charset="-127"/>
-                <a:ea typeface="굴림" panose="020B0600000101010101" pitchFamily="50" charset="-127"/>
-              </a:defRPr>
-            </a:lvl2pPr>
-            <a:lvl3pPr marL="1143000" indent="-228600">
-              <a:defRPr kumimoji="1">
-                <a:solidFill>
-                  <a:schemeClr val="tx1"/>
-                </a:solidFill>
-                <a:latin typeface="굴림" panose="020B0600000101010101" pitchFamily="50" charset="-127"/>
-                <a:ea typeface="굴림" panose="020B0600000101010101" pitchFamily="50" charset="-127"/>
-              </a:defRPr>
-            </a:lvl3pPr>
-            <a:lvl4pPr marL="1600200" indent="-228600">
-              <a:defRPr kumimoji="1">
-                <a:solidFill>
-                  <a:schemeClr val="tx1"/>
-                </a:solidFill>
-                <a:latin typeface="굴림" panose="020B0600000101010101" pitchFamily="50" charset="-127"/>
-                <a:ea typeface="굴림" panose="020B0600000101010101" pitchFamily="50" charset="-127"/>
-              </a:defRPr>
-            </a:lvl4pPr>
-            <a:lvl5pPr marL="2057400" indent="-228600">
-              <a:defRPr kumimoji="1">
-                <a:solidFill>
-                  <a:schemeClr val="tx1"/>
-                </a:solidFill>
-                <a:latin typeface="굴림" panose="020B0600000101010101" pitchFamily="50" charset="-127"/>
-                <a:ea typeface="굴림" panose="020B0600000101010101" pitchFamily="50" charset="-127"/>
-              </a:defRPr>
-            </a:lvl5pPr>
-            <a:lvl6pPr marL="2514600" indent="-228600" eaLnBrk="0" fontAlgn="base" hangingPunct="0">
-              <a:spcBef>
-                <a:spcPct val="0"/>
-              </a:spcBef>
-              <a:spcAft>
-                <a:spcPct val="0"/>
-              </a:spcAft>
-              <a:defRPr kumimoji="1">
-                <a:solidFill>
-                  <a:schemeClr val="tx1"/>
-                </a:solidFill>
-                <a:latin typeface="굴림" panose="020B0600000101010101" pitchFamily="50" charset="-127"/>
-                <a:ea typeface="굴림" panose="020B0600000101010101" pitchFamily="50" charset="-127"/>
-              </a:defRPr>
-            </a:lvl6pPr>
-            <a:lvl7pPr marL="2971800" indent="-228600" eaLnBrk="0" fontAlgn="base" hangingPunct="0">
-              <a:spcBef>
-                <a:spcPct val="0"/>
-              </a:spcBef>
-              <a:spcAft>
-                <a:spcPct val="0"/>
-              </a:spcAft>
-              <a:defRPr kumimoji="1">
-                <a:solidFill>
-                  <a:schemeClr val="tx1"/>
-                </a:solidFill>
-                <a:latin typeface="굴림" panose="020B0600000101010101" pitchFamily="50" charset="-127"/>
-                <a:ea typeface="굴림" panose="020B0600000101010101" pitchFamily="50" charset="-127"/>
-              </a:defRPr>
-            </a:lvl7pPr>
-            <a:lvl8pPr marL="3429000" indent="-228600" eaLnBrk="0" fontAlgn="base" hangingPunct="0">
-              <a:spcBef>
-                <a:spcPct val="0"/>
-              </a:spcBef>
-              <a:spcAft>
-                <a:spcPct val="0"/>
-              </a:spcAft>
-              <a:defRPr kumimoji="1">
-                <a:solidFill>
-                  <a:schemeClr val="tx1"/>
-                </a:solidFill>
-                <a:latin typeface="굴림" panose="020B0600000101010101" pitchFamily="50" charset="-127"/>
-                <a:ea typeface="굴림" panose="020B0600000101010101" pitchFamily="50" charset="-127"/>
-              </a:defRPr>
-            </a:lvl8pPr>
-            <a:lvl9pPr marL="3886200" indent="-228600" eaLnBrk="0" fontAlgn="base" hangingPunct="0">
-              <a:spcBef>
-                <a:spcPct val="0"/>
-              </a:spcBef>
-              <a:spcAft>
-                <a:spcPct val="0"/>
-              </a:spcAft>
-              <a:defRPr kumimoji="1">
-                <a:solidFill>
-                  <a:schemeClr val="tx1"/>
-                </a:solidFill>
-                <a:latin typeface="굴림" panose="020B0600000101010101" pitchFamily="50" charset="-127"/>
-                <a:ea typeface="굴림" panose="020B0600000101010101" pitchFamily="50" charset="-127"/>
-              </a:defRPr>
-            </a:lvl9pPr>
-          </a:lstStyle>
-          <a:p>
-            <a:pPr algn="ctr" eaLnBrk="1" latinLnBrk="1" hangingPunct="1">
-              <a:defRPr/>
-            </a:pPr>
-            <a:r>
-              <a:rPr kumimoji="0" lang="en-US" altLang="ko-KR" sz="4500" b="1" spc="-150" dirty="0">
-                <a:solidFill>
-                  <a:schemeClr val="tx1">
-                    <a:lumMod val="75000"/>
-                    <a:lumOff val="25000"/>
-                  </a:schemeClr>
-                </a:solidFill>
-                <a:latin typeface="Arial Black" panose="020B0A04020102020204" pitchFamily="34" charset="0"/>
-                <a:ea typeface="맑은 고딕" panose="020B0503020000020004" pitchFamily="50" charset="-127"/>
-                <a:cs typeface="Arial" panose="020B0604020202020204" pitchFamily="34" charset="0"/>
-              </a:rPr>
-              <a:t>???</a:t>
-            </a:r>
-          </a:p>
-        </p:txBody>
-      </p:sp>
-      <p:sp>
-        <p:nvSpPr>
-          <p:cNvPr id="29" name="제목 2"/>
-          <p:cNvSpPr txBox="1">
-            <a:spLocks/>
-          </p:cNvSpPr>
-          <p:nvPr/>
-        </p:nvSpPr>
-        <p:spPr bwMode="auto">
-          <a:xfrm>
-            <a:off x="1138237" y="3394075"/>
-            <a:ext cx="6867525" cy="1384995"/>
-          </a:xfrm>
-          <a:prstGeom prst="rect">
-            <a:avLst/>
-          </a:prstGeom>
-          <a:noFill/>
-          <a:ln>
-            <a:noFill/>
-          </a:ln>
-          <a:extLst>
-            <a:ext uri="{909E8E84-426E-40DD-AFC4-6F175D3DCCD1}">
-              <a14:hiddenFill xmlns:a14="http://schemas.microsoft.com/office/drawing/2010/main">
-                <a:solidFill>
-                  <a:srgbClr val="FFFFFF"/>
-                </a:solidFill>
-              </a14:hiddenFill>
-            </a:ext>
-            <a:ext uri="{91240B29-F687-4F45-9708-019B960494DF}">
-              <a14:hiddenLine xmlns:a14="http://schemas.microsoft.com/office/drawing/2010/main" w="9525">
-                <a:solidFill>
-                  <a:srgbClr val="000000"/>
-                </a:solidFill>
-                <a:miter lim="800000"/>
-                <a:headEnd/>
-                <a:tailEnd/>
-              </a14:hiddenLine>
-            </a:ext>
-          </a:extLst>
-        </p:spPr>
-        <p:txBody>
-          <a:bodyPr>
-            <a:spAutoFit/>
-          </a:bodyPr>
-          <a:lstStyle>
-            <a:lvl1pPr marL="182563" indent="-182563">
-              <a:defRPr kumimoji="1">
-                <a:solidFill>
-                  <a:schemeClr val="tx1"/>
-                </a:solidFill>
-                <a:latin typeface="굴림" panose="020B0600000101010101" pitchFamily="50" charset="-127"/>
-                <a:ea typeface="굴림" panose="020B0600000101010101" pitchFamily="50" charset="-127"/>
-              </a:defRPr>
-            </a:lvl1pPr>
-            <a:lvl2pPr marL="742950" indent="-285750">
-              <a:defRPr kumimoji="1">
-                <a:solidFill>
-                  <a:schemeClr val="tx1"/>
-                </a:solidFill>
-                <a:latin typeface="굴림" panose="020B0600000101010101" pitchFamily="50" charset="-127"/>
-                <a:ea typeface="굴림" panose="020B0600000101010101" pitchFamily="50" charset="-127"/>
-              </a:defRPr>
-            </a:lvl2pPr>
-            <a:lvl3pPr marL="1143000" indent="-228600">
-              <a:defRPr kumimoji="1">
-                <a:solidFill>
-                  <a:schemeClr val="tx1"/>
-                </a:solidFill>
-                <a:latin typeface="굴림" panose="020B0600000101010101" pitchFamily="50" charset="-127"/>
-                <a:ea typeface="굴림" panose="020B0600000101010101" pitchFamily="50" charset="-127"/>
-              </a:defRPr>
-            </a:lvl3pPr>
-            <a:lvl4pPr marL="1600200" indent="-228600">
-              <a:defRPr kumimoji="1">
-                <a:solidFill>
-                  <a:schemeClr val="tx1"/>
-                </a:solidFill>
-                <a:latin typeface="굴림" panose="020B0600000101010101" pitchFamily="50" charset="-127"/>
-                <a:ea typeface="굴림" panose="020B0600000101010101" pitchFamily="50" charset="-127"/>
-              </a:defRPr>
-            </a:lvl4pPr>
-            <a:lvl5pPr marL="2057400" indent="-228600">
-              <a:defRPr kumimoji="1">
-                <a:solidFill>
-                  <a:schemeClr val="tx1"/>
-                </a:solidFill>
-                <a:latin typeface="굴림" panose="020B0600000101010101" pitchFamily="50" charset="-127"/>
-                <a:ea typeface="굴림" panose="020B0600000101010101" pitchFamily="50" charset="-127"/>
-              </a:defRPr>
-            </a:lvl5pPr>
-            <a:lvl6pPr marL="2514600" indent="-228600" eaLnBrk="0" fontAlgn="base" hangingPunct="0">
-              <a:spcBef>
-                <a:spcPct val="0"/>
-              </a:spcBef>
-              <a:spcAft>
-                <a:spcPct val="0"/>
-              </a:spcAft>
-              <a:defRPr kumimoji="1">
-                <a:solidFill>
-                  <a:schemeClr val="tx1"/>
-                </a:solidFill>
-                <a:latin typeface="굴림" panose="020B0600000101010101" pitchFamily="50" charset="-127"/>
-                <a:ea typeface="굴림" panose="020B0600000101010101" pitchFamily="50" charset="-127"/>
-              </a:defRPr>
-            </a:lvl6pPr>
-            <a:lvl7pPr marL="2971800" indent="-228600" eaLnBrk="0" fontAlgn="base" hangingPunct="0">
-              <a:spcBef>
-                <a:spcPct val="0"/>
-              </a:spcBef>
-              <a:spcAft>
-                <a:spcPct val="0"/>
-              </a:spcAft>
-              <a:defRPr kumimoji="1">
-                <a:solidFill>
-                  <a:schemeClr val="tx1"/>
-                </a:solidFill>
-                <a:latin typeface="굴림" panose="020B0600000101010101" pitchFamily="50" charset="-127"/>
-                <a:ea typeface="굴림" panose="020B0600000101010101" pitchFamily="50" charset="-127"/>
-              </a:defRPr>
-            </a:lvl7pPr>
-            <a:lvl8pPr marL="3429000" indent="-228600" eaLnBrk="0" fontAlgn="base" hangingPunct="0">
-              <a:spcBef>
-                <a:spcPct val="0"/>
-              </a:spcBef>
-              <a:spcAft>
-                <a:spcPct val="0"/>
-              </a:spcAft>
-              <a:defRPr kumimoji="1">
-                <a:solidFill>
-                  <a:schemeClr val="tx1"/>
-                </a:solidFill>
-                <a:latin typeface="굴림" panose="020B0600000101010101" pitchFamily="50" charset="-127"/>
-                <a:ea typeface="굴림" panose="020B0600000101010101" pitchFamily="50" charset="-127"/>
-              </a:defRPr>
-            </a:lvl8pPr>
-            <a:lvl9pPr marL="3886200" indent="-228600" eaLnBrk="0" fontAlgn="base" hangingPunct="0">
-              <a:spcBef>
-                <a:spcPct val="0"/>
-              </a:spcBef>
-              <a:spcAft>
-                <a:spcPct val="0"/>
-              </a:spcAft>
-              <a:defRPr kumimoji="1">
-                <a:solidFill>
-                  <a:schemeClr val="tx1"/>
-                </a:solidFill>
-                <a:latin typeface="굴림" panose="020B0600000101010101" pitchFamily="50" charset="-127"/>
-                <a:ea typeface="굴림" panose="020B0600000101010101" pitchFamily="50" charset="-127"/>
-              </a:defRPr>
-            </a:lvl9pPr>
-          </a:lstStyle>
-          <a:p>
-            <a:pPr marL="0" indent="0" algn="ctr" latinLnBrk="1">
-              <a:defRPr/>
-            </a:pPr>
-            <a:r>
-              <a:rPr lang="ko-KR" altLang="en-US" sz="2800" dirty="0">
+              <a:rPr lang="en-US" altLang="ko-KR" sz="2400" dirty="0">
                 <a:solidFill>
                   <a:schemeClr val="tx1">
                     <a:lumMod val="75000"/>
@@ -26527,61 +28916,29 @@
                 <a:ea typeface="+mj-ea"/>
                 <a:cs typeface="Arial" panose="020B0604020202020204" pitchFamily="34" charset="0"/>
               </a:rPr>
-              <a:t>어떻게 하면 책의 정보를 효과적으로 저장하고 관리할 수 있을까</a:t>
+              <a:t>fastest path</a:t>
             </a:r>
-            <a:r>
-              <a:rPr lang="en-US" altLang="ko-KR" sz="2800" dirty="0">
-                <a:solidFill>
-                  <a:schemeClr val="tx1">
-                    <a:lumMod val="75000"/>
-                    <a:lumOff val="25000"/>
-                  </a:schemeClr>
-                </a:solidFill>
-                <a:latin typeface="Arial" panose="020B0604020202020204" pitchFamily="34" charset="0"/>
-                <a:ea typeface="+mj-ea"/>
-                <a:cs typeface="Arial" panose="020B0604020202020204" pitchFamily="34" charset="0"/>
-              </a:rPr>
-              <a:t>?</a:t>
-            </a:r>
-          </a:p>
-          <a:p>
-            <a:pPr algn="ctr" latinLnBrk="1">
-              <a:buFontTx/>
-              <a:buChar char="•"/>
-              <a:defRPr/>
-            </a:pPr>
-            <a:endParaRPr lang="en-US" altLang="ko-KR" sz="2800" dirty="0">
-              <a:solidFill>
-                <a:schemeClr val="tx1">
-                  <a:lumMod val="75000"/>
-                  <a:lumOff val="25000"/>
-                </a:schemeClr>
-              </a:solidFill>
-              <a:latin typeface="Arial" panose="020B0604020202020204" pitchFamily="34" charset="0"/>
-              <a:ea typeface="+mj-ea"/>
-              <a:cs typeface="Arial" panose="020B0604020202020204" pitchFamily="34" charset="0"/>
-            </a:endParaRPr>
           </a:p>
         </p:txBody>
       </p:sp>
     </p:spTree>
     <p:extLst>
       <p:ext uri="{BB962C8B-B14F-4D97-AF65-F5344CB8AC3E}">
-        <p14:creationId xmlns:p14="http://schemas.microsoft.com/office/powerpoint/2010/main" val="3124600495"/>
+        <p14:creationId xmlns:p14="http://schemas.microsoft.com/office/powerpoint/2010/main" val="1626654384"/>
       </p:ext>
     </p:extLst>
   </p:cSld>
   <p:clrMapOvr>
     <a:masterClrMapping/>
   </p:clrMapOvr>
-  <mc:AlternateContent xmlns:mc="http://schemas.openxmlformats.org/markup-compatibility/2006">
-    <mc:Choice xmlns:p14="http://schemas.microsoft.com/office/powerpoint/2010/main" Requires="p14">
-      <p:transition spd="med" p14:dur="700">
-        <p:fade/>
+  <mc:AlternateContent xmlns:mc="http://schemas.openxmlformats.org/markup-compatibility/2006" xmlns:p159="http://schemas.microsoft.com/office/powerpoint/2015/09/main">
+    <mc:Choice Requires="p159">
+      <p:transition xmlns:p14="http://schemas.microsoft.com/office/powerpoint/2010/main" spd="slow" p14:dur="2000">
+        <p159:morph option="byObject"/>
       </p:transition>
     </mc:Choice>
-    <mc:Fallback>
-      <p:transition spd="med">
+    <mc:Fallback xmlns="">
+      <p:transition spd="slow">
         <p:fade/>
       </p:transition>
     </mc:Fallback>
